--- a/mid_poster/mid_poster_en.pptx
+++ b/mid_poster/mid_poster_en.pptx
@@ -3866,6 +3866,42 @@
           <a:chExt cx="0" cy="0"/>
         </a:xfrm>
       </p:grpSpPr>
+      <p:pic>
+        <p:nvPicPr>
+          <p:cNvPr id="4" name="図 3" descr="夜に光っている月&#10;&#10;中程度の精度で自動的に生成された説明">
+            <a:extLst>
+              <a:ext uri="{FF2B5EF4-FFF2-40B4-BE49-F238E27FC236}">
+                <a16:creationId xmlns:a16="http://schemas.microsoft.com/office/drawing/2014/main" id="{794E29C1-F697-57DD-CE31-86D2DEDD056E}"/>
+              </a:ext>
+            </a:extLst>
+          </p:cNvPr>
+          <p:cNvPicPr>
+            <a:picLocks noChangeAspect="1"/>
+          </p:cNvPicPr>
+          <p:nvPr/>
+        </p:nvPicPr>
+        <p:blipFill rotWithShape="1">
+          <a:blip r:embed="rId3">
+            <a:alphaModFix amt="50000"/>
+            <a:extLst>
+              <a:ext uri="{28A0092B-C50C-407E-A947-70E740481C1C}">
+                <a14:useLocalDpi xmlns:a14="http://schemas.microsoft.com/office/drawing/2010/main" val="0"/>
+              </a:ext>
+            </a:extLst>
+          </a:blip>
+          <a:srcRect l="31825" t="-2401" r="7634" b="1553"/>
+          <a:stretch/>
+        </p:blipFill>
+        <p:spPr>
+          <a:xfrm>
+            <a:off x="455554" y="805810"/>
+            <a:ext cx="4624432" cy="4495108"/>
+          </a:xfrm>
+          <a:prstGeom prst="rect">
+            <a:avLst/>
+          </a:prstGeom>
+        </p:spPr>
+      </p:pic>
       <p:sp>
         <p:nvSpPr>
           <p:cNvPr id="2" name="タイトル 1"/>
@@ -3925,7 +3961,7 @@
                 <a:latin typeface="Arial" panose="020B0604020202020204" pitchFamily="34" charset="0"/>
                 <a:cs typeface="Arial" panose="020B0604020202020204" pitchFamily="34" charset="0"/>
               </a:rPr>
-              <a:t>s1270087 Koichiro IBUKA, Supervisor: </a:t>
+              <a:t>s1270087 IBUKA. Koichiro, Supervisor: Prof. DEMURA. </a:t>
             </a:r>
             <a:r>
               <a:rPr kumimoji="1" lang="en-US" altLang="ja-JP" sz="2000" dirty="0" err="1">
@@ -3933,13 +3969,6 @@
                 <a:cs typeface="Arial" panose="020B0604020202020204" pitchFamily="34" charset="0"/>
               </a:rPr>
               <a:t>Hirohide</a:t>
-            </a:r>
-            <a:r>
-              <a:rPr kumimoji="1" lang="en-US" altLang="ja-JP" sz="2000" dirty="0">
-                <a:latin typeface="Arial" panose="020B0604020202020204" pitchFamily="34" charset="0"/>
-                <a:cs typeface="Arial" panose="020B0604020202020204" pitchFamily="34" charset="0"/>
-              </a:rPr>
-              <a:t> DEMURA</a:t>
             </a:r>
             <a:endParaRPr kumimoji="1" lang="ja-JP" altLang="en-US" sz="2000" dirty="0">
               <a:latin typeface="Arial" panose="020B0604020202020204" pitchFamily="34" charset="0"/>
@@ -4011,7 +4040,7 @@
         </p:nvSpPr>
         <p:spPr>
           <a:xfrm>
-            <a:off x="120080" y="6371722"/>
+            <a:off x="292142" y="7625417"/>
             <a:ext cx="3519830" cy="670455"/>
           </a:xfrm>
           <a:prstGeom prst="rect">
@@ -4045,7 +4074,7 @@
                 <a:latin typeface="Arial" panose="020B0604020202020204" pitchFamily="34" charset="0"/>
                 <a:cs typeface="Arial" panose="020B0604020202020204" pitchFamily="34" charset="0"/>
               </a:rPr>
-              <a:t>2.  Approach/Methodology</a:t>
+              <a:t>2. Methodology</a:t>
             </a:r>
             <a:endParaRPr lang="ja-JP" altLang="en-US" sz="2000" dirty="0">
               <a:latin typeface="Arial" panose="020B0604020202020204" pitchFamily="34" charset="0"/>
@@ -4115,7 +4144,7 @@
         </p:nvSpPr>
         <p:spPr>
           <a:xfrm>
-            <a:off x="342696" y="11770155"/>
+            <a:off x="106153" y="11180758"/>
             <a:ext cx="4002286" cy="997433"/>
           </a:xfrm>
           <a:prstGeom prst="rect">
@@ -4214,8 +4243,8 @@
         </p:nvSpPr>
         <p:spPr>
           <a:xfrm>
-            <a:off x="336104" y="2050345"/>
-            <a:ext cx="3837438" cy="4278094"/>
+            <a:off x="302593" y="2147510"/>
+            <a:ext cx="4451604" cy="4339650"/>
           </a:xfrm>
           <a:prstGeom prst="rect">
             <a:avLst/>
@@ -4228,7 +4257,7 @@
           </a:bodyPr>
           <a:lstStyle/>
           <a:p>
-            <a:pPr>
+            <a:pPr algn="just">
               <a:spcAft>
                 <a:spcPts val="600"/>
               </a:spcAft>
@@ -4238,45 +4267,31 @@
                 <a:latin typeface="Arial" panose="020B0604020202020204" pitchFamily="34" charset="0"/>
                 <a:cs typeface="Arial" panose="020B0604020202020204" pitchFamily="34" charset="0"/>
               </a:rPr>
-              <a:t>    </a:t>
-            </a:r>
-            <a:r>
-              <a:rPr kumimoji="1" lang="ja-JP" altLang="en-US" sz="1600">
-                <a:latin typeface="Arial" panose="020B0604020202020204" pitchFamily="34" charset="0"/>
-                <a:cs typeface="Arial" panose="020B0604020202020204" pitchFamily="34" charset="0"/>
-              </a:rPr>
-              <a:t>月表面の数値地形モデル</a:t>
-            </a:r>
-            <a:r>
-              <a:rPr kumimoji="1" lang="en-US" altLang="ja-JP" sz="1600" dirty="0">
-                <a:latin typeface="Arial" panose="020B0604020202020204" pitchFamily="34" charset="0"/>
-                <a:cs typeface="Arial" panose="020B0604020202020204" pitchFamily="34" charset="0"/>
-              </a:rPr>
-              <a:t>:DTM(Digital Terrain Model) </a:t>
-            </a:r>
-            <a:r>
-              <a:rPr kumimoji="1" lang="ja-JP" altLang="en-US" sz="1600">
-                <a:latin typeface="Arial" panose="020B0604020202020204" pitchFamily="34" charset="0"/>
-                <a:cs typeface="Arial" panose="020B0604020202020204" pitchFamily="34" charset="0"/>
-              </a:rPr>
-              <a:t>は、デジタル画像モデルと組み合わせて、月面探査機着陸地点の選定や地形・地質の研究に幅広く使われている</a:t>
-            </a:r>
-            <a:r>
-              <a:rPr kumimoji="1" lang="en-US" altLang="ja-JP" sz="1600" dirty="0">
-                <a:latin typeface="Arial" panose="020B0604020202020204" pitchFamily="34" charset="0"/>
-                <a:cs typeface="Arial" panose="020B0604020202020204" pitchFamily="34" charset="0"/>
-              </a:rPr>
-              <a:t>[1]</a:t>
-            </a:r>
-            <a:r>
-              <a:rPr kumimoji="1" lang="ja-JP" altLang="en-US" sz="1600">
-                <a:latin typeface="Arial" panose="020B0604020202020204" pitchFamily="34" charset="0"/>
-                <a:cs typeface="Arial" panose="020B0604020202020204" pitchFamily="34" charset="0"/>
-              </a:rPr>
-              <a:t>。</a:t>
-            </a:r>
-            <a:r>
-              <a:rPr kumimoji="1" lang="en-US" altLang="ja-JP" sz="1600" dirty="0">
+              <a:t>    Digital Terrain Models (DTMs) of the lunar surface are widely used for lunar exploration planning and studies of topography and geology [1]. LRO NAC DTMs with the highest resolution (~2 m/pix). Coverage of the DTMs shows small percentage with 460 pieces (rectangles in red, Figure 1) [2]. This research proposes a method to complement LRO NAC DTMs by generating the almost the same resolution using Machine Learning &amp; Shape-From-Shading (SFS) [3].</a:t>
+            </a:r>
+          </a:p>
+          <a:p>
+            <a:pPr algn="just">
+              <a:spcAft>
+                <a:spcPts val="600"/>
+              </a:spcAft>
+            </a:pPr>
+            <a:r>
+              <a:rPr lang="en-US" altLang="ja-JP" sz="1600" dirty="0">
+                <a:latin typeface="Arial" panose="020B0604020202020204" pitchFamily="34" charset="0"/>
+                <a:cs typeface="Arial" panose="020B0604020202020204" pitchFamily="34" charset="0"/>
+              </a:rPr>
+              <a:t>Purpose: </a:t>
+            </a:r>
+            <a:r>
+              <a:rPr lang="ja-JP" altLang="en-US" sz="1600">
+                <a:latin typeface="Arial" panose="020B0604020202020204" pitchFamily="34" charset="0"/>
+                <a:cs typeface="Arial" panose="020B0604020202020204" pitchFamily="34" charset="0"/>
+              </a:rPr>
+              <a:t>単一の月面可視画像を入力とした高分解能</a:t>
+            </a:r>
+            <a:r>
+              <a:rPr lang="en-US" altLang="ja-JP" sz="1600" dirty="0">
                 <a:latin typeface="Arial" panose="020B0604020202020204" pitchFamily="34" charset="0"/>
                 <a:cs typeface="Arial" panose="020B0604020202020204" pitchFamily="34" charset="0"/>
               </a:rPr>
@@ -4287,209 +4302,59 @@
                 <a:latin typeface="Arial" panose="020B0604020202020204" pitchFamily="34" charset="0"/>
                 <a:cs typeface="Arial" panose="020B0604020202020204" pitchFamily="34" charset="0"/>
               </a:rPr>
-              <a:t>の</a:t>
-            </a:r>
-            <a:r>
-              <a:rPr kumimoji="1" lang="ja-JP" altLang="en-US" sz="1600">
-                <a:latin typeface="Arial" panose="020B0604020202020204" pitchFamily="34" charset="0"/>
-                <a:cs typeface="Arial" panose="020B0604020202020204" pitchFamily="34" charset="0"/>
-              </a:rPr>
-              <a:t>画像分解能が高いほど、詳細な地形を把握できる。しかし、</a:t>
-            </a:r>
-            <a:r>
-              <a:rPr kumimoji="1" lang="en-US" altLang="ja-JP" sz="1600" dirty="0">
-                <a:latin typeface="Arial" panose="020B0604020202020204" pitchFamily="34" charset="0"/>
-                <a:cs typeface="Arial" panose="020B0604020202020204" pitchFamily="34" charset="0"/>
-              </a:rPr>
-              <a:t>DTM</a:t>
-            </a:r>
-            <a:r>
-              <a:rPr kumimoji="1" lang="ja-JP" altLang="en-US" sz="1600">
-                <a:latin typeface="Arial" panose="020B0604020202020204" pitchFamily="34" charset="0"/>
-                <a:cs typeface="Arial" panose="020B0604020202020204" pitchFamily="34" charset="0"/>
-              </a:rPr>
-              <a:t>の中で最も高い分解能（</a:t>
-            </a:r>
-            <a:r>
-              <a:rPr lang="en-US" altLang="ja-JP" sz="1600" dirty="0">
-                <a:latin typeface="Arial" panose="020B0604020202020204" pitchFamily="34" charset="0"/>
-                <a:cs typeface="Arial" panose="020B0604020202020204" pitchFamily="34" charset="0"/>
-              </a:rPr>
-              <a:t>~2 m/pix</a:t>
-            </a:r>
-            <a:r>
-              <a:rPr lang="ja-JP" altLang="en-US" sz="1600">
-                <a:latin typeface="Arial" panose="020B0604020202020204" pitchFamily="34" charset="0"/>
-                <a:cs typeface="Arial" panose="020B0604020202020204" pitchFamily="34" charset="0"/>
-              </a:rPr>
-              <a:t>）</a:t>
-            </a:r>
-            <a:r>
-              <a:rPr lang="en-US" altLang="ja-JP" sz="1600" dirty="0">
-                <a:latin typeface="Arial" panose="020B0604020202020204" pitchFamily="34" charset="0"/>
-                <a:cs typeface="Arial" panose="020B0604020202020204" pitchFamily="34" charset="0"/>
-              </a:rPr>
-              <a:t> </a:t>
-            </a:r>
-            <a:r>
-              <a:rPr lang="ja-JP" altLang="en-US" sz="1600">
-                <a:latin typeface="Arial" panose="020B0604020202020204" pitchFamily="34" charset="0"/>
-                <a:cs typeface="Arial" panose="020B0604020202020204" pitchFamily="34" charset="0"/>
-              </a:rPr>
-              <a:t>である</a:t>
-            </a:r>
-            <a:r>
-              <a:rPr kumimoji="1" lang="en-US" altLang="ja-JP" sz="1600" dirty="0">
-                <a:latin typeface="Arial" panose="020B0604020202020204" pitchFamily="34" charset="0"/>
-                <a:cs typeface="Arial" panose="020B0604020202020204" pitchFamily="34" charset="0"/>
-              </a:rPr>
-              <a:t>LRO NAC DTM</a:t>
-            </a:r>
-            <a:r>
-              <a:rPr kumimoji="1" lang="ja-JP" altLang="en-US" sz="1600">
-                <a:latin typeface="Arial" panose="020B0604020202020204" pitchFamily="34" charset="0"/>
-                <a:cs typeface="Arial" panose="020B0604020202020204" pitchFamily="34" charset="0"/>
-              </a:rPr>
-              <a:t>は</a:t>
-            </a:r>
-            <a:r>
-              <a:rPr lang="ja-JP" altLang="en-US" sz="1600">
-                <a:latin typeface="Arial" panose="020B0604020202020204" pitchFamily="34" charset="0"/>
-                <a:cs typeface="Arial" panose="020B0604020202020204" pitchFamily="34" charset="0"/>
-              </a:rPr>
-              <a:t>、データの数が約</a:t>
-            </a:r>
-            <a:r>
-              <a:rPr lang="en-US" altLang="ja-JP" sz="1600" dirty="0">
-                <a:latin typeface="Arial" panose="020B0604020202020204" pitchFamily="34" charset="0"/>
-                <a:cs typeface="Arial" panose="020B0604020202020204" pitchFamily="34" charset="0"/>
-              </a:rPr>
-              <a:t>500</a:t>
-            </a:r>
-            <a:r>
-              <a:rPr lang="ja-JP" altLang="en-US" sz="1600">
-                <a:latin typeface="Arial" panose="020B0604020202020204" pitchFamily="34" charset="0"/>
-                <a:cs typeface="Arial" panose="020B0604020202020204" pitchFamily="34" charset="0"/>
-              </a:rPr>
-              <a:t>枚程度しか存在せず、月全球の被覆範囲が非常に少ない</a:t>
-            </a:r>
-            <a:r>
-              <a:rPr lang="en-US" altLang="ja-JP" sz="1600" dirty="0">
-                <a:latin typeface="Arial" panose="020B0604020202020204" pitchFamily="34" charset="0"/>
-                <a:cs typeface="Arial" panose="020B0604020202020204" pitchFamily="34" charset="0"/>
-              </a:rPr>
-              <a:t>[2]</a:t>
-            </a:r>
-            <a:r>
-              <a:rPr lang="ja-JP" altLang="en-US" sz="1600">
-                <a:latin typeface="Arial" panose="020B0604020202020204" pitchFamily="34" charset="0"/>
-                <a:cs typeface="Arial" panose="020B0604020202020204" pitchFamily="34" charset="0"/>
-              </a:rPr>
-              <a:t>。これは人力による</a:t>
-            </a:r>
-            <a:r>
-              <a:rPr lang="en-US" altLang="ja-JP" sz="1600" dirty="0">
-                <a:latin typeface="Arial" panose="020B0604020202020204" pitchFamily="34" charset="0"/>
-                <a:cs typeface="Arial" panose="020B0604020202020204" pitchFamily="34" charset="0"/>
-              </a:rPr>
-              <a:t>DTM</a:t>
-            </a:r>
-            <a:r>
-              <a:rPr lang="ja-JP" altLang="en-US" sz="1600">
-                <a:latin typeface="Arial" panose="020B0604020202020204" pitchFamily="34" charset="0"/>
-                <a:cs typeface="Arial" panose="020B0604020202020204" pitchFamily="34" charset="0"/>
-              </a:rPr>
-              <a:t>の作成に時間がかかることや、従来の手法では</a:t>
-            </a:r>
-            <a:r>
-              <a:rPr lang="en-US" altLang="ja-JP" sz="1600" dirty="0">
-                <a:latin typeface="Arial" panose="020B0604020202020204" pitchFamily="34" charset="0"/>
-                <a:cs typeface="Arial" panose="020B0604020202020204" pitchFamily="34" charset="0"/>
-              </a:rPr>
-              <a:t>DTM</a:t>
-            </a:r>
-            <a:r>
-              <a:rPr lang="ja-JP" altLang="en-US" sz="1600">
-                <a:latin typeface="Arial" panose="020B0604020202020204" pitchFamily="34" charset="0"/>
-                <a:cs typeface="Arial" panose="020B0604020202020204" pitchFamily="34" charset="0"/>
-              </a:rPr>
-              <a:t>を作成できる条件を満たす地域に限りがあるためである</a:t>
-            </a:r>
-            <a:r>
-              <a:rPr lang="en-US" altLang="ja-JP" sz="1600" dirty="0">
-                <a:latin typeface="Arial" panose="020B0604020202020204" pitchFamily="34" charset="0"/>
-                <a:cs typeface="Arial" panose="020B0604020202020204" pitchFamily="34" charset="0"/>
-              </a:rPr>
-              <a:t>[3]</a:t>
-            </a:r>
-            <a:r>
-              <a:rPr lang="ja-JP" altLang="en-US" sz="1600">
-                <a:latin typeface="Arial" panose="020B0604020202020204" pitchFamily="34" charset="0"/>
-                <a:cs typeface="Arial" panose="020B0604020202020204" pitchFamily="34" charset="0"/>
-              </a:rPr>
-              <a:t>。本研究では、機械学習と</a:t>
-            </a:r>
-            <a:r>
-              <a:rPr lang="en-US" altLang="ja-JP" sz="1600" dirty="0">
-                <a:latin typeface="Arial" panose="020B0604020202020204" pitchFamily="34" charset="0"/>
-                <a:cs typeface="Arial" panose="020B0604020202020204" pitchFamily="34" charset="0"/>
-              </a:rPr>
-              <a:t>Shape-From-Shading (SFS) </a:t>
-            </a:r>
-            <a:r>
-              <a:rPr lang="ja-JP" altLang="en-US" sz="1600">
-                <a:latin typeface="Arial" panose="020B0604020202020204" pitchFamily="34" charset="0"/>
-                <a:cs typeface="Arial" panose="020B0604020202020204" pitchFamily="34" charset="0"/>
-              </a:rPr>
-              <a:t>を組み合わせる</a:t>
-            </a:r>
-            <a:r>
-              <a:rPr lang="en-US" altLang="ja-JP" sz="1600" dirty="0">
-                <a:latin typeface="Arial" panose="020B0604020202020204" pitchFamily="34" charset="0"/>
-                <a:cs typeface="Arial" panose="020B0604020202020204" pitchFamily="34" charset="0"/>
-              </a:rPr>
-              <a:t> </a:t>
-            </a:r>
-            <a:r>
-              <a:rPr lang="ja-JP" altLang="en-US" sz="1600">
-                <a:latin typeface="Arial" panose="020B0604020202020204" pitchFamily="34" charset="0"/>
-                <a:cs typeface="Arial" panose="020B0604020202020204" pitchFamily="34" charset="0"/>
-              </a:rPr>
-              <a:t>ことで、</a:t>
-            </a:r>
-            <a:r>
-              <a:rPr lang="en-US" altLang="ja-JP" sz="1600" dirty="0">
-                <a:latin typeface="Arial" panose="020B0604020202020204" pitchFamily="34" charset="0"/>
-                <a:cs typeface="Arial" panose="020B0604020202020204" pitchFamily="34" charset="0"/>
-              </a:rPr>
-              <a:t>LRO NAC DTM</a:t>
-            </a:r>
-            <a:r>
-              <a:rPr lang="ja-JP" altLang="en-US" sz="1600">
-                <a:latin typeface="Arial" panose="020B0604020202020204" pitchFamily="34" charset="0"/>
-                <a:cs typeface="Arial" panose="020B0604020202020204" pitchFamily="34" charset="0"/>
-              </a:rPr>
-              <a:t>と同程度の分解能をもつ</a:t>
-            </a:r>
-            <a:r>
-              <a:rPr lang="en-US" altLang="ja-JP" sz="1600" dirty="0">
-                <a:latin typeface="Arial" panose="020B0604020202020204" pitchFamily="34" charset="0"/>
-                <a:cs typeface="Arial" panose="020B0604020202020204" pitchFamily="34" charset="0"/>
-              </a:rPr>
-              <a:t>DTM</a:t>
-            </a:r>
-            <a:r>
-              <a:rPr lang="ja-JP" altLang="en-US" sz="1600">
-                <a:latin typeface="Arial" panose="020B0604020202020204" pitchFamily="34" charset="0"/>
-                <a:cs typeface="Arial" panose="020B0604020202020204" pitchFamily="34" charset="0"/>
-              </a:rPr>
-              <a:t>を生成し、データの補完を行う。</a:t>
+              <a:t>の自動生成</a:t>
             </a:r>
             <a:endParaRPr lang="en-US" altLang="ja-JP" sz="1600" dirty="0">
               <a:latin typeface="Arial" panose="020B0604020202020204" pitchFamily="34" charset="0"/>
               <a:cs typeface="Arial" panose="020B0604020202020204" pitchFamily="34" charset="0"/>
             </a:endParaRPr>
           </a:p>
+          <a:p>
+            <a:pPr algn="just">
+              <a:spcAft>
+                <a:spcPts val="600"/>
+              </a:spcAft>
+            </a:pPr>
+            <a:r>
+              <a:rPr lang="en-US" altLang="ja-JP" sz="1600" dirty="0">
+                <a:latin typeface="Arial" panose="020B0604020202020204" pitchFamily="34" charset="0"/>
+                <a:cs typeface="Arial" panose="020B0604020202020204" pitchFamily="34" charset="0"/>
+              </a:rPr>
+              <a:t>Approach:</a:t>
+            </a:r>
+          </a:p>
+          <a:p>
+            <a:pPr algn="just">
+              <a:spcAft>
+                <a:spcPts val="600"/>
+              </a:spcAft>
+            </a:pPr>
+            <a:r>
+              <a:rPr lang="en-US" altLang="ja-JP" sz="1600" dirty="0">
+                <a:latin typeface="Arial" panose="020B0604020202020204" pitchFamily="34" charset="0"/>
+                <a:cs typeface="Arial" panose="020B0604020202020204" pitchFamily="34" charset="0"/>
+              </a:rPr>
+              <a:t>G</a:t>
+            </a:r>
+            <a:r>
+              <a:rPr kumimoji="1" lang="en-US" altLang="ja-JP" sz="1600" dirty="0">
+                <a:latin typeface="Arial" panose="020B0604020202020204" pitchFamily="34" charset="0"/>
+                <a:cs typeface="Arial" panose="020B0604020202020204" pitchFamily="34" charset="0"/>
+              </a:rPr>
+              <a:t>oal:</a:t>
+            </a:r>
+          </a:p>
+          <a:p>
+            <a:pPr algn="just">
+              <a:spcAft>
+                <a:spcPts val="600"/>
+              </a:spcAft>
+            </a:pPr>
+            <a:endParaRPr kumimoji="1" lang="en-US" altLang="ja-JP" sz="1600" dirty="0">
+              <a:latin typeface="Arial" panose="020B0604020202020204" pitchFamily="34" charset="0"/>
+              <a:cs typeface="Arial" panose="020B0604020202020204" pitchFamily="34" charset="0"/>
+            </a:endParaRPr>
+          </a:p>
         </p:txBody>
       </p:sp>
       <p:sp>
@@ -4500,8 +4365,8 @@
         </p:nvSpPr>
         <p:spPr>
           <a:xfrm>
-            <a:off x="342696" y="6984230"/>
-            <a:ext cx="3960440" cy="4785926"/>
+            <a:off x="545363" y="8178511"/>
+            <a:ext cx="3960440" cy="1708160"/>
           </a:xfrm>
           <a:prstGeom prst="rect">
             <a:avLst/>
@@ -4523,238 +4388,9 @@
               </a:spcAft>
             </a:pPr>
             <a:r>
-              <a:rPr lang="en-US" altLang="ja-JP" sz="1600" dirty="0">
-                <a:latin typeface="Arial" panose="020B0604020202020204" pitchFamily="34" charset="0"/>
-                <a:cs typeface="Arial" panose="020B0604020202020204" pitchFamily="34" charset="0"/>
-              </a:rPr>
-              <a:t>   </a:t>
-            </a:r>
-            <a:r>
-              <a:rPr lang="ja-JP" altLang="en-US" sz="1600">
-                <a:latin typeface="Arial" panose="020B0604020202020204" pitchFamily="34" charset="0"/>
-                <a:cs typeface="Arial" panose="020B0604020202020204" pitchFamily="34" charset="0"/>
-              </a:rPr>
-              <a:t>本研究では、まず最初に</a:t>
-            </a:r>
-            <a:r>
-              <a:rPr lang="en-US" altLang="ja-JP" sz="1600" dirty="0">
-                <a:latin typeface="Arial" panose="020B0604020202020204" pitchFamily="34" charset="0"/>
-                <a:cs typeface="Arial" panose="020B0604020202020204" pitchFamily="34" charset="0"/>
-              </a:rPr>
-              <a:t>Pix2Pix</a:t>
-            </a:r>
-            <a:r>
-              <a:rPr lang="ja-JP" altLang="en-US" sz="1600">
-                <a:latin typeface="Arial" panose="020B0604020202020204" pitchFamily="34" charset="0"/>
-                <a:cs typeface="Arial" panose="020B0604020202020204" pitchFamily="34" charset="0"/>
-              </a:rPr>
-              <a:t>という機械学習モデル</a:t>
-            </a:r>
-            <a:r>
-              <a:rPr lang="en-US" altLang="ja-JP" sz="1600" dirty="0">
-                <a:latin typeface="Arial" panose="020B0604020202020204" pitchFamily="34" charset="0"/>
-                <a:cs typeface="Arial" panose="020B0604020202020204" pitchFamily="34" charset="0"/>
-              </a:rPr>
-              <a:t>[4]</a:t>
-            </a:r>
-            <a:r>
-              <a:rPr lang="ja-JP" altLang="en-US" sz="1600">
-                <a:latin typeface="Arial" panose="020B0604020202020204" pitchFamily="34" charset="0"/>
-                <a:cs typeface="Arial" panose="020B0604020202020204" pitchFamily="34" charset="0"/>
-              </a:rPr>
-              <a:t>を使って、</a:t>
-            </a:r>
-            <a:r>
-              <a:rPr lang="en-US" altLang="ja-JP" sz="1600" dirty="0">
-                <a:latin typeface="Arial" panose="020B0604020202020204" pitchFamily="34" charset="0"/>
-                <a:cs typeface="Arial" panose="020B0604020202020204" pitchFamily="34" charset="0"/>
-              </a:rPr>
-              <a:t>DTM</a:t>
-            </a:r>
-            <a:r>
-              <a:rPr lang="ja-JP" altLang="en-US" sz="1600">
-                <a:latin typeface="Arial" panose="020B0604020202020204" pitchFamily="34" charset="0"/>
-                <a:cs typeface="Arial" panose="020B0604020202020204" pitchFamily="34" charset="0"/>
-              </a:rPr>
-              <a:t>を作成する。このモデルは、二つの画像集合の対応関係を学習することにより、入力した画像をもう一つの画像の種類へ変換可能にする。このモデルに</a:t>
-            </a:r>
-            <a:r>
-              <a:rPr lang="en-US" altLang="ja-JP" sz="1600" dirty="0">
-                <a:latin typeface="Arial" panose="020B0604020202020204" pitchFamily="34" charset="0"/>
-                <a:cs typeface="Arial" panose="020B0604020202020204" pitchFamily="34" charset="0"/>
-              </a:rPr>
-              <a:t>DTM</a:t>
-            </a:r>
-            <a:r>
-              <a:rPr lang="ja-JP" altLang="en-US" sz="1600">
-                <a:latin typeface="Arial" panose="020B0604020202020204" pitchFamily="34" charset="0"/>
-                <a:cs typeface="Arial" panose="020B0604020202020204" pitchFamily="34" charset="0"/>
-              </a:rPr>
-              <a:t>と月面可視画像の二つを学習させ、一枚の可視画像から</a:t>
-            </a:r>
-            <a:r>
-              <a:rPr lang="en-US" altLang="ja-JP" sz="1600" dirty="0">
-                <a:latin typeface="Arial" panose="020B0604020202020204" pitchFamily="34" charset="0"/>
-                <a:cs typeface="Arial" panose="020B0604020202020204" pitchFamily="34" charset="0"/>
-              </a:rPr>
-              <a:t>DTM</a:t>
-            </a:r>
-            <a:r>
-              <a:rPr lang="ja-JP" altLang="en-US" sz="1600">
-                <a:latin typeface="Arial" panose="020B0604020202020204" pitchFamily="34" charset="0"/>
-                <a:cs typeface="Arial" panose="020B0604020202020204" pitchFamily="34" charset="0"/>
-              </a:rPr>
-              <a:t>を作成できるようにする。可視画像は月全域でデータが存在し、</a:t>
-            </a:r>
-            <a:r>
-              <a:rPr lang="en-US" altLang="ja-JP" sz="1600" dirty="0">
-                <a:latin typeface="Arial" panose="020B0604020202020204" pitchFamily="34" charset="0"/>
-                <a:cs typeface="Arial" panose="020B0604020202020204" pitchFamily="34" charset="0"/>
-              </a:rPr>
-              <a:t>DTM</a:t>
-            </a:r>
-            <a:r>
-              <a:rPr lang="ja-JP" altLang="en-US" sz="1600">
-                <a:latin typeface="Arial" panose="020B0604020202020204" pitchFamily="34" charset="0"/>
-                <a:cs typeface="Arial" panose="020B0604020202020204" pitchFamily="34" charset="0"/>
-              </a:rPr>
-              <a:t>においても、低解像度（</a:t>
-            </a:r>
-            <a:r>
-              <a:rPr lang="en-US" altLang="ja-JP" sz="1600" dirty="0">
-                <a:latin typeface="Arial" panose="020B0604020202020204" pitchFamily="34" charset="0"/>
-                <a:cs typeface="Arial" panose="020B0604020202020204" pitchFamily="34" charset="0"/>
-              </a:rPr>
-              <a:t>~ 10m/pix)</a:t>
-            </a:r>
-            <a:r>
-              <a:rPr lang="ja-JP" altLang="en-US" sz="1600">
-                <a:latin typeface="Arial" panose="020B0604020202020204" pitchFamily="34" charset="0"/>
-                <a:cs typeface="Arial" panose="020B0604020202020204" pitchFamily="34" charset="0"/>
-              </a:rPr>
-              <a:t>のものであればデータが豊富であるため、この手法で全域で</a:t>
-            </a:r>
-            <a:r>
-              <a:rPr lang="en-US" altLang="ja-JP" sz="1600" dirty="0">
-                <a:latin typeface="Arial" panose="020B0604020202020204" pitchFamily="34" charset="0"/>
-                <a:cs typeface="Arial" panose="020B0604020202020204" pitchFamily="34" charset="0"/>
-              </a:rPr>
-              <a:t>DTM</a:t>
-            </a:r>
-            <a:r>
-              <a:rPr lang="ja-JP" altLang="en-US" sz="1600">
-                <a:latin typeface="Arial" panose="020B0604020202020204" pitchFamily="34" charset="0"/>
-                <a:cs typeface="Arial" panose="020B0604020202020204" pitchFamily="34" charset="0"/>
-              </a:rPr>
-              <a:t>を作成することが可能になる。</a:t>
-            </a:r>
-            <a:endParaRPr lang="en-US" altLang="ja-JP" sz="1600" dirty="0">
-              <a:latin typeface="Arial" panose="020B0604020202020204" pitchFamily="34" charset="0"/>
-              <a:cs typeface="Arial" panose="020B0604020202020204" pitchFamily="34" charset="0"/>
-            </a:endParaRPr>
-          </a:p>
-          <a:p>
-            <a:pPr>
-              <a:lnSpc>
-                <a:spcPts val="1800"/>
-              </a:lnSpc>
-              <a:spcAft>
-                <a:spcPts val="600"/>
-              </a:spcAft>
-            </a:pPr>
-            <a:r>
-              <a:rPr lang="en-US" altLang="ja-JP" sz="1600" dirty="0">
-                <a:latin typeface="Arial" panose="020B0604020202020204" pitchFamily="34" charset="0"/>
-                <a:cs typeface="Arial" panose="020B0604020202020204" pitchFamily="34" charset="0"/>
-              </a:rPr>
-              <a:t>   </a:t>
-            </a:r>
-            <a:r>
-              <a:rPr lang="ja-JP" altLang="en-US" sz="1600">
-                <a:latin typeface="Arial" panose="020B0604020202020204" pitchFamily="34" charset="0"/>
-                <a:cs typeface="Arial" panose="020B0604020202020204" pitchFamily="34" charset="0"/>
-              </a:rPr>
-              <a:t>次に、機械学習の手法で生成された</a:t>
-            </a:r>
-            <a:r>
-              <a:rPr lang="en-US" altLang="ja-JP" sz="1600" dirty="0">
-                <a:latin typeface="Arial" panose="020B0604020202020204" pitchFamily="34" charset="0"/>
-                <a:cs typeface="Arial" panose="020B0604020202020204" pitchFamily="34" charset="0"/>
-              </a:rPr>
-              <a:t>DTM</a:t>
-            </a:r>
-            <a:r>
-              <a:rPr lang="ja-JP" altLang="en-US" sz="1600">
-                <a:latin typeface="Arial" panose="020B0604020202020204" pitchFamily="34" charset="0"/>
-                <a:cs typeface="Arial" panose="020B0604020202020204" pitchFamily="34" charset="0"/>
-              </a:rPr>
-              <a:t>に</a:t>
-            </a:r>
-            <a:r>
-              <a:rPr lang="en-US" altLang="ja-JP" sz="1600" dirty="0">
-                <a:latin typeface="Arial" panose="020B0604020202020204" pitchFamily="34" charset="0"/>
-                <a:cs typeface="Arial" panose="020B0604020202020204" pitchFamily="34" charset="0"/>
-              </a:rPr>
-              <a:t>SFS [5] </a:t>
-            </a:r>
-            <a:r>
-              <a:rPr lang="ja-JP" altLang="en-US" sz="1600">
-                <a:latin typeface="Arial" panose="020B0604020202020204" pitchFamily="34" charset="0"/>
-                <a:cs typeface="Arial" panose="020B0604020202020204" pitchFamily="34" charset="0"/>
-              </a:rPr>
-              <a:t>を適応する。</a:t>
-            </a:r>
-            <a:r>
-              <a:rPr lang="en-US" altLang="ja-JP" sz="1600" dirty="0">
-                <a:latin typeface="Arial" panose="020B0604020202020204" pitchFamily="34" charset="0"/>
-                <a:cs typeface="Arial" panose="020B0604020202020204" pitchFamily="34" charset="0"/>
-              </a:rPr>
-              <a:t>SFS</a:t>
-            </a:r>
-            <a:r>
-              <a:rPr lang="ja-JP" altLang="en-US" sz="1600">
-                <a:latin typeface="Arial" panose="020B0604020202020204" pitchFamily="34" charset="0"/>
-                <a:cs typeface="Arial" panose="020B0604020202020204" pitchFamily="34" charset="0"/>
-              </a:rPr>
-              <a:t>は</a:t>
-            </a:r>
-            <a:r>
-              <a:rPr lang="ja-JP" altLang="en-US" sz="1600"/>
-              <a:t>陰影を持つ画像から、物体の三次元構造を推定する手法である。これにより、生成された</a:t>
-            </a:r>
-            <a:r>
               <a:rPr lang="en-US" altLang="ja-JP" sz="1600" dirty="0"/>
-              <a:t>DTM</a:t>
-            </a:r>
-            <a:r>
-              <a:rPr lang="ja-JP" altLang="en-US" sz="1600"/>
-              <a:t>をより精度を上げ、高解像度の</a:t>
-            </a:r>
-            <a:r>
-              <a:rPr lang="en-US" altLang="ja-JP" sz="1600" dirty="0"/>
-              <a:t>DTM</a:t>
-            </a:r>
-            <a:r>
-              <a:rPr lang="ja-JP" altLang="en-US" sz="1600"/>
-              <a:t>に近づける。オープンソースである</a:t>
-            </a:r>
-            <a:r>
-              <a:rPr lang="en-US" altLang="ja-JP" sz="1600" dirty="0"/>
-              <a:t>NASA Ames Stereo Pipeline [6] </a:t>
-            </a:r>
-            <a:r>
-              <a:rPr lang="ja-JP" altLang="en-US" sz="1600"/>
-              <a:t>に搭載されている機能を用いて</a:t>
-            </a:r>
-            <a:r>
-              <a:rPr lang="en-US" altLang="ja-JP" sz="1600" dirty="0"/>
-              <a:t>SFS</a:t>
-            </a:r>
-            <a:r>
-              <a:rPr lang="ja-JP" altLang="en-US" sz="1600"/>
-              <a:t>を適応する</a:t>
-            </a:r>
-            <a:endParaRPr lang="en-US" altLang="ja-JP" sz="1600" dirty="0"/>
+              <a:t>    This research  proposes a method to create DTMs using a machine learning model called Pix2Pix [4] and adapt SFS to the created ones to generate high-resolution DTMs. Pix2Pix can transform an input image into another image type by learning the correspondence between the two image sets [4]. </a:t>
+            </a:r>
           </a:p>
         </p:txBody>
       </p:sp>
@@ -4980,7 +4616,7 @@
         </p:nvSpPr>
         <p:spPr>
           <a:xfrm>
-            <a:off x="5079986" y="10906774"/>
+            <a:off x="5125123" y="10290449"/>
             <a:ext cx="4415061" cy="512992"/>
           </a:xfrm>
           <a:prstGeom prst="rect">
@@ -5033,7 +4669,7 @@
         </p:nvSpPr>
         <p:spPr>
           <a:xfrm>
-            <a:off x="4922129" y="7328681"/>
+            <a:off x="4967266" y="6712356"/>
             <a:ext cx="4210754" cy="716272"/>
           </a:xfrm>
           <a:prstGeom prst="rect">
@@ -5084,7 +4720,7 @@
         </p:nvSpPr>
         <p:spPr>
           <a:xfrm>
-            <a:off x="5016623" y="5599283"/>
+            <a:off x="5061760" y="4982958"/>
             <a:ext cx="4036726" cy="1384947"/>
           </a:xfrm>
           <a:prstGeom prst="rect">
@@ -5156,8 +4792,8 @@
         </p:nvSpPr>
         <p:spPr>
           <a:xfrm>
-            <a:off x="5160640" y="11357889"/>
-            <a:ext cx="4440560" cy="861774"/>
+            <a:off x="5205777" y="10741564"/>
+            <a:ext cx="4440560" cy="1292662"/>
           </a:xfrm>
           <a:prstGeom prst="rect">
             <a:avLst/>
@@ -5170,40 +4806,122 @@
           <a:lstStyle/>
           <a:p>
             <a:r>
-              <a:rPr lang="en-US" altLang="ja-JP" sz="1600" dirty="0">
-                <a:latin typeface="Arial" panose="020B0604020202020204" pitchFamily="34" charset="0"/>
-                <a:cs typeface="Arial" panose="020B0604020202020204" pitchFamily="34" charset="0"/>
-              </a:rPr>
-              <a:t>[1]</a:t>
-            </a:r>
-          </a:p>
-          <a:p>
-            <a:r>
-              <a:rPr lang="en-US" altLang="ja-JP" sz="1600" dirty="0">
-                <a:latin typeface="Arial" panose="020B0604020202020204" pitchFamily="34" charset="0"/>
-                <a:cs typeface="Arial" panose="020B0604020202020204" pitchFamily="34" charset="0"/>
-              </a:rPr>
-              <a:t>[2]</a:t>
-            </a:r>
-          </a:p>
-          <a:p>
-            <a:endParaRPr lang="en-US" altLang="ja-JP" sz="1800" dirty="0">
+              <a:rPr lang="en-US" altLang="ja-JP" sz="1000" dirty="0">
+                <a:latin typeface="Arial" panose="020B0604020202020204" pitchFamily="34" charset="0"/>
+                <a:cs typeface="Arial" panose="020B0604020202020204" pitchFamily="34" charset="0"/>
+              </a:rPr>
+              <a:t>[1] Barker, M. K., et al., A new lunar digital elevation model from the Lunar Orbiter Laser Altimeter and SELENE Terrain Camera, 2016. </a:t>
+            </a:r>
+            <a:r>
+              <a:rPr lang="en-US" altLang="ja-JP" sz="1000" dirty="0" err="1">
+                <a:latin typeface="Arial" panose="020B0604020202020204" pitchFamily="34" charset="0"/>
+                <a:cs typeface="Arial" panose="020B0604020202020204" pitchFamily="34" charset="0"/>
+              </a:rPr>
+              <a:t>doi</a:t>
+            </a:r>
+            <a:r>
+              <a:rPr lang="en-US" altLang="ja-JP" sz="1000" dirty="0">
+                <a:latin typeface="Arial" panose="020B0604020202020204" pitchFamily="34" charset="0"/>
+                <a:cs typeface="Arial" panose="020B0604020202020204" pitchFamily="34" charset="0"/>
+              </a:rPr>
+              <a:t>: </a:t>
+            </a:r>
+            <a:r>
+              <a:rPr lang="en-US" altLang="ja-JP" sz="1000" dirty="0">
+                <a:latin typeface="Arial" panose="020B0604020202020204" pitchFamily="34" charset="0"/>
+                <a:cs typeface="Arial" panose="020B0604020202020204" pitchFamily="34" charset="0"/>
+                <a:hlinkClick r:id="rId4"/>
+              </a:rPr>
+              <a:t>10.1016/j.icarus.2015.07.039</a:t>
+            </a:r>
+            <a:endParaRPr lang="en-US" altLang="ja-JP" sz="1000" dirty="0">
               <a:latin typeface="Arial" panose="020B0604020202020204" pitchFamily="34" charset="0"/>
               <a:cs typeface="Arial" panose="020B0604020202020204" pitchFamily="34" charset="0"/>
             </a:endParaRPr>
           </a:p>
+          <a:p>
+            <a:r>
+              <a:rPr lang="en-US" altLang="ja-JP" sz="1000" dirty="0">
+                <a:latin typeface="Arial" panose="020B0604020202020204" pitchFamily="34" charset="0"/>
+                <a:cs typeface="Arial" panose="020B0604020202020204" pitchFamily="34" charset="0"/>
+              </a:rPr>
+              <a:t>[2]Onodera, K., et al., Resolution enhancement of DEM of the lunar surface using machine learning, 2020. doi:</a:t>
+            </a:r>
+            <a:r>
+              <a:rPr lang="en-US" altLang="ja-JP" sz="1000" dirty="0">
+                <a:latin typeface="Arial" panose="020B0604020202020204" pitchFamily="34" charset="0"/>
+                <a:cs typeface="Arial" panose="020B0604020202020204" pitchFamily="34" charset="0"/>
+                <a:hlinkClick r:id="rId5"/>
+              </a:rPr>
+              <a:t>10.20637/JAXA-RR-19-006/0003</a:t>
+            </a:r>
+            <a:endParaRPr lang="en-US" altLang="ja-JP" sz="1000" dirty="0">
+              <a:latin typeface="Arial" panose="020B0604020202020204" pitchFamily="34" charset="0"/>
+              <a:cs typeface="Arial" panose="020B0604020202020204" pitchFamily="34" charset="0"/>
+            </a:endParaRPr>
+          </a:p>
+          <a:p>
+            <a:r>
+              <a:rPr lang="en-US" altLang="ja-JP" sz="1000" dirty="0">
+                <a:latin typeface="Arial" panose="020B0604020202020204" pitchFamily="34" charset="0"/>
+                <a:cs typeface="Arial" panose="020B0604020202020204" pitchFamily="34" charset="0"/>
+              </a:rPr>
+              <a:t>[3] LROC </a:t>
+            </a:r>
+            <a:r>
+              <a:rPr lang="en-US" altLang="ja-JP" sz="1000" dirty="0" err="1">
+                <a:latin typeface="Arial" panose="020B0604020202020204" pitchFamily="34" charset="0"/>
+                <a:cs typeface="Arial" panose="020B0604020202020204" pitchFamily="34" charset="0"/>
+              </a:rPr>
+              <a:t>Quickmap</a:t>
+            </a:r>
+            <a:r>
+              <a:rPr lang="en-US" altLang="ja-JP" sz="1000" dirty="0">
+                <a:latin typeface="Arial" panose="020B0604020202020204" pitchFamily="34" charset="0"/>
+                <a:cs typeface="Arial" panose="020B0604020202020204" pitchFamily="34" charset="0"/>
+              </a:rPr>
+              <a:t>. </a:t>
+            </a:r>
+            <a:r>
+              <a:rPr lang="en-US" altLang="ja-JP" sz="1000" dirty="0">
+                <a:latin typeface="Arial" panose="020B0604020202020204" pitchFamily="34" charset="0"/>
+                <a:cs typeface="Arial" panose="020B0604020202020204" pitchFamily="34" charset="0"/>
+                <a:hlinkClick r:id="rId6"/>
+              </a:rPr>
+              <a:t>https://quickmap.lroc.asu.edu/</a:t>
+            </a:r>
+            <a:endParaRPr lang="en-US" altLang="ja-JP" sz="1000" dirty="0">
+              <a:latin typeface="Arial" panose="020B0604020202020204" pitchFamily="34" charset="0"/>
+              <a:cs typeface="Arial" panose="020B0604020202020204" pitchFamily="34" charset="0"/>
+            </a:endParaRPr>
+          </a:p>
+          <a:p>
+            <a:r>
+              <a:rPr lang="en-US" altLang="ja-JP" sz="1800" dirty="0">
+                <a:latin typeface="Arial" panose="020B0604020202020204" pitchFamily="34" charset="0"/>
+                <a:cs typeface="Arial" panose="020B0604020202020204" pitchFamily="34" charset="0"/>
+              </a:rPr>
+              <a:t> </a:t>
+            </a:r>
+            <a:endParaRPr lang="en-US" altLang="ja-JP" sz="1000" dirty="0">
+              <a:latin typeface="Arial" panose="020B0604020202020204" pitchFamily="34" charset="0"/>
+              <a:cs typeface="Arial" panose="020B0604020202020204" pitchFamily="34" charset="0"/>
+            </a:endParaRPr>
+          </a:p>
         </p:txBody>
       </p:sp>
       <p:cxnSp>
         <p:nvCxnSpPr>
           <p:cNvPr id="10" name="直線コネクタ 9"/>
-          <p:cNvCxnSpPr/>
+          <p:cNvCxnSpPr>
+            <a:cxnSpLocks/>
+          </p:cNvCxnSpPr>
           <p:nvPr/>
         </p:nvCxnSpPr>
         <p:spPr>
           <a:xfrm>
             <a:off x="4800600" y="1434570"/>
-            <a:ext cx="0" cy="10907308"/>
+            <a:ext cx="0" cy="8452101"/>
           </a:xfrm>
           <a:prstGeom prst="line">
             <a:avLst/>
@@ -5244,14 +4962,14 @@
           <p:nvPr/>
         </p:nvPicPr>
         <p:blipFill>
-          <a:blip r:embed="rId3"/>
+          <a:blip r:embed="rId7"/>
           <a:stretch>
             <a:fillRect/>
           </a:stretch>
         </p:blipFill>
         <p:spPr>
           <a:xfrm>
-            <a:off x="4930194" y="8536586"/>
+            <a:off x="4974316" y="8157554"/>
             <a:ext cx="4614228" cy="1625467"/>
           </a:xfrm>
           <a:prstGeom prst="rect">
@@ -5273,8 +4991,8 @@
         </p:nvSpPr>
         <p:spPr>
           <a:xfrm>
-            <a:off x="6672808" y="11357889"/>
-            <a:ext cx="3498874" cy="1015663"/>
+            <a:off x="7101412" y="9818637"/>
+            <a:ext cx="3498874" cy="830997"/>
           </a:xfrm>
           <a:prstGeom prst="rect">
             <a:avLst/>
@@ -5288,28 +5006,64 @@
           <a:lstStyle/>
           <a:p>
             <a:r>
-              <a:rPr kumimoji="1" lang="ja-JP" altLang="en-US" sz="2000"/>
+              <a:rPr kumimoji="1" lang="ja-JP" altLang="en-US" sz="1600"/>
               <a:t>月幅デカすぎ</a:t>
             </a:r>
-            <a:endParaRPr kumimoji="1" lang="en-US" altLang="ja-JP" sz="2000" dirty="0"/>
-          </a:p>
-          <a:p>
-            <a:r>
-              <a:rPr lang="en-US" altLang="ja-JP" sz="2000" dirty="0"/>
+            <a:endParaRPr kumimoji="1" lang="en-US" altLang="ja-JP" sz="1600" dirty="0"/>
+          </a:p>
+          <a:p>
+            <a:r>
+              <a:rPr lang="en-US" altLang="ja-JP" sz="1600" dirty="0"/>
               <a:t>4</a:t>
             </a:r>
             <a:r>
-              <a:rPr lang="ja-JP" altLang="en-US" sz="2000"/>
+              <a:rPr lang="ja-JP" altLang="en-US" sz="1600"/>
               <a:t>月からも入れておく</a:t>
             </a:r>
-            <a:endParaRPr lang="en-US" altLang="ja-JP" sz="2000" dirty="0"/>
-          </a:p>
-          <a:p>
-            <a:r>
-              <a:rPr lang="ja-JP" altLang="en-US" sz="2000"/>
+            <a:endParaRPr lang="en-US" altLang="ja-JP" sz="1600" dirty="0"/>
+          </a:p>
+          <a:p>
+            <a:r>
+              <a:rPr lang="ja-JP" altLang="en-US" sz="1600"/>
               <a:t>締め切り入れておく　</a:t>
             </a:r>
-            <a:endParaRPr lang="en-US" altLang="ja-JP" sz="2000" dirty="0"/>
+            <a:endParaRPr lang="en-US" altLang="ja-JP" sz="1600" dirty="0"/>
+          </a:p>
+        </p:txBody>
+      </p:sp>
+      <p:sp>
+        <p:nvSpPr>
+          <p:cNvPr id="8" name="テキスト ボックス 7">
+            <a:extLst>
+              <a:ext uri="{FF2B5EF4-FFF2-40B4-BE49-F238E27FC236}">
+                <a16:creationId xmlns:a16="http://schemas.microsoft.com/office/drawing/2014/main" id="{7B9D58E8-A7E2-4BB8-0997-FBD93FC16807}"/>
+              </a:ext>
+            </a:extLst>
+          </p:cNvPr>
+          <p:cNvSpPr txBox="1"/>
+          <p:nvPr/>
+        </p:nvSpPr>
+        <p:spPr>
+          <a:xfrm>
+            <a:off x="401523" y="7096437"/>
+            <a:ext cx="4285369" cy="338554"/>
+          </a:xfrm>
+          <a:prstGeom prst="rect">
+            <a:avLst/>
+          </a:prstGeom>
+          <a:noFill/>
+        </p:spPr>
+        <p:txBody>
+          <a:bodyPr wrap="square" rtlCol="0">
+            <a:spAutoFit/>
+          </a:bodyPr>
+          <a:lstStyle/>
+          <a:p>
+            <a:pPr algn="just"/>
+            <a:r>
+              <a:rPr kumimoji="1" lang="en-US" altLang="ja-JP" sz="1600" b="1" dirty="0"/>
+              <a:t>Figure 1. Footprints of  LRO NAC DTMs in red [4]</a:t>
+            </a:r>
           </a:p>
         </p:txBody>
       </p:sp>

--- a/mid_poster/mid_poster_en.pptx
+++ b/mid_poster/mid_poster_en.pptx
@@ -208,7 +208,7 @@
           <a:p>
             <a:fld id="{00A2018F-E2A8-ED4D-A348-3E0EECE98219}" type="datetimeFigureOut">
               <a:rPr kumimoji="1" lang="ja-JP" altLang="en-US" smtClean="0"/>
-              <a:t>2022/10/14</a:t>
+              <a:t>2022/10/15</a:t>
             </a:fld>
             <a:endParaRPr kumimoji="1" lang="ja-JP" altLang="en-US"/>
           </a:p>
@@ -785,7 +785,7 @@
           <a:p>
             <a:fld id="{41C63ABA-7AD4-414B-BAC9-9FD2A004AC76}" type="datetimeFigureOut">
               <a:rPr kumimoji="1" lang="ja-JP" altLang="en-US" smtClean="0"/>
-              <a:t>2022/10/14</a:t>
+              <a:t>2022/10/15</a:t>
             </a:fld>
             <a:endParaRPr kumimoji="1" lang="ja-JP" altLang="en-US" dirty="0"/>
           </a:p>
@@ -985,7 +985,7 @@
           <a:p>
             <a:fld id="{41C63ABA-7AD4-414B-BAC9-9FD2A004AC76}" type="datetimeFigureOut">
               <a:rPr kumimoji="1" lang="ja-JP" altLang="en-US" smtClean="0"/>
-              <a:t>2022/10/14</a:t>
+              <a:t>2022/10/15</a:t>
             </a:fld>
             <a:endParaRPr kumimoji="1" lang="ja-JP" altLang="en-US" dirty="0"/>
           </a:p>
@@ -1195,7 +1195,7 @@
           <a:p>
             <a:fld id="{41C63ABA-7AD4-414B-BAC9-9FD2A004AC76}" type="datetimeFigureOut">
               <a:rPr kumimoji="1" lang="ja-JP" altLang="en-US" smtClean="0"/>
-              <a:t>2022/10/14</a:t>
+              <a:t>2022/10/15</a:t>
             </a:fld>
             <a:endParaRPr kumimoji="1" lang="ja-JP" altLang="en-US" dirty="0"/>
           </a:p>
@@ -1395,7 +1395,7 @@
           <a:p>
             <a:fld id="{41C63ABA-7AD4-414B-BAC9-9FD2A004AC76}" type="datetimeFigureOut">
               <a:rPr kumimoji="1" lang="ja-JP" altLang="en-US" smtClean="0"/>
-              <a:t>2022/10/14</a:t>
+              <a:t>2022/10/15</a:t>
             </a:fld>
             <a:endParaRPr kumimoji="1" lang="ja-JP" altLang="en-US" dirty="0"/>
           </a:p>
@@ -1640,7 +1640,7 @@
           <a:p>
             <a:fld id="{41C63ABA-7AD4-414B-BAC9-9FD2A004AC76}" type="datetimeFigureOut">
               <a:rPr kumimoji="1" lang="ja-JP" altLang="en-US" smtClean="0"/>
-              <a:t>2022/10/14</a:t>
+              <a:t>2022/10/15</a:t>
             </a:fld>
             <a:endParaRPr kumimoji="1" lang="ja-JP" altLang="en-US" dirty="0"/>
           </a:p>
@@ -1989,7 +1989,7 @@
           <a:p>
             <a:fld id="{41C63ABA-7AD4-414B-BAC9-9FD2A004AC76}" type="datetimeFigureOut">
               <a:rPr kumimoji="1" lang="ja-JP" altLang="en-US" smtClean="0"/>
-              <a:t>2022/10/14</a:t>
+              <a:t>2022/10/15</a:t>
             </a:fld>
             <a:endParaRPr kumimoji="1" lang="ja-JP" altLang="en-US" dirty="0"/>
           </a:p>
@@ -2477,7 +2477,7 @@
           <a:p>
             <a:fld id="{41C63ABA-7AD4-414B-BAC9-9FD2A004AC76}" type="datetimeFigureOut">
               <a:rPr kumimoji="1" lang="ja-JP" altLang="en-US" smtClean="0"/>
-              <a:t>2022/10/14</a:t>
+              <a:t>2022/10/15</a:t>
             </a:fld>
             <a:endParaRPr kumimoji="1" lang="ja-JP" altLang="en-US" dirty="0"/>
           </a:p>
@@ -2594,7 +2594,7 @@
           <a:p>
             <a:fld id="{41C63ABA-7AD4-414B-BAC9-9FD2A004AC76}" type="datetimeFigureOut">
               <a:rPr kumimoji="1" lang="ja-JP" altLang="en-US" smtClean="0"/>
-              <a:t>2022/10/14</a:t>
+              <a:t>2022/10/15</a:t>
             </a:fld>
             <a:endParaRPr kumimoji="1" lang="ja-JP" altLang="en-US" dirty="0"/>
           </a:p>
@@ -2689,7 +2689,7 @@
           <a:p>
             <a:fld id="{41C63ABA-7AD4-414B-BAC9-9FD2A004AC76}" type="datetimeFigureOut">
               <a:rPr kumimoji="1" lang="ja-JP" altLang="en-US" smtClean="0"/>
-              <a:t>2022/10/14</a:t>
+              <a:t>2022/10/15</a:t>
             </a:fld>
             <a:endParaRPr kumimoji="1" lang="ja-JP" altLang="en-US" dirty="0"/>
           </a:p>
@@ -2996,7 +2996,7 @@
           <a:p>
             <a:fld id="{41C63ABA-7AD4-414B-BAC9-9FD2A004AC76}" type="datetimeFigureOut">
               <a:rPr kumimoji="1" lang="ja-JP" altLang="en-US" smtClean="0"/>
-              <a:t>2022/10/14</a:t>
+              <a:t>2022/10/15</a:t>
             </a:fld>
             <a:endParaRPr kumimoji="1" lang="ja-JP" altLang="en-US" dirty="0"/>
           </a:p>
@@ -3248,7 +3248,7 @@
           <a:p>
             <a:fld id="{41C63ABA-7AD4-414B-BAC9-9FD2A004AC76}" type="datetimeFigureOut">
               <a:rPr kumimoji="1" lang="ja-JP" altLang="en-US" smtClean="0"/>
-              <a:t>2022/10/14</a:t>
+              <a:t>2022/10/15</a:t>
             </a:fld>
             <a:endParaRPr kumimoji="1" lang="ja-JP" altLang="en-US" dirty="0"/>
           </a:p>
@@ -3491,7 +3491,7 @@
           <a:p>
             <a:fld id="{41C63ABA-7AD4-414B-BAC9-9FD2A004AC76}" type="datetimeFigureOut">
               <a:rPr kumimoji="1" lang="ja-JP" altLang="en-US" smtClean="0"/>
-              <a:t>2022/10/14</a:t>
+              <a:t>2022/10/15</a:t>
             </a:fld>
             <a:endParaRPr kumimoji="1" lang="ja-JP" altLang="en-US" dirty="0"/>
           </a:p>
@@ -3868,10 +3868,10 @@
       </p:grpSpPr>
       <p:pic>
         <p:nvPicPr>
-          <p:cNvPr id="4" name="図 3" descr="夜に光っている月&#10;&#10;中程度の精度で自動的に生成された説明">
+          <p:cNvPr id="37" name="図 36">
             <a:extLst>
               <a:ext uri="{FF2B5EF4-FFF2-40B4-BE49-F238E27FC236}">
-                <a16:creationId xmlns:a16="http://schemas.microsoft.com/office/drawing/2014/main" id="{794E29C1-F697-57DD-CE31-86D2DEDD056E}"/>
+                <a16:creationId xmlns:a16="http://schemas.microsoft.com/office/drawing/2014/main" id="{D326250C-022C-9B4D-C602-0C145E8AFE77}"/>
               </a:ext>
             </a:extLst>
           </p:cNvPr>
@@ -3880,22 +3880,16 @@
           </p:cNvPicPr>
           <p:nvPr/>
         </p:nvPicPr>
-        <p:blipFill rotWithShape="1">
-          <a:blip r:embed="rId3">
-            <a:alphaModFix amt="50000"/>
-            <a:extLst>
-              <a:ext uri="{28A0092B-C50C-407E-A947-70E740481C1C}">
-                <a14:useLocalDpi xmlns:a14="http://schemas.microsoft.com/office/drawing/2010/main" val="0"/>
-              </a:ext>
-            </a:extLst>
-          </a:blip>
-          <a:srcRect l="31825" t="-2401" r="7634" b="1553"/>
-          <a:stretch/>
+        <p:blipFill>
+          <a:blip r:embed="rId3"/>
+          <a:stretch>
+            <a:fillRect/>
+          </a:stretch>
         </p:blipFill>
         <p:spPr>
           <a:xfrm>
-            <a:off x="455554" y="805810"/>
-            <a:ext cx="4624432" cy="4495108"/>
+            <a:off x="5022950" y="7074190"/>
+            <a:ext cx="4330848" cy="1860166"/>
           </a:xfrm>
           <a:prstGeom prst="rect">
             <a:avLst/>
@@ -4040,7 +4034,7 @@
         </p:nvSpPr>
         <p:spPr>
           <a:xfrm>
-            <a:off x="292142" y="7625417"/>
+            <a:off x="250669" y="7198080"/>
             <a:ext cx="3519830" cy="670455"/>
           </a:xfrm>
           <a:prstGeom prst="rect">
@@ -4144,8 +4138,8 @@
         </p:nvSpPr>
         <p:spPr>
           <a:xfrm>
-            <a:off x="106153" y="11180758"/>
-            <a:ext cx="4002286" cy="997433"/>
+            <a:off x="181620" y="10892637"/>
+            <a:ext cx="9322067" cy="1671091"/>
           </a:xfrm>
           <a:prstGeom prst="rect">
             <a:avLst/>
@@ -4243,8 +4237,8 @@
         </p:nvSpPr>
         <p:spPr>
           <a:xfrm>
-            <a:off x="302593" y="2147510"/>
-            <a:ext cx="4451604" cy="4339650"/>
+            <a:off x="524326" y="1961473"/>
+            <a:ext cx="3950925" cy="5509200"/>
           </a:xfrm>
           <a:prstGeom prst="rect">
             <a:avLst/>
@@ -4267,93 +4261,22 @@
                 <a:latin typeface="Arial" panose="020B0604020202020204" pitchFamily="34" charset="0"/>
                 <a:cs typeface="Arial" panose="020B0604020202020204" pitchFamily="34" charset="0"/>
               </a:rPr>
-              <a:t>    Digital Terrain Models (DTMs) of the lunar surface are widely used for lunar exploration planning and studies of topography and geology [1]. LRO NAC DTMs with the highest resolution (~2 m/pix). Coverage of the DTMs shows small percentage with 460 pieces (rectangles in red, Figure 1) [2]. This research proposes a method to complement LRO NAC DTMs by generating the almost the same resolution using Machine Learning &amp; Shape-From-Shading (SFS) [3].</a:t>
-            </a:r>
-          </a:p>
-          <a:p>
-            <a:pPr algn="just">
-              <a:spcAft>
-                <a:spcPts val="600"/>
-              </a:spcAft>
-            </a:pPr>
-            <a:r>
-              <a:rPr lang="en-US" altLang="ja-JP" sz="1600" dirty="0">
-                <a:latin typeface="Arial" panose="020B0604020202020204" pitchFamily="34" charset="0"/>
-                <a:cs typeface="Arial" panose="020B0604020202020204" pitchFamily="34" charset="0"/>
-              </a:rPr>
-              <a:t>Purpose: </a:t>
+              <a:t>    Digital Terrain Models (DTMs) of the lunar surface are widely used for lunar exploration planning and studies of topography and geology [1]. LRO NAC DTMs with the highest resolution (~2 m/pix). Coverage of the DTMs shows small percentage with 470 pieces [2]. This is due to the time-consuming human creation of DTMs and the limited data available as a source of generation [3]</a:t>
             </a:r>
             <a:r>
               <a:rPr lang="ja-JP" altLang="en-US" sz="1600">
                 <a:latin typeface="Arial" panose="020B0604020202020204" pitchFamily="34" charset="0"/>
                 <a:cs typeface="Arial" panose="020B0604020202020204" pitchFamily="34" charset="0"/>
               </a:rPr>
-              <a:t>単一の月面可視画像を入力とした高分解能</a:t>
-            </a:r>
-            <a:r>
-              <a:rPr lang="en-US" altLang="ja-JP" sz="1600" dirty="0">
-                <a:latin typeface="Arial" panose="020B0604020202020204" pitchFamily="34" charset="0"/>
-                <a:cs typeface="Arial" panose="020B0604020202020204" pitchFamily="34" charset="0"/>
-              </a:rPr>
-              <a:t>DTM</a:t>
-            </a:r>
-            <a:r>
-              <a:rPr lang="ja-JP" altLang="en-US" sz="1600">
-                <a:latin typeface="Arial" panose="020B0604020202020204" pitchFamily="34" charset="0"/>
-                <a:cs typeface="Arial" panose="020B0604020202020204" pitchFamily="34" charset="0"/>
-              </a:rPr>
-              <a:t>の自動生成</a:t>
-            </a:r>
-            <a:endParaRPr lang="en-US" altLang="ja-JP" sz="1600" dirty="0">
-              <a:latin typeface="Arial" panose="020B0604020202020204" pitchFamily="34" charset="0"/>
-              <a:cs typeface="Arial" panose="020B0604020202020204" pitchFamily="34" charset="0"/>
-            </a:endParaRPr>
-          </a:p>
-          <a:p>
-            <a:pPr algn="just">
-              <a:spcAft>
-                <a:spcPts val="600"/>
-              </a:spcAft>
-            </a:pPr>
-            <a:r>
-              <a:rPr lang="en-US" altLang="ja-JP" sz="1600" dirty="0">
-                <a:latin typeface="Arial" panose="020B0604020202020204" pitchFamily="34" charset="0"/>
-                <a:cs typeface="Arial" panose="020B0604020202020204" pitchFamily="34" charset="0"/>
-              </a:rPr>
-              <a:t>Approach:</a:t>
-            </a:r>
-          </a:p>
-          <a:p>
-            <a:pPr algn="just">
-              <a:spcAft>
-                <a:spcPts val="600"/>
-              </a:spcAft>
-            </a:pPr>
-            <a:r>
-              <a:rPr lang="en-US" altLang="ja-JP" sz="1600" dirty="0">
-                <a:latin typeface="Arial" panose="020B0604020202020204" pitchFamily="34" charset="0"/>
-                <a:cs typeface="Arial" panose="020B0604020202020204" pitchFamily="34" charset="0"/>
-              </a:rPr>
-              <a:t>G</a:t>
+              <a:t>という課題があるためである</a:t>
             </a:r>
             <a:r>
               <a:rPr kumimoji="1" lang="en-US" altLang="ja-JP" sz="1600" dirty="0">
                 <a:latin typeface="Arial" panose="020B0604020202020204" pitchFamily="34" charset="0"/>
                 <a:cs typeface="Arial" panose="020B0604020202020204" pitchFamily="34" charset="0"/>
               </a:rPr>
-              <a:t>oal:</a:t>
-            </a:r>
-          </a:p>
-          <a:p>
-            <a:pPr algn="just">
-              <a:spcAft>
-                <a:spcPts val="600"/>
-              </a:spcAft>
-            </a:pPr>
-            <a:endParaRPr kumimoji="1" lang="en-US" altLang="ja-JP" sz="1600" dirty="0">
-              <a:latin typeface="Arial" panose="020B0604020202020204" pitchFamily="34" charset="0"/>
-              <a:cs typeface="Arial" panose="020B0604020202020204" pitchFamily="34" charset="0"/>
-            </a:endParaRPr>
+              <a:t>. The purpose of this study is to generate high-resolution DTMs automatically and with limited data. This research proposes a method to complement LRO NAC DTMs by generating the almost the same resolution using Machine Learning &amp; Shape-From-Shading (SFS) [4]. The goal of this study is to implement a DTM generation pipeline that combines machine learning and SFS to evaluate the generated DTMs.</a:t>
+            </a:r>
           </a:p>
         </p:txBody>
       </p:sp>
@@ -4365,8 +4288,8 @@
         </p:nvSpPr>
         <p:spPr>
           <a:xfrm>
-            <a:off x="545363" y="8178511"/>
-            <a:ext cx="3960440" cy="1708160"/>
+            <a:off x="350077" y="7884109"/>
+            <a:ext cx="4281031" cy="3093154"/>
           </a:xfrm>
           <a:prstGeom prst="rect">
             <a:avLst/>
@@ -4379,7 +4302,7 @@
           </a:bodyPr>
           <a:lstStyle/>
           <a:p>
-            <a:pPr>
+            <a:pPr algn="dist">
               <a:lnSpc>
                 <a:spcPts val="1800"/>
               </a:lnSpc>
@@ -4388,8 +4311,11 @@
               </a:spcAft>
             </a:pPr>
             <a:r>
-              <a:rPr lang="en-US" altLang="ja-JP" sz="1600" dirty="0"/>
-              <a:t>    This research  proposes a method to create DTMs using a machine learning model called Pix2Pix [4] and adapt SFS to the created ones to generate high-resolution DTMs. Pix2Pix can transform an input image into another image type by learning the correspondence between the two image sets [4]. </a:t>
+              <a:rPr lang="en-US" altLang="ja-JP" sz="1600" dirty="0">
+                <a:latin typeface="Arial" panose="020B0604020202020204" pitchFamily="34" charset="0"/>
+                <a:cs typeface="Arial" panose="020B0604020202020204" pitchFamily="34" charset="0"/>
+              </a:rPr>
+              <a:t>    This study uses a machine learning model called Pix2Pix. This model allows the transformation of image types by learning the relationship between two sets of images. This allows the model to learn the relationship between a visible lunar surface image and a DTM, and to create a DTM from the visible image. SFS is a method for estimating the shape of an object from a single shaded image. By adapting SFS to DTMs generated by machine learning models, the resolution of DTMs is improved. The pipeline is shown in Figure.1.</a:t>
             </a:r>
           </a:p>
         </p:txBody>
@@ -4616,7 +4542,7 @@
         </p:nvSpPr>
         <p:spPr>
           <a:xfrm>
-            <a:off x="5125123" y="10290449"/>
+            <a:off x="5005163" y="9017537"/>
             <a:ext cx="4415061" cy="512992"/>
           </a:xfrm>
           <a:prstGeom prst="rect">
@@ -4669,7 +4595,7 @@
         </p:nvSpPr>
         <p:spPr>
           <a:xfrm>
-            <a:off x="4967266" y="6712356"/>
+            <a:off x="4996035" y="6356247"/>
             <a:ext cx="4210754" cy="716272"/>
           </a:xfrm>
           <a:prstGeom prst="rect">
@@ -4703,7 +4629,7 @@
                 <a:latin typeface="Arial" panose="020B0604020202020204" pitchFamily="34" charset="0"/>
                 <a:cs typeface="Arial" panose="020B0604020202020204" pitchFamily="34" charset="0"/>
               </a:rPr>
-              <a:t>4. Remaining Tasks and Tentative Schedule</a:t>
+              <a:t>4. Schedule</a:t>
             </a:r>
             <a:endParaRPr lang="ja-JP" altLang="en-US" sz="2000" dirty="0">
               <a:latin typeface="Arial" panose="020B0604020202020204" pitchFamily="34" charset="0"/>
@@ -4792,8 +4718,8 @@
         </p:nvSpPr>
         <p:spPr>
           <a:xfrm>
-            <a:off x="5205777" y="10741564"/>
-            <a:ext cx="4440560" cy="1292662"/>
+            <a:off x="5019700" y="9474529"/>
+            <a:ext cx="4440560" cy="1446550"/>
           </a:xfrm>
           <a:prstGeom prst="rect">
             <a:avLst/>
@@ -4845,7 +4771,16 @@
                 <a:latin typeface="Arial" panose="020B0604020202020204" pitchFamily="34" charset="0"/>
                 <a:cs typeface="Arial" panose="020B0604020202020204" pitchFamily="34" charset="0"/>
               </a:rPr>
-              <a:t>[2]Onodera, K., et al., Resolution enhancement of DEM of the lunar surface using machine learning, 2020. doi:</a:t>
+              <a:t>[2] LROC NAC Digital Terrain Models: Production and Availability</a:t>
+            </a:r>
+          </a:p>
+          <a:p>
+            <a:r>
+              <a:rPr lang="en-US" altLang="ja-JP" sz="1000" dirty="0">
+                <a:latin typeface="Arial" panose="020B0604020202020204" pitchFamily="34" charset="0"/>
+                <a:cs typeface="Arial" panose="020B0604020202020204" pitchFamily="34" charset="0"/>
+              </a:rPr>
+              <a:t>[3]Onodera, K., et al., Resolution enhancement of DEM of the lunar surface using machine learning, 2020. doi:</a:t>
             </a:r>
             <a:r>
               <a:rPr lang="en-US" altLang="ja-JP" sz="1000" dirty="0">
@@ -4866,7 +4801,7 @@
                 <a:latin typeface="Arial" panose="020B0604020202020204" pitchFamily="34" charset="0"/>
                 <a:cs typeface="Arial" panose="020B0604020202020204" pitchFamily="34" charset="0"/>
               </a:rPr>
-              <a:t>[3] LROC </a:t>
+              <a:t>[4] LROC </a:t>
             </a:r>
             <a:r>
               <a:rPr lang="en-US" altLang="ja-JP" sz="1000" dirty="0" err="1">
@@ -4947,36 +4882,6 @@
           </a:fontRef>
         </p:style>
       </p:cxnSp>
-      <p:pic>
-        <p:nvPicPr>
-          <p:cNvPr id="23" name="図 22">
-            <a:extLst>
-              <a:ext uri="{FF2B5EF4-FFF2-40B4-BE49-F238E27FC236}">
-                <a16:creationId xmlns:a16="http://schemas.microsoft.com/office/drawing/2014/main" id="{D1039B03-B55B-4BE0-30A4-DFA8E919EAF3}"/>
-              </a:ext>
-            </a:extLst>
-          </p:cNvPr>
-          <p:cNvPicPr>
-            <a:picLocks noChangeAspect="1"/>
-          </p:cNvPicPr>
-          <p:nvPr/>
-        </p:nvPicPr>
-        <p:blipFill>
-          <a:blip r:embed="rId7"/>
-          <a:stretch>
-            <a:fillRect/>
-          </a:stretch>
-        </p:blipFill>
-        <p:spPr>
-          <a:xfrm>
-            <a:off x="4974316" y="8157554"/>
-            <a:ext cx="4614228" cy="1625467"/>
-          </a:xfrm>
-          <a:prstGeom prst="rect">
-            <a:avLst/>
-          </a:prstGeom>
-        </p:spPr>
-      </p:pic>
       <p:sp>
         <p:nvSpPr>
           <p:cNvPr id="25" name="テキスト ボックス 24">
@@ -4991,7 +4896,7 @@
         </p:nvSpPr>
         <p:spPr>
           <a:xfrm>
-            <a:off x="7101412" y="9818637"/>
+            <a:off x="8410558" y="6337985"/>
             <a:ext cx="3498874" cy="830997"/>
           </a:xfrm>
           <a:prstGeom prst="rect">
@@ -5045,8 +4950,8 @@
         </p:nvSpPr>
         <p:spPr>
           <a:xfrm>
-            <a:off x="401523" y="7096437"/>
-            <a:ext cx="4285369" cy="338554"/>
+            <a:off x="2712368" y="12521375"/>
+            <a:ext cx="5188879" cy="338554"/>
           </a:xfrm>
           <a:prstGeom prst="rect">
             <a:avLst/>
@@ -5067,6 +4972,542 @@
           </a:p>
         </p:txBody>
       </p:sp>
+      <p:sp>
+        <p:nvSpPr>
+          <p:cNvPr id="11" name="正方形/長方形 10">
+            <a:extLst>
+              <a:ext uri="{FF2B5EF4-FFF2-40B4-BE49-F238E27FC236}">
+                <a16:creationId xmlns:a16="http://schemas.microsoft.com/office/drawing/2014/main" id="{A711C768-76C1-3128-F1C0-2CC035E847D3}"/>
+              </a:ext>
+            </a:extLst>
+          </p:cNvPr>
+          <p:cNvSpPr/>
+          <p:nvPr/>
+        </p:nvSpPr>
+        <p:spPr>
+          <a:xfrm>
+            <a:off x="7056198" y="7474919"/>
+            <a:ext cx="193319" cy="150936"/>
+          </a:xfrm>
+          <a:prstGeom prst="rect">
+            <a:avLst/>
+          </a:prstGeom>
+          <a:solidFill>
+            <a:srgbClr val="00B0F0"/>
+          </a:solidFill>
+          <a:ln>
+            <a:noFill/>
+          </a:ln>
+        </p:spPr>
+        <p:style>
+          <a:lnRef idx="2">
+            <a:schemeClr val="accent1">
+              <a:shade val="50000"/>
+            </a:schemeClr>
+          </a:lnRef>
+          <a:fillRef idx="1">
+            <a:schemeClr val="accent1"/>
+          </a:fillRef>
+          <a:effectRef idx="0">
+            <a:schemeClr val="accent1"/>
+          </a:effectRef>
+          <a:fontRef idx="minor">
+            <a:schemeClr val="lt1"/>
+          </a:fontRef>
+        </p:style>
+        <p:txBody>
+          <a:bodyPr rtlCol="0" anchor="ctr"/>
+          <a:lstStyle/>
+          <a:p>
+            <a:pPr algn="ctr"/>
+            <a:endParaRPr kumimoji="1" lang="ja-JP" altLang="en-US"/>
+          </a:p>
+        </p:txBody>
+      </p:sp>
+      <p:sp>
+        <p:nvSpPr>
+          <p:cNvPr id="20" name="正方形/長方形 19">
+            <a:extLst>
+              <a:ext uri="{FF2B5EF4-FFF2-40B4-BE49-F238E27FC236}">
+                <a16:creationId xmlns:a16="http://schemas.microsoft.com/office/drawing/2014/main" id="{05FA0E82-E0C1-3F5D-77E7-21608B35E804}"/>
+              </a:ext>
+            </a:extLst>
+          </p:cNvPr>
+          <p:cNvSpPr/>
+          <p:nvPr/>
+        </p:nvSpPr>
+        <p:spPr>
+          <a:xfrm>
+            <a:off x="7536904" y="8004273"/>
+            <a:ext cx="288032" cy="127041"/>
+          </a:xfrm>
+          <a:prstGeom prst="rect">
+            <a:avLst/>
+          </a:prstGeom>
+          <a:solidFill>
+            <a:srgbClr val="00B0F0"/>
+          </a:solidFill>
+          <a:ln>
+            <a:noFill/>
+          </a:ln>
+        </p:spPr>
+        <p:style>
+          <a:lnRef idx="2">
+            <a:schemeClr val="accent1">
+              <a:shade val="50000"/>
+            </a:schemeClr>
+          </a:lnRef>
+          <a:fillRef idx="1">
+            <a:schemeClr val="accent1"/>
+          </a:fillRef>
+          <a:effectRef idx="0">
+            <a:schemeClr val="accent1"/>
+          </a:effectRef>
+          <a:fontRef idx="minor">
+            <a:schemeClr val="lt1"/>
+          </a:fontRef>
+        </p:style>
+        <p:txBody>
+          <a:bodyPr rtlCol="0" anchor="ctr"/>
+          <a:lstStyle/>
+          <a:p>
+            <a:pPr algn="ctr"/>
+            <a:endParaRPr kumimoji="1" lang="ja-JP" altLang="en-US"/>
+          </a:p>
+        </p:txBody>
+      </p:sp>
+      <p:sp>
+        <p:nvSpPr>
+          <p:cNvPr id="21" name="正方形/長方形 20">
+            <a:extLst>
+              <a:ext uri="{FF2B5EF4-FFF2-40B4-BE49-F238E27FC236}">
+                <a16:creationId xmlns:a16="http://schemas.microsoft.com/office/drawing/2014/main" id="{EC0EA42A-BF2F-10FE-7676-85D16FD408C4}"/>
+              </a:ext>
+            </a:extLst>
+          </p:cNvPr>
+          <p:cNvSpPr/>
+          <p:nvPr/>
+        </p:nvSpPr>
+        <p:spPr>
+          <a:xfrm>
+            <a:off x="7901247" y="8186972"/>
+            <a:ext cx="393249" cy="127656"/>
+          </a:xfrm>
+          <a:prstGeom prst="rect">
+            <a:avLst/>
+          </a:prstGeom>
+          <a:solidFill>
+            <a:srgbClr val="00B0F0"/>
+          </a:solidFill>
+          <a:ln>
+            <a:noFill/>
+          </a:ln>
+        </p:spPr>
+        <p:style>
+          <a:lnRef idx="2">
+            <a:schemeClr val="accent1">
+              <a:shade val="50000"/>
+            </a:schemeClr>
+          </a:lnRef>
+          <a:fillRef idx="1">
+            <a:schemeClr val="accent1"/>
+          </a:fillRef>
+          <a:effectRef idx="0">
+            <a:schemeClr val="accent1"/>
+          </a:effectRef>
+          <a:fontRef idx="minor">
+            <a:schemeClr val="lt1"/>
+          </a:fontRef>
+        </p:style>
+        <p:txBody>
+          <a:bodyPr rtlCol="0" anchor="ctr"/>
+          <a:lstStyle/>
+          <a:p>
+            <a:pPr algn="ctr"/>
+            <a:endParaRPr kumimoji="1" lang="ja-JP" altLang="en-US"/>
+          </a:p>
+        </p:txBody>
+      </p:sp>
+      <p:sp>
+        <p:nvSpPr>
+          <p:cNvPr id="22" name="正方形/長方形 21">
+            <a:extLst>
+              <a:ext uri="{FF2B5EF4-FFF2-40B4-BE49-F238E27FC236}">
+                <a16:creationId xmlns:a16="http://schemas.microsoft.com/office/drawing/2014/main" id="{654D1222-8364-0A74-B490-CE8D3A8D61DF}"/>
+              </a:ext>
+            </a:extLst>
+          </p:cNvPr>
+          <p:cNvSpPr/>
+          <p:nvPr/>
+        </p:nvSpPr>
+        <p:spPr>
+          <a:xfrm>
+            <a:off x="7968952" y="8383201"/>
+            <a:ext cx="512369" cy="113272"/>
+          </a:xfrm>
+          <a:prstGeom prst="rect">
+            <a:avLst/>
+          </a:prstGeom>
+          <a:solidFill>
+            <a:srgbClr val="00B0F0"/>
+          </a:solidFill>
+          <a:ln>
+            <a:noFill/>
+          </a:ln>
+        </p:spPr>
+        <p:style>
+          <a:lnRef idx="2">
+            <a:schemeClr val="accent1">
+              <a:shade val="50000"/>
+            </a:schemeClr>
+          </a:lnRef>
+          <a:fillRef idx="1">
+            <a:schemeClr val="accent1"/>
+          </a:fillRef>
+          <a:effectRef idx="0">
+            <a:schemeClr val="accent1"/>
+          </a:effectRef>
+          <a:fontRef idx="minor">
+            <a:schemeClr val="lt1"/>
+          </a:fontRef>
+        </p:style>
+        <p:txBody>
+          <a:bodyPr rtlCol="0" anchor="ctr"/>
+          <a:lstStyle/>
+          <a:p>
+            <a:pPr algn="ctr"/>
+            <a:endParaRPr kumimoji="1" lang="ja-JP" altLang="en-US"/>
+          </a:p>
+        </p:txBody>
+      </p:sp>
+      <p:sp>
+        <p:nvSpPr>
+          <p:cNvPr id="31" name="正方形/長方形 30">
+            <a:extLst>
+              <a:ext uri="{FF2B5EF4-FFF2-40B4-BE49-F238E27FC236}">
+                <a16:creationId xmlns:a16="http://schemas.microsoft.com/office/drawing/2014/main" id="{F2961071-30EC-9AEA-223D-CFF6215CBF29}"/>
+              </a:ext>
+            </a:extLst>
+          </p:cNvPr>
+          <p:cNvSpPr/>
+          <p:nvPr/>
+        </p:nvSpPr>
+        <p:spPr>
+          <a:xfrm>
+            <a:off x="7243646" y="7733256"/>
+            <a:ext cx="301551" cy="150936"/>
+          </a:xfrm>
+          <a:prstGeom prst="rect">
+            <a:avLst/>
+          </a:prstGeom>
+          <a:solidFill>
+            <a:srgbClr val="00B0F0"/>
+          </a:solidFill>
+          <a:ln>
+            <a:noFill/>
+          </a:ln>
+        </p:spPr>
+        <p:style>
+          <a:lnRef idx="2">
+            <a:schemeClr val="accent1">
+              <a:shade val="50000"/>
+            </a:schemeClr>
+          </a:lnRef>
+          <a:fillRef idx="1">
+            <a:schemeClr val="accent1"/>
+          </a:fillRef>
+          <a:effectRef idx="0">
+            <a:schemeClr val="accent1"/>
+          </a:effectRef>
+          <a:fontRef idx="minor">
+            <a:schemeClr val="lt1"/>
+          </a:fontRef>
+        </p:style>
+        <p:txBody>
+          <a:bodyPr rtlCol="0" anchor="ctr"/>
+          <a:lstStyle/>
+          <a:p>
+            <a:pPr algn="ctr"/>
+            <a:endParaRPr kumimoji="1" lang="ja-JP" altLang="en-US"/>
+          </a:p>
+        </p:txBody>
+      </p:sp>
+      <p:cxnSp>
+        <p:nvCxnSpPr>
+          <p:cNvPr id="33" name="直線コネクタ 32">
+            <a:extLst>
+              <a:ext uri="{FF2B5EF4-FFF2-40B4-BE49-F238E27FC236}">
+                <a16:creationId xmlns:a16="http://schemas.microsoft.com/office/drawing/2014/main" id="{42DCF502-75AA-B7A6-B29E-381C55ABDAA0}"/>
+              </a:ext>
+            </a:extLst>
+          </p:cNvPr>
+          <p:cNvCxnSpPr>
+            <a:cxnSpLocks/>
+          </p:cNvCxnSpPr>
+          <p:nvPr/>
+        </p:nvCxnSpPr>
+        <p:spPr>
+          <a:xfrm>
+            <a:off x="8291083" y="7461065"/>
+            <a:ext cx="0" cy="1486950"/>
+          </a:xfrm>
+          <a:prstGeom prst="line">
+            <a:avLst/>
+          </a:prstGeom>
+          <a:ln w="28575">
+            <a:solidFill>
+              <a:srgbClr val="FF456C"/>
+            </a:solidFill>
+          </a:ln>
+        </p:spPr>
+        <p:style>
+          <a:lnRef idx="1">
+            <a:schemeClr val="accent1"/>
+          </a:lnRef>
+          <a:fillRef idx="0">
+            <a:schemeClr val="accent1"/>
+          </a:fillRef>
+          <a:effectRef idx="0">
+            <a:schemeClr val="accent1"/>
+          </a:effectRef>
+          <a:fontRef idx="minor">
+            <a:schemeClr val="tx1"/>
+          </a:fontRef>
+        </p:style>
+      </p:cxnSp>
+      <p:cxnSp>
+        <p:nvCxnSpPr>
+          <p:cNvPr id="38" name="直線コネクタ 37">
+            <a:extLst>
+              <a:ext uri="{FF2B5EF4-FFF2-40B4-BE49-F238E27FC236}">
+                <a16:creationId xmlns:a16="http://schemas.microsoft.com/office/drawing/2014/main" id="{26441E0E-CCED-6F1A-CCE8-898B80829948}"/>
+              </a:ext>
+            </a:extLst>
+          </p:cNvPr>
+          <p:cNvCxnSpPr>
+            <a:cxnSpLocks/>
+          </p:cNvCxnSpPr>
+          <p:nvPr/>
+        </p:nvCxnSpPr>
+        <p:spPr>
+          <a:xfrm>
+            <a:off x="8481321" y="7470673"/>
+            <a:ext cx="0" cy="1477342"/>
+          </a:xfrm>
+          <a:prstGeom prst="line">
+            <a:avLst/>
+          </a:prstGeom>
+          <a:ln w="28575">
+            <a:solidFill>
+              <a:srgbClr val="FF456C"/>
+            </a:solidFill>
+          </a:ln>
+        </p:spPr>
+        <p:style>
+          <a:lnRef idx="1">
+            <a:schemeClr val="accent1"/>
+          </a:lnRef>
+          <a:fillRef idx="0">
+            <a:schemeClr val="accent1"/>
+          </a:fillRef>
+          <a:effectRef idx="0">
+            <a:schemeClr val="accent1"/>
+          </a:effectRef>
+          <a:fontRef idx="minor">
+            <a:schemeClr val="tx1"/>
+          </a:fontRef>
+        </p:style>
+      </p:cxnSp>
+      <p:sp>
+        <p:nvSpPr>
+          <p:cNvPr id="41" name="正方形/長方形 40">
+            <a:extLst>
+              <a:ext uri="{FF2B5EF4-FFF2-40B4-BE49-F238E27FC236}">
+                <a16:creationId xmlns:a16="http://schemas.microsoft.com/office/drawing/2014/main" id="{7200AC6F-251D-3CAE-C11E-045683A8316D}"/>
+              </a:ext>
+            </a:extLst>
+          </p:cNvPr>
+          <p:cNvSpPr/>
+          <p:nvPr/>
+        </p:nvSpPr>
+        <p:spPr>
+          <a:xfrm>
+            <a:off x="8495607" y="8587090"/>
+            <a:ext cx="337439" cy="119462"/>
+          </a:xfrm>
+          <a:prstGeom prst="rect">
+            <a:avLst/>
+          </a:prstGeom>
+          <a:solidFill>
+            <a:srgbClr val="00B0F0"/>
+          </a:solidFill>
+          <a:ln>
+            <a:noFill/>
+          </a:ln>
+        </p:spPr>
+        <p:style>
+          <a:lnRef idx="2">
+            <a:schemeClr val="accent1">
+              <a:shade val="50000"/>
+            </a:schemeClr>
+          </a:lnRef>
+          <a:fillRef idx="1">
+            <a:schemeClr val="accent1"/>
+          </a:fillRef>
+          <a:effectRef idx="0">
+            <a:schemeClr val="accent1"/>
+          </a:effectRef>
+          <a:fontRef idx="minor">
+            <a:schemeClr val="lt1"/>
+          </a:fontRef>
+        </p:style>
+        <p:txBody>
+          <a:bodyPr rtlCol="0" anchor="ctr"/>
+          <a:lstStyle/>
+          <a:p>
+            <a:pPr algn="ctr"/>
+            <a:endParaRPr kumimoji="1" lang="ja-JP" altLang="en-US"/>
+          </a:p>
+        </p:txBody>
+      </p:sp>
+      <p:cxnSp>
+        <p:nvCxnSpPr>
+          <p:cNvPr id="42" name="直線コネクタ 41">
+            <a:extLst>
+              <a:ext uri="{FF2B5EF4-FFF2-40B4-BE49-F238E27FC236}">
+                <a16:creationId xmlns:a16="http://schemas.microsoft.com/office/drawing/2014/main" id="{22D57862-741F-E6FF-458D-90FB7DFE59D7}"/>
+              </a:ext>
+            </a:extLst>
+          </p:cNvPr>
+          <p:cNvCxnSpPr>
+            <a:cxnSpLocks/>
+          </p:cNvCxnSpPr>
+          <p:nvPr/>
+        </p:nvCxnSpPr>
+        <p:spPr>
+          <a:xfrm>
+            <a:off x="8833046" y="7452550"/>
+            <a:ext cx="0" cy="1477342"/>
+          </a:xfrm>
+          <a:prstGeom prst="line">
+            <a:avLst/>
+          </a:prstGeom>
+          <a:ln w="28575">
+            <a:solidFill>
+              <a:srgbClr val="FF456C"/>
+            </a:solidFill>
+          </a:ln>
+        </p:spPr>
+        <p:style>
+          <a:lnRef idx="1">
+            <a:schemeClr val="accent1"/>
+          </a:lnRef>
+          <a:fillRef idx="0">
+            <a:schemeClr val="accent1"/>
+          </a:fillRef>
+          <a:effectRef idx="0">
+            <a:schemeClr val="accent1"/>
+          </a:effectRef>
+          <a:fontRef idx="minor">
+            <a:schemeClr val="tx1"/>
+          </a:fontRef>
+        </p:style>
+      </p:cxnSp>
+      <p:sp>
+        <p:nvSpPr>
+          <p:cNvPr id="43" name="正方形/長方形 42">
+            <a:extLst>
+              <a:ext uri="{FF2B5EF4-FFF2-40B4-BE49-F238E27FC236}">
+                <a16:creationId xmlns:a16="http://schemas.microsoft.com/office/drawing/2014/main" id="{07FB34E1-2B5C-C64C-5BD4-ACAF071F56BE}"/>
+              </a:ext>
+            </a:extLst>
+          </p:cNvPr>
+          <p:cNvSpPr/>
+          <p:nvPr/>
+        </p:nvSpPr>
+        <p:spPr>
+          <a:xfrm>
+            <a:off x="8846912" y="8762043"/>
+            <a:ext cx="328540" cy="126364"/>
+          </a:xfrm>
+          <a:prstGeom prst="rect">
+            <a:avLst/>
+          </a:prstGeom>
+          <a:solidFill>
+            <a:srgbClr val="00B0F0"/>
+          </a:solidFill>
+          <a:ln>
+            <a:noFill/>
+          </a:ln>
+        </p:spPr>
+        <p:style>
+          <a:lnRef idx="2">
+            <a:schemeClr val="accent1">
+              <a:shade val="50000"/>
+            </a:schemeClr>
+          </a:lnRef>
+          <a:fillRef idx="1">
+            <a:schemeClr val="accent1"/>
+          </a:fillRef>
+          <a:effectRef idx="0">
+            <a:schemeClr val="accent1"/>
+          </a:effectRef>
+          <a:fontRef idx="minor">
+            <a:schemeClr val="lt1"/>
+          </a:fontRef>
+        </p:style>
+        <p:txBody>
+          <a:bodyPr rtlCol="0" anchor="ctr"/>
+          <a:lstStyle/>
+          <a:p>
+            <a:pPr algn="ctr"/>
+            <a:endParaRPr kumimoji="1" lang="ja-JP" altLang="en-US"/>
+          </a:p>
+        </p:txBody>
+      </p:sp>
+      <p:cxnSp>
+        <p:nvCxnSpPr>
+          <p:cNvPr id="44" name="直線コネクタ 43">
+            <a:extLst>
+              <a:ext uri="{FF2B5EF4-FFF2-40B4-BE49-F238E27FC236}">
+                <a16:creationId xmlns:a16="http://schemas.microsoft.com/office/drawing/2014/main" id="{9FE19CE8-B115-6EF0-C40A-F13B76F04E0C}"/>
+              </a:ext>
+            </a:extLst>
+          </p:cNvPr>
+          <p:cNvCxnSpPr>
+            <a:cxnSpLocks/>
+          </p:cNvCxnSpPr>
+          <p:nvPr/>
+        </p:nvCxnSpPr>
+        <p:spPr>
+          <a:xfrm>
+            <a:off x="9175452" y="7461065"/>
+            <a:ext cx="0" cy="1477342"/>
+          </a:xfrm>
+          <a:prstGeom prst="line">
+            <a:avLst/>
+          </a:prstGeom>
+          <a:ln w="28575">
+            <a:solidFill>
+              <a:srgbClr val="FF456C"/>
+            </a:solidFill>
+          </a:ln>
+        </p:spPr>
+        <p:style>
+          <a:lnRef idx="1">
+            <a:schemeClr val="accent1"/>
+          </a:lnRef>
+          <a:fillRef idx="0">
+            <a:schemeClr val="accent1"/>
+          </a:fillRef>
+          <a:effectRef idx="0">
+            <a:schemeClr val="accent1"/>
+          </a:effectRef>
+          <a:fontRef idx="minor">
+            <a:schemeClr val="tx1"/>
+          </a:fontRef>
+        </p:style>
+      </p:cxnSp>
     </p:spTree>
     <p:extLst>
       <p:ext uri="{BB962C8B-B14F-4D97-AF65-F5344CB8AC3E}">

--- a/mid_poster/mid_poster_en.pptx
+++ b/mid_poster/mid_poster_en.pptx
@@ -3981,7 +3981,7 @@
         </p:nvSpPr>
         <p:spPr>
           <a:xfrm>
-            <a:off x="120080" y="1434570"/>
+            <a:off x="182907" y="1297438"/>
             <a:ext cx="4372833" cy="670455"/>
           </a:xfrm>
           <a:prstGeom prst="rect">
@@ -4011,13 +4011,13 @@
           <a:p>
             <a:pPr algn="l"/>
             <a:r>
-              <a:rPr lang="en-US" altLang="ja-JP" sz="2000" dirty="0">
+              <a:rPr lang="en-US" altLang="ja-JP" sz="2400" dirty="0">
                 <a:latin typeface="Arial" panose="020B0604020202020204" pitchFamily="34" charset="0"/>
                 <a:cs typeface="Arial" panose="020B0604020202020204" pitchFamily="34" charset="0"/>
               </a:rPr>
               <a:t>1. Introduction</a:t>
             </a:r>
-            <a:endParaRPr lang="ja-JP" altLang="en-US" sz="2000" dirty="0">
+            <a:endParaRPr lang="ja-JP" altLang="en-US" sz="2400" dirty="0">
               <a:latin typeface="Arial" panose="020B0604020202020204" pitchFamily="34" charset="0"/>
               <a:cs typeface="Arial" panose="020B0604020202020204" pitchFamily="34" charset="0"/>
             </a:endParaRPr>
@@ -4034,7 +4034,7 @@
         </p:nvSpPr>
         <p:spPr>
           <a:xfrm>
-            <a:off x="250669" y="7198080"/>
+            <a:off x="273105" y="7181318"/>
             <a:ext cx="3519830" cy="670455"/>
           </a:xfrm>
           <a:prstGeom prst="rect">
@@ -4064,13 +4064,13 @@
           <a:p>
             <a:pPr algn="l"/>
             <a:r>
-              <a:rPr lang="en-US" altLang="ja-JP" sz="2000" dirty="0">
+              <a:rPr lang="en-US" altLang="ja-JP" sz="2400" dirty="0">
                 <a:latin typeface="Arial" panose="020B0604020202020204" pitchFamily="34" charset="0"/>
                 <a:cs typeface="Arial" panose="020B0604020202020204" pitchFamily="34" charset="0"/>
               </a:rPr>
               <a:t>2. Methodology</a:t>
             </a:r>
-            <a:endParaRPr lang="ja-JP" altLang="en-US" sz="2000" dirty="0">
+            <a:endParaRPr lang="ja-JP" altLang="en-US" sz="2400" dirty="0">
               <a:latin typeface="Arial" panose="020B0604020202020204" pitchFamily="34" charset="0"/>
               <a:cs typeface="Arial" panose="020B0604020202020204" pitchFamily="34" charset="0"/>
             </a:endParaRPr>
@@ -4087,7 +4087,7 @@
         </p:nvSpPr>
         <p:spPr>
           <a:xfrm>
-            <a:off x="4914309" y="1467895"/>
+            <a:off x="4872617" y="1260382"/>
             <a:ext cx="4523287" cy="716272"/>
           </a:xfrm>
           <a:prstGeom prst="rect">
@@ -4117,13 +4117,13 @@
           <a:p>
             <a:pPr algn="l"/>
             <a:r>
-              <a:rPr lang="en-US" altLang="ja-JP" sz="2000" dirty="0">
+              <a:rPr lang="en-US" altLang="ja-JP" sz="2400" dirty="0">
                 <a:latin typeface="Arial" panose="020B0604020202020204" pitchFamily="34" charset="0"/>
                 <a:cs typeface="Arial" panose="020B0604020202020204" pitchFamily="34" charset="0"/>
               </a:rPr>
-              <a:t>3. Current Results and Status</a:t>
-            </a:r>
-            <a:endParaRPr lang="ja-JP" altLang="en-US" sz="2000" dirty="0">
+              <a:t>3. Current Status</a:t>
+            </a:r>
+            <a:endParaRPr lang="ja-JP" altLang="en-US" sz="2400" dirty="0">
               <a:latin typeface="Arial" panose="020B0604020202020204" pitchFamily="34" charset="0"/>
               <a:cs typeface="Arial" panose="020B0604020202020204" pitchFamily="34" charset="0"/>
             </a:endParaRPr>
@@ -4132,113 +4132,14 @@
       </p:sp>
       <p:sp>
         <p:nvSpPr>
-          <p:cNvPr id="9" name="正方形/長方形 8"/>
-          <p:cNvSpPr/>
-          <p:nvPr/>
-        </p:nvSpPr>
-        <p:spPr>
-          <a:xfrm>
-            <a:off x="181620" y="10892637"/>
-            <a:ext cx="9322067" cy="1671091"/>
-          </a:xfrm>
-          <a:prstGeom prst="rect">
-            <a:avLst/>
-          </a:prstGeom>
-          <a:solidFill>
-            <a:schemeClr val="bg1"/>
-          </a:solidFill>
-          <a:ln w="9525"/>
-        </p:spPr>
-        <p:style>
-          <a:lnRef idx="2">
-            <a:schemeClr val="accent1">
-              <a:shade val="50000"/>
-            </a:schemeClr>
-          </a:lnRef>
-          <a:fillRef idx="1">
-            <a:schemeClr val="accent1"/>
-          </a:fillRef>
-          <a:effectRef idx="0">
-            <a:schemeClr val="accent1"/>
-          </a:effectRef>
-          <a:fontRef idx="minor">
-            <a:schemeClr val="lt1"/>
-          </a:fontRef>
-        </p:style>
-        <p:txBody>
-          <a:bodyPr rtlCol="0" anchor="ctr"/>
-          <a:lstStyle/>
-          <a:p>
-            <a:pPr algn="ctr"/>
-            <a:r>
-              <a:rPr kumimoji="1" lang="ja-JP" altLang="en-US" sz="1600">
-                <a:solidFill>
-                  <a:schemeClr val="tx1"/>
-                </a:solidFill>
-                <a:latin typeface="Arial" panose="020B0604020202020204" pitchFamily="34" charset="0"/>
-                <a:cs typeface="Arial" panose="020B0604020202020204" pitchFamily="34" charset="0"/>
-              </a:rPr>
-              <a:t>機械学習のネットワークの図</a:t>
-            </a:r>
-            <a:r>
-              <a:rPr kumimoji="1" lang="en-US" altLang="ja-JP" sz="1600" dirty="0">
-                <a:solidFill>
-                  <a:schemeClr val="tx1"/>
-                </a:solidFill>
-                <a:latin typeface="Arial" panose="020B0604020202020204" pitchFamily="34" charset="0"/>
-                <a:cs typeface="Arial" panose="020B0604020202020204" pitchFamily="34" charset="0"/>
-              </a:rPr>
-              <a:t>?</a:t>
-            </a:r>
-            <a:br>
-              <a:rPr lang="en-US" altLang="ja-JP" sz="1600" dirty="0">
-                <a:solidFill>
-                  <a:schemeClr val="tx1"/>
-                </a:solidFill>
-                <a:latin typeface="Arial" panose="020B0604020202020204" pitchFamily="34" charset="0"/>
-                <a:cs typeface="Arial" panose="020B0604020202020204" pitchFamily="34" charset="0"/>
-              </a:rPr>
-            </a:br>
-            <a:r>
-              <a:rPr lang="en-US" altLang="ja-JP" sz="1600" dirty="0">
-                <a:solidFill>
-                  <a:schemeClr val="tx1"/>
-                </a:solidFill>
-                <a:latin typeface="Arial" panose="020B0604020202020204" pitchFamily="34" charset="0"/>
-                <a:cs typeface="Arial" panose="020B0604020202020204" pitchFamily="34" charset="0"/>
-              </a:rPr>
-              <a:t>Shape-From-Shading</a:t>
-            </a:r>
-            <a:r>
-              <a:rPr lang="ja-JP" altLang="en-US" sz="1600">
-                <a:solidFill>
-                  <a:schemeClr val="tx1"/>
-                </a:solidFill>
-                <a:latin typeface="Arial" panose="020B0604020202020204" pitchFamily="34" charset="0"/>
-                <a:cs typeface="Arial" panose="020B0604020202020204" pitchFamily="34" charset="0"/>
-              </a:rPr>
-              <a:t>の図</a:t>
-            </a:r>
-            <a:endParaRPr kumimoji="1" lang="ja-JP" altLang="en-US" sz="1600" dirty="0">
-              <a:solidFill>
-                <a:schemeClr val="tx1"/>
-              </a:solidFill>
-              <a:latin typeface="Arial" panose="020B0604020202020204" pitchFamily="34" charset="0"/>
-              <a:cs typeface="Arial" panose="020B0604020202020204" pitchFamily="34" charset="0"/>
-            </a:endParaRPr>
-          </a:p>
-        </p:txBody>
-      </p:sp>
-      <p:sp>
-        <p:nvSpPr>
           <p:cNvPr id="14" name="テキスト ボックス 13"/>
           <p:cNvSpPr txBox="1"/>
           <p:nvPr/>
         </p:nvSpPr>
         <p:spPr>
           <a:xfrm>
-            <a:off x="524326" y="1961473"/>
-            <a:ext cx="3950925" cy="5509200"/>
+            <a:off x="427004" y="1899887"/>
+            <a:ext cx="3950925" cy="5339923"/>
           </a:xfrm>
           <a:prstGeom prst="rect">
             <a:avLst/>
@@ -4261,21 +4162,28 @@
                 <a:latin typeface="Arial" panose="020B0604020202020204" pitchFamily="34" charset="0"/>
                 <a:cs typeface="Arial" panose="020B0604020202020204" pitchFamily="34" charset="0"/>
               </a:rPr>
-              <a:t>    Digital Terrain Models (DTMs) of the lunar surface are widely used for lunar exploration planning and studies of topography and geology [1]. LRO NAC DTMs with the highest resolution (~2 m/pix). Coverage of the DTMs shows small percentage with 470 pieces [2]. This is due to the time-consuming human creation of DTMs and the limited data available as a source of generation [3]</a:t>
-            </a:r>
-            <a:r>
-              <a:rPr lang="ja-JP" altLang="en-US" sz="1600">
+              <a:t>    Digital Terrain Models (DTMs) of the lunar surface are widely used for lunar exploration planning and studies of topography and geology [1]. LRO NAC DTMs with the highest resolution (~2 m/pix) cover small percentage with 470 pieces [2] . This is due to the time required to create DTMs by manual and the few data available to create them [3].          </a:t>
+            </a:r>
+          </a:p>
+          <a:p>
+            <a:pPr algn="just">
+              <a:spcAft>
+                <a:spcPts val="600"/>
+              </a:spcAft>
+            </a:pPr>
+            <a:r>
+              <a:rPr lang="en-US" altLang="ja-JP" sz="1600" dirty="0">
                 <a:latin typeface="Arial" panose="020B0604020202020204" pitchFamily="34" charset="0"/>
                 <a:cs typeface="Arial" panose="020B0604020202020204" pitchFamily="34" charset="0"/>
               </a:rPr>
-              <a:t>という課題があるためである</a:t>
+              <a:t>    The purpose of this study is to generate high-resolution DTMs automatically with limited data</a:t>
             </a:r>
             <a:r>
               <a:rPr kumimoji="1" lang="en-US" altLang="ja-JP" sz="1600" dirty="0">
                 <a:latin typeface="Arial" panose="020B0604020202020204" pitchFamily="34" charset="0"/>
                 <a:cs typeface="Arial" panose="020B0604020202020204" pitchFamily="34" charset="0"/>
               </a:rPr>
-              <a:t>. The purpose of this study is to generate high-resolution DTMs automatically and with limited data. This research proposes a method to complement LRO NAC DTMs by generating the almost the same resolution using Machine Learning &amp; Shape-From-Shading (SFS) [4]. The goal of this study is to implement a DTM generation pipeline that combines machine learning and SFS to evaluate the generated DTMs.</a:t>
+              <a:t>. This research proposes a method to complement LRO NAC DTMs by generating the almost the same resolution using Machine Learning &amp; Shape-From-Shading (SFS) [4]. The goal of this study is to implement a pipeline generate DTMs that combines machine learning with SFS and evaluate the generated DTM.</a:t>
             </a:r>
           </a:p>
         </p:txBody>
@@ -4288,8 +4196,8 @@
         </p:nvSpPr>
         <p:spPr>
           <a:xfrm>
-            <a:off x="350077" y="7884109"/>
-            <a:ext cx="4281031" cy="3093154"/>
+            <a:off x="471357" y="7808724"/>
+            <a:ext cx="3918315" cy="2708434"/>
           </a:xfrm>
           <a:prstGeom prst="rect">
             <a:avLst/>
@@ -4302,7 +4210,7 @@
           </a:bodyPr>
           <a:lstStyle/>
           <a:p>
-            <a:pPr algn="dist">
+            <a:pPr algn="just">
               <a:lnSpc>
                 <a:spcPts val="1800"/>
               </a:lnSpc>
@@ -4315,7 +4223,24 @@
                 <a:latin typeface="Arial" panose="020B0604020202020204" pitchFamily="34" charset="0"/>
                 <a:cs typeface="Arial" panose="020B0604020202020204" pitchFamily="34" charset="0"/>
               </a:rPr>
-              <a:t>    This study uses a machine learning model called Pix2Pix. This model allows the transformation of image types by learning the relationship between two sets of images. This allows the model to learn the relationship between a visible lunar surface image and a DTM, and to create a DTM from the visible image. SFS is a method for estimating the shape of an object from a single shaded image. By adapting SFS to DTMs generated by machine learning models, the resolution of DTMs is improved. The pipeline is shown in Figure.1.</a:t>
+              <a:t>    This study uses a Pix2Pix [5] as machine learning model. This model can transform the type of image by learning the relationship between two sets of images. DTMs can be created from abundant visible images by training Pix2Pix on both DTMs and visible images.</a:t>
+            </a:r>
+          </a:p>
+          <a:p>
+            <a:pPr algn="just">
+              <a:lnSpc>
+                <a:spcPts val="1800"/>
+              </a:lnSpc>
+              <a:spcAft>
+                <a:spcPts val="600"/>
+              </a:spcAft>
+            </a:pPr>
+            <a:r>
+              <a:rPr lang="en-US" altLang="ja-JP" sz="1600" dirty="0">
+                <a:latin typeface="Arial" panose="020B0604020202020204" pitchFamily="34" charset="0"/>
+                <a:cs typeface="Arial" panose="020B0604020202020204" pitchFamily="34" charset="0"/>
+              </a:rPr>
+              <a:t>   SFS is a technique for estimating the shape of an object from a single shaded image. We improve DTMs generated from Pix2Pix adapting SFS.</a:t>
             </a:r>
           </a:p>
         </p:txBody>
@@ -4328,8 +4253,8 @@
         </p:nvSpPr>
         <p:spPr>
           <a:xfrm>
-            <a:off x="5095398" y="1984448"/>
-            <a:ext cx="3915267" cy="3046988"/>
+            <a:off x="5060820" y="1876790"/>
+            <a:ext cx="4440560" cy="2308324"/>
           </a:xfrm>
           <a:prstGeom prst="rect">
             <a:avLst/>
@@ -4342,193 +4267,28 @@
           </a:bodyPr>
           <a:lstStyle/>
           <a:p>
-            <a:r>
-              <a:rPr lang="ja-JP" altLang="en-US" sz="1600">
-                <a:latin typeface="Arial" panose="020B0604020202020204" pitchFamily="34" charset="0"/>
-                <a:cs typeface="Arial" panose="020B0604020202020204" pitchFamily="34" charset="0"/>
-              </a:rPr>
-              <a:t>元データおよび教師データの作成</a:t>
-            </a:r>
-            <a:r>
-              <a:rPr kumimoji="1" lang="ja-JP" altLang="en-US" sz="1600">
-                <a:latin typeface="Arial" panose="020B0604020202020204" pitchFamily="34" charset="0"/>
-                <a:cs typeface="Arial" panose="020B0604020202020204" pitchFamily="34" charset="0"/>
-              </a:rPr>
-              <a:t>手順について書くつもり</a:t>
-            </a:r>
-            <a:endParaRPr kumimoji="1" lang="en-US" altLang="ja-JP" sz="1600" dirty="0">
-              <a:latin typeface="Arial" panose="020B0604020202020204" pitchFamily="34" charset="0"/>
-              <a:cs typeface="Arial" panose="020B0604020202020204" pitchFamily="34" charset="0"/>
-            </a:endParaRPr>
-          </a:p>
-          <a:p>
-            <a:r>
-              <a:rPr lang="ja-JP" altLang="en-US" sz="1600">
-                <a:latin typeface="Arial" panose="020B0604020202020204" pitchFamily="34" charset="0"/>
-                <a:cs typeface="Arial" panose="020B0604020202020204" pitchFamily="34" charset="0"/>
-              </a:rPr>
-              <a:t>元データ</a:t>
-            </a:r>
-            <a:br>
-              <a:rPr lang="en-US" altLang="ja-JP" sz="1600" dirty="0">
-                <a:latin typeface="Arial" panose="020B0604020202020204" pitchFamily="34" charset="0"/>
-                <a:cs typeface="Arial" panose="020B0604020202020204" pitchFamily="34" charset="0"/>
-              </a:rPr>
-            </a:br>
-            <a:r>
-              <a:rPr lang="ja-JP" altLang="en-US" sz="1600">
-                <a:latin typeface="Arial" panose="020B0604020202020204" pitchFamily="34" charset="0"/>
-                <a:cs typeface="Arial" panose="020B0604020202020204" pitchFamily="34" charset="0"/>
-              </a:rPr>
-              <a:t>・</a:t>
-            </a:r>
-            <a:r>
-              <a:rPr lang="en-US" altLang="ja-JP" sz="1600" dirty="0">
-                <a:latin typeface="Arial" panose="020B0604020202020204" pitchFamily="34" charset="0"/>
-                <a:cs typeface="Arial" panose="020B0604020202020204" pitchFamily="34" charset="0"/>
-              </a:rPr>
-              <a:t>SLDEM 2015</a:t>
-            </a:r>
-          </a:p>
-          <a:p>
-            <a:r>
-              <a:rPr lang="ja-JP" altLang="en-US" sz="1600">
-                <a:latin typeface="Arial" panose="020B0604020202020204" pitchFamily="34" charset="0"/>
-                <a:cs typeface="Arial" panose="020B0604020202020204" pitchFamily="34" charset="0"/>
-              </a:rPr>
-              <a:t>・</a:t>
-            </a:r>
-            <a:r>
-              <a:rPr lang="en-US" altLang="ja-JP" sz="1600" dirty="0">
-                <a:latin typeface="Arial" panose="020B0604020202020204" pitchFamily="34" charset="0"/>
-                <a:cs typeface="Arial" panose="020B0604020202020204" pitchFamily="34" charset="0"/>
-              </a:rPr>
-              <a:t>LRO NAC STEREO PHOTO</a:t>
-            </a:r>
-          </a:p>
-          <a:p>
-            <a:r>
-              <a:rPr kumimoji="1" lang="ja-JP" altLang="en-US" sz="1600">
-                <a:latin typeface="Arial" panose="020B0604020202020204" pitchFamily="34" charset="0"/>
-                <a:cs typeface="Arial" panose="020B0604020202020204" pitchFamily="34" charset="0"/>
-              </a:rPr>
-              <a:t>・</a:t>
-            </a:r>
+            <a:pPr algn="just"/>
             <a:r>
               <a:rPr kumimoji="1" lang="en-US" altLang="ja-JP" sz="1600" dirty="0">
                 <a:latin typeface="Arial" panose="020B0604020202020204" pitchFamily="34" charset="0"/>
                 <a:cs typeface="Arial" panose="020B0604020202020204" pitchFamily="34" charset="0"/>
               </a:rPr>
-              <a:t>LRO NAC DTM</a:t>
-            </a:r>
-          </a:p>
-          <a:p>
-            <a:endParaRPr kumimoji="1" lang="en-US" altLang="ja-JP" sz="1600" dirty="0">
-              <a:latin typeface="Arial" panose="020B0604020202020204" pitchFamily="34" charset="0"/>
-              <a:cs typeface="Arial" panose="020B0604020202020204" pitchFamily="34" charset="0"/>
-            </a:endParaRPr>
-          </a:p>
-          <a:p>
-            <a:r>
-              <a:rPr lang="ja-JP" altLang="en-US" sz="1600">
+              <a:t>    Figure 2 shows the process of creating Pix2Pix training data. This research select SLDEM 2015 [6] &amp; LRO NAC Orthoimage [7] as dataset. First, LRO NAC Orthoimages are </a:t>
+            </a:r>
+            <a:r>
+              <a:rPr kumimoji="1" lang="en-US" altLang="ja-JP" sz="1600" dirty="0" err="1">
                 <a:latin typeface="Arial" panose="020B0604020202020204" pitchFamily="34" charset="0"/>
                 <a:cs typeface="Arial" panose="020B0604020202020204" pitchFamily="34" charset="0"/>
               </a:rPr>
-              <a:t>教師データ作成手順</a:t>
-            </a:r>
-            <a:br>
+              <a:t>downsampled</a:t>
+            </a:r>
+            <a:r>
               <a:rPr kumimoji="1" lang="en-US" altLang="ja-JP" sz="1600" dirty="0">
                 <a:latin typeface="Arial" panose="020B0604020202020204" pitchFamily="34" charset="0"/>
                 <a:cs typeface="Arial" panose="020B0604020202020204" pitchFamily="34" charset="0"/>
               </a:rPr>
-            </a:br>
-            <a:r>
-              <a:rPr kumimoji="1" lang="ja-JP" altLang="en-US" sz="1600">
-                <a:latin typeface="Arial" panose="020B0604020202020204" pitchFamily="34" charset="0"/>
-                <a:cs typeface="Arial" panose="020B0604020202020204" pitchFamily="34" charset="0"/>
-              </a:rPr>
-              <a:t>・</a:t>
-            </a:r>
-            <a:r>
-              <a:rPr kumimoji="1" lang="en-US" altLang="ja-JP" sz="1600" dirty="0">
-                <a:latin typeface="Arial" panose="020B0604020202020204" pitchFamily="34" charset="0"/>
-                <a:cs typeface="Arial" panose="020B0604020202020204" pitchFamily="34" charset="0"/>
-              </a:rPr>
-              <a:t>LRO NAC </a:t>
-            </a:r>
-            <a:r>
-              <a:rPr kumimoji="1" lang="ja-JP" altLang="en-US" sz="1600">
-                <a:latin typeface="Arial" panose="020B0604020202020204" pitchFamily="34" charset="0"/>
-                <a:cs typeface="Arial" panose="020B0604020202020204" pitchFamily="34" charset="0"/>
-              </a:rPr>
-              <a:t>を</a:t>
-            </a:r>
-            <a:r>
-              <a:rPr lang="ja-JP" altLang="en-US" sz="1600">
-                <a:latin typeface="Arial" panose="020B0604020202020204" pitchFamily="34" charset="0"/>
-                <a:cs typeface="Arial" panose="020B0604020202020204" pitchFamily="34" charset="0"/>
-              </a:rPr>
-              <a:t>ダウンサンプリングし、</a:t>
-            </a:r>
-            <a:r>
-              <a:rPr lang="en-US" altLang="ja-JP" sz="1600" dirty="0">
-                <a:latin typeface="Arial" panose="020B0604020202020204" pitchFamily="34" charset="0"/>
-                <a:cs typeface="Arial" panose="020B0604020202020204" pitchFamily="34" charset="0"/>
-              </a:rPr>
-              <a:t>SLDEM2015</a:t>
-            </a:r>
-            <a:r>
-              <a:rPr lang="ja-JP" altLang="en-US" sz="1600">
-                <a:latin typeface="Arial" panose="020B0604020202020204" pitchFamily="34" charset="0"/>
-                <a:cs typeface="Arial" panose="020B0604020202020204" pitchFamily="34" charset="0"/>
-              </a:rPr>
-              <a:t>のデータ分解能と合わせる</a:t>
-            </a:r>
-            <a:endParaRPr lang="en-US" altLang="ja-JP" sz="1600" dirty="0">
-              <a:latin typeface="Arial" panose="020B0604020202020204" pitchFamily="34" charset="0"/>
-              <a:cs typeface="Arial" panose="020B0604020202020204" pitchFamily="34" charset="0"/>
-            </a:endParaRPr>
-          </a:p>
-          <a:p>
-            <a:r>
-              <a:rPr kumimoji="1" lang="ja-JP" altLang="en-US" sz="1600">
-                <a:latin typeface="Arial" panose="020B0604020202020204" pitchFamily="34" charset="0"/>
-                <a:cs typeface="Arial" panose="020B0604020202020204" pitchFamily="34" charset="0"/>
-              </a:rPr>
-              <a:t>・</a:t>
-            </a:r>
-            <a:r>
-              <a:rPr lang="en-US" altLang="ja-JP" sz="1600" dirty="0">
-                <a:latin typeface="Arial" panose="020B0604020202020204" pitchFamily="34" charset="0"/>
-                <a:cs typeface="Arial" panose="020B0604020202020204" pitchFamily="34" charset="0"/>
-              </a:rPr>
-              <a:t>LRO NAC, SLDEM2015</a:t>
-            </a:r>
-            <a:r>
-              <a:rPr lang="ja-JP" altLang="en-US" sz="1600">
-                <a:latin typeface="Arial" panose="020B0604020202020204" pitchFamily="34" charset="0"/>
-                <a:cs typeface="Arial" panose="020B0604020202020204" pitchFamily="34" charset="0"/>
-              </a:rPr>
-              <a:t>から</a:t>
-            </a:r>
-            <a:r>
-              <a:rPr lang="en-US" altLang="ja-JP" sz="1600" dirty="0">
-                <a:latin typeface="Arial" panose="020B0604020202020204" pitchFamily="34" charset="0"/>
-                <a:cs typeface="Arial" panose="020B0604020202020204" pitchFamily="34" charset="0"/>
-              </a:rPr>
-              <a:t>256 x 256px</a:t>
-            </a:r>
-            <a:r>
-              <a:rPr lang="ja-JP" altLang="en-US" sz="1600">
-                <a:latin typeface="Arial" panose="020B0604020202020204" pitchFamily="34" charset="0"/>
-                <a:cs typeface="Arial" panose="020B0604020202020204" pitchFamily="34" charset="0"/>
-              </a:rPr>
-              <a:t>で切り出し二つの画像を結合</a:t>
-            </a:r>
-            <a:endParaRPr kumimoji="1" lang="en-US" altLang="ja-JP" sz="1600" dirty="0">
-              <a:latin typeface="Arial" panose="020B0604020202020204" pitchFamily="34" charset="0"/>
-              <a:cs typeface="Arial" panose="020B0604020202020204" pitchFamily="34" charset="0"/>
-            </a:endParaRPr>
+              <a:t> to match the resolution of SLDEM 2015. Next, the images are cut and shaped to 256x256 pixel. Finally, histogram smoothing is applied to images and aligned into a 512x256 pixel image.   </a:t>
+            </a:r>
           </a:p>
         </p:txBody>
       </p:sp>
@@ -4542,7 +4302,7 @@
         </p:nvSpPr>
         <p:spPr>
           <a:xfrm>
-            <a:off x="5005163" y="9017537"/>
+            <a:off x="4980843" y="9069678"/>
             <a:ext cx="4415061" cy="512992"/>
           </a:xfrm>
           <a:prstGeom prst="rect">
@@ -4595,7 +4355,7 @@
         </p:nvSpPr>
         <p:spPr>
           <a:xfrm>
-            <a:off x="4996035" y="6356247"/>
+            <a:off x="4950821" y="6481137"/>
             <a:ext cx="4210754" cy="716272"/>
           </a:xfrm>
           <a:prstGeom prst="rect">
@@ -4625,13 +4385,13 @@
           <a:p>
             <a:pPr algn="l"/>
             <a:r>
-              <a:rPr lang="en-US" altLang="ja-JP" sz="2000" dirty="0">
+              <a:rPr lang="en-US" altLang="ja-JP" sz="2400" dirty="0">
                 <a:latin typeface="Arial" panose="020B0604020202020204" pitchFamily="34" charset="0"/>
                 <a:cs typeface="Arial" panose="020B0604020202020204" pitchFamily="34" charset="0"/>
               </a:rPr>
               <a:t>4. Schedule</a:t>
             </a:r>
-            <a:endParaRPr lang="ja-JP" altLang="en-US" sz="2000" dirty="0">
+            <a:endParaRPr lang="ja-JP" altLang="en-US" sz="2400" dirty="0">
               <a:latin typeface="Arial" panose="020B0604020202020204" pitchFamily="34" charset="0"/>
               <a:cs typeface="Arial" panose="020B0604020202020204" pitchFamily="34" charset="0"/>
             </a:endParaRPr>
@@ -4640,205 +4400,164 @@
       </p:sp>
       <p:sp>
         <p:nvSpPr>
-          <p:cNvPr id="18" name="正方形/長方形 17"/>
+          <p:cNvPr id="19" name="正方形/長方形 18"/>
           <p:cNvSpPr/>
           <p:nvPr/>
         </p:nvSpPr>
         <p:spPr>
           <a:xfrm>
-            <a:off x="5061760" y="4982958"/>
-            <a:ext cx="4036726" cy="1384947"/>
+            <a:off x="5029171" y="9493248"/>
+            <a:ext cx="4440560" cy="1569660"/>
           </a:xfrm>
           <a:prstGeom prst="rect">
             <a:avLst/>
           </a:prstGeom>
-          <a:noFill/>
-          <a:ln w="9525"/>
-        </p:spPr>
-        <p:style>
-          <a:lnRef idx="2">
-            <a:schemeClr val="accent1">
-              <a:shade val="50000"/>
-            </a:schemeClr>
-          </a:lnRef>
-          <a:fillRef idx="1">
-            <a:schemeClr val="accent1"/>
-          </a:fillRef>
-          <a:effectRef idx="0">
-            <a:schemeClr val="accent1"/>
-          </a:effectRef>
-          <a:fontRef idx="minor">
-            <a:schemeClr val="lt1"/>
-          </a:fontRef>
-        </p:style>
-        <p:txBody>
-          <a:bodyPr rtlCol="0" anchor="ctr"/>
-          <a:lstStyle/>
-          <a:p>
-            <a:pPr algn="ctr"/>
-            <a:r>
-              <a:rPr lang="ja-JP" altLang="en-US" sz="1600">
-                <a:solidFill>
-                  <a:schemeClr val="tx1"/>
-                </a:solidFill>
+        </p:spPr>
+        <p:txBody>
+          <a:bodyPr wrap="square">
+            <a:spAutoFit/>
+          </a:bodyPr>
+          <a:lstStyle/>
+          <a:p>
+            <a:r>
+              <a:rPr lang="en-US" altLang="ja-JP" sz="800" dirty="0">
                 <a:latin typeface="Arial" panose="020B0604020202020204" pitchFamily="34" charset="0"/>
                 <a:cs typeface="Arial" panose="020B0604020202020204" pitchFamily="34" charset="0"/>
               </a:rPr>
-              <a:t>元データからのデータセット作成する図</a:t>
-            </a:r>
-            <a:endParaRPr lang="en-US" altLang="ja-JP" sz="1600" dirty="0">
-              <a:solidFill>
-                <a:schemeClr val="tx1"/>
-              </a:solidFill>
-              <a:latin typeface="Arial" panose="020B0604020202020204" pitchFamily="34" charset="0"/>
-              <a:cs typeface="Arial" panose="020B0604020202020204" pitchFamily="34" charset="0"/>
-            </a:endParaRPr>
-          </a:p>
-          <a:p>
-            <a:pPr algn="ctr"/>
-            <a:endParaRPr lang="en-US" altLang="ja-JP" sz="1600" dirty="0">
-              <a:solidFill>
-                <a:schemeClr val="tx1"/>
-              </a:solidFill>
-              <a:latin typeface="Arial" panose="020B0604020202020204" pitchFamily="34" charset="0"/>
-              <a:cs typeface="Arial" panose="020B0604020202020204" pitchFamily="34" charset="0"/>
-            </a:endParaRPr>
-          </a:p>
-          <a:p>
-            <a:pPr algn="ctr"/>
-            <a:endParaRPr lang="ja-JP" altLang="ja-JP" dirty="0"/>
-          </a:p>
-        </p:txBody>
-      </p:sp>
-      <p:sp>
-        <p:nvSpPr>
-          <p:cNvPr id="19" name="正方形/長方形 18"/>
-          <p:cNvSpPr/>
-          <p:nvPr/>
-        </p:nvSpPr>
-        <p:spPr>
-          <a:xfrm>
-            <a:off x="5019700" y="9474529"/>
-            <a:ext cx="4440560" cy="1446550"/>
-          </a:xfrm>
-          <a:prstGeom prst="rect">
-            <a:avLst/>
-          </a:prstGeom>
-        </p:spPr>
-        <p:txBody>
-          <a:bodyPr wrap="square">
-            <a:spAutoFit/>
-          </a:bodyPr>
-          <a:lstStyle/>
-          <a:p>
-            <a:r>
-              <a:rPr lang="en-US" altLang="ja-JP" sz="1000" dirty="0">
-                <a:latin typeface="Arial" panose="020B0604020202020204" pitchFamily="34" charset="0"/>
-                <a:cs typeface="Arial" panose="020B0604020202020204" pitchFamily="34" charset="0"/>
-              </a:rPr>
-              <a:t>[1] Barker, M. K., et al., A new lunar digital elevation model from the Lunar Orbiter Laser Altimeter and SELENE Terrain Camera, 2016. </a:t>
-            </a:r>
-            <a:r>
-              <a:rPr lang="en-US" altLang="ja-JP" sz="1000" dirty="0" err="1">
-                <a:latin typeface="Arial" panose="020B0604020202020204" pitchFamily="34" charset="0"/>
-                <a:cs typeface="Arial" panose="020B0604020202020204" pitchFamily="34" charset="0"/>
-              </a:rPr>
-              <a:t>doi</a:t>
-            </a:r>
-            <a:r>
-              <a:rPr lang="en-US" altLang="ja-JP" sz="1000" dirty="0">
-                <a:latin typeface="Arial" panose="020B0604020202020204" pitchFamily="34" charset="0"/>
-                <a:cs typeface="Arial" panose="020B0604020202020204" pitchFamily="34" charset="0"/>
-              </a:rPr>
-              <a:t>: </a:t>
-            </a:r>
-            <a:r>
-              <a:rPr lang="en-US" altLang="ja-JP" sz="1000" dirty="0">
+              <a:t>[1] Barker, M. K., et al., A new lunar digital elevation model from the Lunar Orbiter Laser Altimeter and SELENE Terrain Camera, 2016. doi:</a:t>
+            </a:r>
+            <a:r>
+              <a:rPr lang="en-US" altLang="ja-JP" sz="800" dirty="0">
                 <a:latin typeface="Arial" panose="020B0604020202020204" pitchFamily="34" charset="0"/>
                 <a:cs typeface="Arial" panose="020B0604020202020204" pitchFamily="34" charset="0"/>
                 <a:hlinkClick r:id="rId4"/>
               </a:rPr>
               <a:t>10.1016/j.icarus.2015.07.039</a:t>
             </a:r>
-            <a:endParaRPr lang="en-US" altLang="ja-JP" sz="1000" dirty="0">
+            <a:endParaRPr lang="en-US" altLang="ja-JP" sz="800" dirty="0">
               <a:latin typeface="Arial" panose="020B0604020202020204" pitchFamily="34" charset="0"/>
               <a:cs typeface="Arial" panose="020B0604020202020204" pitchFamily="34" charset="0"/>
             </a:endParaRPr>
           </a:p>
           <a:p>
             <a:r>
-              <a:rPr lang="en-US" altLang="ja-JP" sz="1000" dirty="0">
+              <a:rPr lang="en-US" altLang="ja-JP" sz="800" dirty="0">
                 <a:latin typeface="Arial" panose="020B0604020202020204" pitchFamily="34" charset="0"/>
                 <a:cs typeface="Arial" panose="020B0604020202020204" pitchFamily="34" charset="0"/>
               </a:rPr>
-              <a:t>[2] LROC NAC Digital Terrain Models: Production and Availability</a:t>
-            </a:r>
-          </a:p>
-          <a:p>
-            <a:r>
-              <a:rPr lang="en-US" altLang="ja-JP" sz="1000" dirty="0">
+              <a:t>[2] Henriksen, M., et al., LROC NAC Digital Terrain Models: Production and Availability, 2020. In Proceedings of the Lunar </a:t>
+            </a:r>
+            <a:r>
+              <a:rPr lang="en-US" altLang="ja-JP" sz="800" dirty="0" err="1">
+                <a:latin typeface="Arial" panose="020B0604020202020204" pitchFamily="34" charset="0"/>
+                <a:cs typeface="Arial" panose="020B0604020202020204" pitchFamily="34" charset="0"/>
+              </a:rPr>
+              <a:t>Surace</a:t>
+            </a:r>
+            <a:r>
+              <a:rPr lang="en-US" altLang="ja-JP" sz="800" dirty="0">
+                <a:latin typeface="Arial" panose="020B0604020202020204" pitchFamily="34" charset="0"/>
+                <a:cs typeface="Arial" panose="020B0604020202020204" pitchFamily="34" charset="0"/>
+              </a:rPr>
+              <a:t> Science Workshop, virtual meeting, 28–29 May 2020; LPI Contribution 2241. p. 5084.</a:t>
+            </a:r>
+          </a:p>
+          <a:p>
+            <a:r>
+              <a:rPr lang="en-US" altLang="ja-JP" sz="800" dirty="0">
                 <a:latin typeface="Arial" panose="020B0604020202020204" pitchFamily="34" charset="0"/>
                 <a:cs typeface="Arial" panose="020B0604020202020204" pitchFamily="34" charset="0"/>
               </a:rPr>
               <a:t>[3]Onodera, K., et al., Resolution enhancement of DEM of the lunar surface using machine learning, 2020. doi:</a:t>
             </a:r>
             <a:r>
-              <a:rPr lang="en-US" altLang="ja-JP" sz="1000" dirty="0">
+              <a:rPr lang="en-US" altLang="ja-JP" sz="800" dirty="0">
                 <a:latin typeface="Arial" panose="020B0604020202020204" pitchFamily="34" charset="0"/>
                 <a:cs typeface="Arial" panose="020B0604020202020204" pitchFamily="34" charset="0"/>
                 <a:hlinkClick r:id="rId5"/>
               </a:rPr>
               <a:t>10.20637/JAXA-RR-19-006/0003</a:t>
             </a:r>
-            <a:endParaRPr lang="en-US" altLang="ja-JP" sz="1000" dirty="0">
+            <a:endParaRPr lang="en-US" altLang="ja-JP" sz="800" dirty="0">
               <a:latin typeface="Arial" panose="020B0604020202020204" pitchFamily="34" charset="0"/>
               <a:cs typeface="Arial" panose="020B0604020202020204" pitchFamily="34" charset="0"/>
             </a:endParaRPr>
           </a:p>
           <a:p>
             <a:r>
-              <a:rPr lang="en-US" altLang="ja-JP" sz="1000" dirty="0">
+              <a:rPr lang="en-US" altLang="ja-JP" sz="800" dirty="0">
                 <a:latin typeface="Arial" panose="020B0604020202020204" pitchFamily="34" charset="0"/>
                 <a:cs typeface="Arial" panose="020B0604020202020204" pitchFamily="34" charset="0"/>
               </a:rPr>
-              <a:t>[4] LROC </a:t>
-            </a:r>
-            <a:r>
-              <a:rPr lang="en-US" altLang="ja-JP" sz="1000" dirty="0" err="1">
+              <a:t>[4] </a:t>
+            </a:r>
+          </a:p>
+          <a:p>
+            <a:r>
+              <a:rPr lang="en-US" altLang="ja-JP" sz="800" dirty="0">
                 <a:latin typeface="Arial" panose="020B0604020202020204" pitchFamily="34" charset="0"/>
                 <a:cs typeface="Arial" panose="020B0604020202020204" pitchFamily="34" charset="0"/>
               </a:rPr>
-              <a:t>Quickmap</a:t>
-            </a:r>
-            <a:r>
-              <a:rPr lang="en-US" altLang="ja-JP" sz="1000" dirty="0">
-                <a:latin typeface="Arial" panose="020B0604020202020204" pitchFamily="34" charset="0"/>
-                <a:cs typeface="Arial" panose="020B0604020202020204" pitchFamily="34" charset="0"/>
-              </a:rPr>
-              <a:t>. </a:t>
-            </a:r>
-            <a:r>
-              <a:rPr lang="en-US" altLang="ja-JP" sz="1000" dirty="0">
+              <a:t>[5] Isola, P., et al., Image-to-Image Translation with Conditional Adversarial Networks, 2016. doi:</a:t>
+            </a:r>
+            <a:r>
+              <a:rPr lang="en-US" altLang="ja-JP" sz="800" dirty="0">
                 <a:latin typeface="Arial" panose="020B0604020202020204" pitchFamily="34" charset="0"/>
                 <a:cs typeface="Arial" panose="020B0604020202020204" pitchFamily="34" charset="0"/>
                 <a:hlinkClick r:id="rId6"/>
               </a:rPr>
-              <a:t>https://quickmap.lroc.asu.edu/</a:t>
-            </a:r>
-            <a:endParaRPr lang="en-US" altLang="ja-JP" sz="1000" dirty="0">
-              <a:latin typeface="Arial" panose="020B0604020202020204" pitchFamily="34" charset="0"/>
-              <a:cs typeface="Arial" panose="020B0604020202020204" pitchFamily="34" charset="0"/>
-            </a:endParaRPr>
-          </a:p>
-          <a:p>
-            <a:r>
-              <a:rPr lang="en-US" altLang="ja-JP" sz="1800" dirty="0">
+              <a:t>10.1109/CVPR.2017.632</a:t>
+            </a:r>
+            <a:r>
+              <a:rPr lang="en-US" altLang="ja-JP" sz="800" dirty="0">
                 <a:latin typeface="Arial" panose="020B0604020202020204" pitchFamily="34" charset="0"/>
                 <a:cs typeface="Arial" panose="020B0604020202020204" pitchFamily="34" charset="0"/>
               </a:rPr>
               <a:t> </a:t>
             </a:r>
-            <a:endParaRPr lang="en-US" altLang="ja-JP" sz="1000" dirty="0">
+          </a:p>
+          <a:p>
+            <a:r>
+              <a:rPr lang="en-US" altLang="ja-JP" sz="800" dirty="0">
+                <a:latin typeface="Arial" panose="020B0604020202020204" pitchFamily="34" charset="0"/>
+                <a:cs typeface="Arial" panose="020B0604020202020204" pitchFamily="34" charset="0"/>
+              </a:rPr>
+              <a:t>[6] </a:t>
+            </a:r>
+            <a:r>
+              <a:rPr lang="en" altLang="ja-JP" sz="800" b="0" i="0" dirty="0">
+                <a:effectLst/>
+                <a:latin typeface="Arial" panose="020B0604020202020204" pitchFamily="34" charset="0"/>
+                <a:cs typeface="Arial" panose="020B0604020202020204" pitchFamily="34" charset="0"/>
+                <a:hlinkClick r:id="rId7"/>
+              </a:rPr>
+              <a:t>http://imbrium.mit.edu/EXTRAS/SLDEM2015/</a:t>
+            </a:r>
+            <a:endParaRPr lang="en" altLang="ja-JP" sz="800" b="0" i="0" dirty="0">
+              <a:effectLst/>
+              <a:latin typeface="Arial" panose="020B0604020202020204" pitchFamily="34" charset="0"/>
+              <a:cs typeface="Arial" panose="020B0604020202020204" pitchFamily="34" charset="0"/>
+            </a:endParaRPr>
+          </a:p>
+          <a:p>
+            <a:r>
+              <a:rPr lang="en" altLang="ja-JP" sz="800" dirty="0">
+                <a:latin typeface="Arial" panose="020B0604020202020204" pitchFamily="34" charset="0"/>
+                <a:cs typeface="Arial" panose="020B0604020202020204" pitchFamily="34" charset="0"/>
+              </a:rPr>
+              <a:t>[7] </a:t>
+            </a:r>
+            <a:r>
+              <a:rPr lang="en" altLang="ja-JP" sz="800" b="0" i="0" dirty="0">
+                <a:effectLst/>
+                <a:latin typeface="Arial" panose="020B0604020202020204" pitchFamily="34" charset="0"/>
+                <a:cs typeface="Arial" panose="020B0604020202020204" pitchFamily="34" charset="0"/>
+                <a:hlinkClick r:id="rId8"/>
+              </a:rPr>
+              <a:t>https://wms.lroc.asu.edu/lroc/rdr_product_select</a:t>
+            </a:r>
+            <a:endParaRPr lang="en" altLang="ja-JP" sz="800" b="0" i="0" dirty="0">
+              <a:effectLst/>
               <a:latin typeface="Arial" panose="020B0604020202020204" pitchFamily="34" charset="0"/>
               <a:cs typeface="Arial" panose="020B0604020202020204" pitchFamily="34" charset="0"/>
             </a:endParaRPr>
@@ -4855,8 +4574,8 @@
         </p:nvCxnSpPr>
         <p:spPr>
           <a:xfrm>
-            <a:off x="4800600" y="1434570"/>
-            <a:ext cx="0" cy="8452101"/>
+            <a:off x="4800599" y="1392085"/>
+            <a:ext cx="0" cy="9214702"/>
           </a:xfrm>
           <a:prstGeom prst="line">
             <a:avLst/>
@@ -4884,60 +4603,6 @@
       </p:cxnSp>
       <p:sp>
         <p:nvSpPr>
-          <p:cNvPr id="25" name="テキスト ボックス 24">
-            <a:extLst>
-              <a:ext uri="{FF2B5EF4-FFF2-40B4-BE49-F238E27FC236}">
-                <a16:creationId xmlns:a16="http://schemas.microsoft.com/office/drawing/2014/main" id="{7C0E9BA1-6CB1-BF36-11CA-389144CF15CC}"/>
-              </a:ext>
-            </a:extLst>
-          </p:cNvPr>
-          <p:cNvSpPr txBox="1"/>
-          <p:nvPr/>
-        </p:nvSpPr>
-        <p:spPr>
-          <a:xfrm>
-            <a:off x="8410558" y="6337985"/>
-            <a:ext cx="3498874" cy="830997"/>
-          </a:xfrm>
-          <a:prstGeom prst="rect">
-            <a:avLst/>
-          </a:prstGeom>
-          <a:noFill/>
-        </p:spPr>
-        <p:txBody>
-          <a:bodyPr wrap="square" rtlCol="0">
-            <a:spAutoFit/>
-          </a:bodyPr>
-          <a:lstStyle/>
-          <a:p>
-            <a:r>
-              <a:rPr kumimoji="1" lang="ja-JP" altLang="en-US" sz="1600"/>
-              <a:t>月幅デカすぎ</a:t>
-            </a:r>
-            <a:endParaRPr kumimoji="1" lang="en-US" altLang="ja-JP" sz="1600" dirty="0"/>
-          </a:p>
-          <a:p>
-            <a:r>
-              <a:rPr lang="en-US" altLang="ja-JP" sz="1600" dirty="0"/>
-              <a:t>4</a:t>
-            </a:r>
-            <a:r>
-              <a:rPr lang="ja-JP" altLang="en-US" sz="1600"/>
-              <a:t>月からも入れておく</a:t>
-            </a:r>
-            <a:endParaRPr lang="en-US" altLang="ja-JP" sz="1600" dirty="0"/>
-          </a:p>
-          <a:p>
-            <a:r>
-              <a:rPr lang="ja-JP" altLang="en-US" sz="1600"/>
-              <a:t>締め切り入れておく　</a:t>
-            </a:r>
-            <a:endParaRPr lang="en-US" altLang="ja-JP" sz="1600" dirty="0"/>
-          </a:p>
-        </p:txBody>
-      </p:sp>
-      <p:sp>
-        <p:nvSpPr>
           <p:cNvPr id="8" name="テキスト ボックス 7">
             <a:extLst>
               <a:ext uri="{FF2B5EF4-FFF2-40B4-BE49-F238E27FC236}">
@@ -4950,8 +4615,8 @@
         </p:nvSpPr>
         <p:spPr>
           <a:xfrm>
-            <a:off x="2712368" y="12521375"/>
-            <a:ext cx="5188879" cy="338554"/>
+            <a:off x="3762887" y="12478166"/>
+            <a:ext cx="3525874" cy="338554"/>
           </a:xfrm>
           <a:prstGeom prst="rect">
             <a:avLst/>
@@ -4966,9 +4631,23 @@
           <a:p>
             <a:pPr algn="just"/>
             <a:r>
-              <a:rPr kumimoji="1" lang="en-US" altLang="ja-JP" sz="1600" b="1" dirty="0"/>
-              <a:t>Figure 1. Footprints of  LRO NAC DTMs in red [4]</a:t>
-            </a:r>
+              <a:rPr kumimoji="1" lang="en-US" altLang="ja-JP" sz="1600" b="1" dirty="0">
+                <a:latin typeface="Arial" panose="020B0604020202020204" pitchFamily="34" charset="0"/>
+                <a:cs typeface="Arial" panose="020B0604020202020204" pitchFamily="34" charset="0"/>
+              </a:rPr>
+              <a:t>Figure 1. Pipeline of  </a:t>
+            </a:r>
+            <a:r>
+              <a:rPr lang="en-US" altLang="ja-JP" sz="1600" b="1" dirty="0">
+                <a:latin typeface="Arial" panose="020B0604020202020204" pitchFamily="34" charset="0"/>
+                <a:cs typeface="Arial" panose="020B0604020202020204" pitchFamily="34" charset="0"/>
+              </a:rPr>
+              <a:t>Methodology</a:t>
+            </a:r>
+            <a:endParaRPr kumimoji="1" lang="en-US" altLang="ja-JP" sz="1600" b="1" dirty="0">
+              <a:latin typeface="Arial" panose="020B0604020202020204" pitchFamily="34" charset="0"/>
+              <a:cs typeface="Arial" panose="020B0604020202020204" pitchFamily="34" charset="0"/>
+            </a:endParaRPr>
           </a:p>
         </p:txBody>
       </p:sp>
@@ -5508,6 +5187,726 @@
           </a:fontRef>
         </p:style>
       </p:cxnSp>
+      <p:pic>
+        <p:nvPicPr>
+          <p:cNvPr id="46" name="図 45" descr="座る, 食品, テーブル, 皿 が含まれている画像&#10;&#10;自動的に生成された説明">
+            <a:extLst>
+              <a:ext uri="{FF2B5EF4-FFF2-40B4-BE49-F238E27FC236}">
+                <a16:creationId xmlns:a16="http://schemas.microsoft.com/office/drawing/2014/main" id="{9F79D3D7-9B2B-65ED-60BD-F5CBAF826B15}"/>
+              </a:ext>
+            </a:extLst>
+          </p:cNvPr>
+          <p:cNvPicPr>
+            <a:picLocks/>
+          </p:cNvPicPr>
+          <p:nvPr/>
+        </p:nvPicPr>
+        <p:blipFill rotWithShape="1">
+          <a:blip r:embed="rId9">
+            <a:extLst>
+              <a:ext uri="{28A0092B-C50C-407E-A947-70E740481C1C}">
+                <a14:useLocalDpi xmlns:a14="http://schemas.microsoft.com/office/drawing/2010/main" val="0"/>
+              </a:ext>
+            </a:extLst>
+          </a:blip>
+          <a:srcRect l="15983" b="12804"/>
+          <a:stretch/>
+        </p:blipFill>
+        <p:spPr>
+          <a:xfrm rot="5400000">
+            <a:off x="7933105" y="4597965"/>
+            <a:ext cx="792000" cy="792000"/>
+          </a:xfrm>
+          <a:prstGeom prst="rect">
+            <a:avLst/>
+          </a:prstGeom>
+        </p:spPr>
+      </p:pic>
+      <p:pic>
+        <p:nvPicPr>
+          <p:cNvPr id="48" name="図 47" descr="白黒の写真&#10;&#10;中程度の精度で自動的に生成された説明">
+            <a:extLst>
+              <a:ext uri="{FF2B5EF4-FFF2-40B4-BE49-F238E27FC236}">
+                <a16:creationId xmlns:a16="http://schemas.microsoft.com/office/drawing/2014/main" id="{203511BD-6058-020F-A6A4-0CD11D3908A5}"/>
+              </a:ext>
+            </a:extLst>
+          </p:cNvPr>
+          <p:cNvPicPr>
+            <a:picLocks noChangeAspect="1"/>
+          </p:cNvPicPr>
+          <p:nvPr/>
+        </p:nvPicPr>
+        <p:blipFill rotWithShape="1">
+          <a:blip r:embed="rId10">
+            <a:extLst>
+              <a:ext uri="{28A0092B-C50C-407E-A947-70E740481C1C}">
+                <a14:useLocalDpi xmlns:a14="http://schemas.microsoft.com/office/drawing/2010/main" val="0"/>
+              </a:ext>
+            </a:extLst>
+          </a:blip>
+          <a:srcRect t="7228" b="8364"/>
+          <a:stretch/>
+        </p:blipFill>
+        <p:spPr>
+          <a:xfrm rot="5400000">
+            <a:off x="8726372" y="4593334"/>
+            <a:ext cx="790647" cy="793181"/>
+          </a:xfrm>
+          <a:prstGeom prst="rect">
+            <a:avLst/>
+          </a:prstGeom>
+        </p:spPr>
+      </p:pic>
+      <p:sp>
+        <p:nvSpPr>
+          <p:cNvPr id="88" name="テキスト ボックス 87">
+            <a:extLst>
+              <a:ext uri="{FF2B5EF4-FFF2-40B4-BE49-F238E27FC236}">
+                <a16:creationId xmlns:a16="http://schemas.microsoft.com/office/drawing/2014/main" id="{68B2D2B2-7ACC-74E6-6BFE-D2FCCB3974E9}"/>
+              </a:ext>
+            </a:extLst>
+          </p:cNvPr>
+          <p:cNvSpPr txBox="1"/>
+          <p:nvPr/>
+        </p:nvSpPr>
+        <p:spPr>
+          <a:xfrm>
+            <a:off x="250669" y="12269192"/>
+            <a:ext cx="2554058" cy="338554"/>
+          </a:xfrm>
+          <a:prstGeom prst="rect">
+            <a:avLst/>
+          </a:prstGeom>
+          <a:noFill/>
+        </p:spPr>
+        <p:txBody>
+          <a:bodyPr wrap="square" rtlCol="0">
+            <a:spAutoFit/>
+          </a:bodyPr>
+          <a:lstStyle/>
+          <a:p>
+            <a:r>
+              <a:rPr lang="en-US" altLang="ja-JP" sz="1600" b="1" dirty="0">
+                <a:latin typeface="Arial" panose="020B0604020202020204" pitchFamily="34" charset="0"/>
+                <a:cs typeface="Arial" panose="020B0604020202020204" pitchFamily="34" charset="0"/>
+              </a:rPr>
+              <a:t>LRO NAC Orthoimage</a:t>
+            </a:r>
+            <a:endParaRPr kumimoji="1" lang="ja-JP" altLang="en-US" sz="1600" b="1">
+              <a:latin typeface="Arial" panose="020B0604020202020204" pitchFamily="34" charset="0"/>
+              <a:cs typeface="Arial" panose="020B0604020202020204" pitchFamily="34" charset="0"/>
+            </a:endParaRPr>
+          </a:p>
+        </p:txBody>
+      </p:sp>
+      <p:pic>
+        <p:nvPicPr>
+          <p:cNvPr id="91" name="図 90">
+            <a:extLst>
+              <a:ext uri="{FF2B5EF4-FFF2-40B4-BE49-F238E27FC236}">
+                <a16:creationId xmlns:a16="http://schemas.microsoft.com/office/drawing/2014/main" id="{63238ED6-9FA1-FDAF-411A-70A0775EC00B}"/>
+              </a:ext>
+            </a:extLst>
+          </p:cNvPr>
+          <p:cNvPicPr>
+            <a:picLocks noChangeAspect="1"/>
+          </p:cNvPicPr>
+          <p:nvPr/>
+        </p:nvPicPr>
+        <p:blipFill>
+          <a:blip r:embed="rId11"/>
+          <a:stretch>
+            <a:fillRect/>
+          </a:stretch>
+        </p:blipFill>
+        <p:spPr>
+          <a:xfrm>
+            <a:off x="376327" y="10885606"/>
+            <a:ext cx="8848545" cy="1431265"/>
+          </a:xfrm>
+          <a:prstGeom prst="rect">
+            <a:avLst/>
+          </a:prstGeom>
+        </p:spPr>
+      </p:pic>
+      <p:sp>
+        <p:nvSpPr>
+          <p:cNvPr id="89" name="テキスト ボックス 88">
+            <a:extLst>
+              <a:ext uri="{FF2B5EF4-FFF2-40B4-BE49-F238E27FC236}">
+                <a16:creationId xmlns:a16="http://schemas.microsoft.com/office/drawing/2014/main" id="{606EF1A6-6193-423E-BFF2-1D739EA35CFD}"/>
+              </a:ext>
+            </a:extLst>
+          </p:cNvPr>
+          <p:cNvSpPr txBox="1"/>
+          <p:nvPr/>
+        </p:nvSpPr>
+        <p:spPr>
+          <a:xfrm>
+            <a:off x="487663" y="11448642"/>
+            <a:ext cx="1570538" cy="338554"/>
+          </a:xfrm>
+          <a:prstGeom prst="rect">
+            <a:avLst/>
+          </a:prstGeom>
+          <a:noFill/>
+        </p:spPr>
+        <p:txBody>
+          <a:bodyPr wrap="square" rtlCol="0">
+            <a:spAutoFit/>
+          </a:bodyPr>
+          <a:lstStyle/>
+          <a:p>
+            <a:r>
+              <a:rPr kumimoji="1" lang="en-US" altLang="ja-JP" sz="1600" b="1" dirty="0">
+                <a:latin typeface="Arial" panose="020B0604020202020204" pitchFamily="34" charset="0"/>
+                <a:cs typeface="Arial" panose="020B0604020202020204" pitchFamily="34" charset="0"/>
+              </a:rPr>
+              <a:t>SLDEM 2015</a:t>
+            </a:r>
+            <a:endParaRPr kumimoji="1" lang="ja-JP" altLang="en-US" sz="1600" b="1">
+              <a:latin typeface="Arial" panose="020B0604020202020204" pitchFamily="34" charset="0"/>
+              <a:cs typeface="Arial" panose="020B0604020202020204" pitchFamily="34" charset="0"/>
+            </a:endParaRPr>
+          </a:p>
+        </p:txBody>
+      </p:sp>
+      <p:pic>
+        <p:nvPicPr>
+          <p:cNvPr id="105" name="図 104" descr="黒い背景とぼやけた写真&#10;&#10;中程度の精度で自動的に生成された説明">
+            <a:extLst>
+              <a:ext uri="{FF2B5EF4-FFF2-40B4-BE49-F238E27FC236}">
+                <a16:creationId xmlns:a16="http://schemas.microsoft.com/office/drawing/2014/main" id="{CDB7F355-94B2-3604-ADC3-6FBD64F1CC61}"/>
+              </a:ext>
+            </a:extLst>
+          </p:cNvPr>
+          <p:cNvPicPr>
+            <a:picLocks noChangeAspect="1"/>
+          </p:cNvPicPr>
+          <p:nvPr/>
+        </p:nvPicPr>
+        <p:blipFill>
+          <a:blip r:embed="rId12">
+            <a:extLst>
+              <a:ext uri="{28A0092B-C50C-407E-A947-70E740481C1C}">
+                <a14:useLocalDpi xmlns:a14="http://schemas.microsoft.com/office/drawing/2010/main" val="0"/>
+              </a:ext>
+            </a:extLst>
+          </a:blip>
+          <a:stretch>
+            <a:fillRect/>
+          </a:stretch>
+        </p:blipFill>
+        <p:spPr>
+          <a:xfrm rot="5400000">
+            <a:off x="5623346" y="3653267"/>
+            <a:ext cx="630440" cy="1678151"/>
+          </a:xfrm>
+          <a:prstGeom prst="rect">
+            <a:avLst/>
+          </a:prstGeom>
+        </p:spPr>
+      </p:pic>
+      <p:pic>
+        <p:nvPicPr>
+          <p:cNvPr id="107" name="図 106" descr="黒い背景に白い文字がある&#10;&#10;中程度の精度で自動的に生成された説明">
+            <a:extLst>
+              <a:ext uri="{FF2B5EF4-FFF2-40B4-BE49-F238E27FC236}">
+                <a16:creationId xmlns:a16="http://schemas.microsoft.com/office/drawing/2014/main" id="{46A47D85-6EBE-D9C7-6A32-AD108DED67CE}"/>
+              </a:ext>
+            </a:extLst>
+          </p:cNvPr>
+          <p:cNvPicPr>
+            <a:picLocks noChangeAspect="1"/>
+          </p:cNvPicPr>
+          <p:nvPr/>
+        </p:nvPicPr>
+        <p:blipFill rotWithShape="1">
+          <a:blip r:embed="rId13">
+            <a:extLst>
+              <a:ext uri="{28A0092B-C50C-407E-A947-70E740481C1C}">
+                <a14:useLocalDpi xmlns:a14="http://schemas.microsoft.com/office/drawing/2010/main" val="0"/>
+              </a:ext>
+            </a:extLst>
+          </a:blip>
+          <a:srcRect l="44832" t="29535" r="45265" b="19115"/>
+          <a:stretch/>
+        </p:blipFill>
+        <p:spPr>
+          <a:xfrm rot="5400000">
+            <a:off x="5644293" y="4794544"/>
+            <a:ext cx="630441" cy="1720047"/>
+          </a:xfrm>
+          <a:prstGeom prst="rect">
+            <a:avLst/>
+          </a:prstGeom>
+        </p:spPr>
+      </p:pic>
+      <p:sp>
+        <p:nvSpPr>
+          <p:cNvPr id="108" name="テキスト ボックス 107">
+            <a:extLst>
+              <a:ext uri="{FF2B5EF4-FFF2-40B4-BE49-F238E27FC236}">
+                <a16:creationId xmlns:a16="http://schemas.microsoft.com/office/drawing/2014/main" id="{0539D216-C5D2-E39D-2259-666E34C60744}"/>
+              </a:ext>
+            </a:extLst>
+          </p:cNvPr>
+          <p:cNvSpPr txBox="1"/>
+          <p:nvPr/>
+        </p:nvSpPr>
+        <p:spPr>
+          <a:xfrm>
+            <a:off x="5207104" y="4842728"/>
+            <a:ext cx="1570538" cy="338554"/>
+          </a:xfrm>
+          <a:prstGeom prst="rect">
+            <a:avLst/>
+          </a:prstGeom>
+          <a:noFill/>
+        </p:spPr>
+        <p:txBody>
+          <a:bodyPr wrap="square" rtlCol="0">
+            <a:spAutoFit/>
+          </a:bodyPr>
+          <a:lstStyle/>
+          <a:p>
+            <a:r>
+              <a:rPr kumimoji="1" lang="en-US" altLang="ja-JP" sz="1600" dirty="0">
+                <a:latin typeface="Arial" panose="020B0604020202020204" pitchFamily="34" charset="0"/>
+                <a:cs typeface="Arial" panose="020B0604020202020204" pitchFamily="34" charset="0"/>
+              </a:rPr>
+              <a:t>SLDEM 2015</a:t>
+            </a:r>
+            <a:endParaRPr kumimoji="1" lang="ja-JP" altLang="en-US" sz="1600">
+              <a:latin typeface="Arial" panose="020B0604020202020204" pitchFamily="34" charset="0"/>
+              <a:cs typeface="Arial" panose="020B0604020202020204" pitchFamily="34" charset="0"/>
+            </a:endParaRPr>
+          </a:p>
+        </p:txBody>
+      </p:sp>
+      <p:sp>
+        <p:nvSpPr>
+          <p:cNvPr id="109" name="テキスト ボックス 108">
+            <a:extLst>
+              <a:ext uri="{FF2B5EF4-FFF2-40B4-BE49-F238E27FC236}">
+                <a16:creationId xmlns:a16="http://schemas.microsoft.com/office/drawing/2014/main" id="{C9CD092E-C289-9F62-5E32-15198ED535DC}"/>
+              </a:ext>
+            </a:extLst>
+          </p:cNvPr>
+          <p:cNvSpPr txBox="1"/>
+          <p:nvPr/>
+        </p:nvSpPr>
+        <p:spPr>
+          <a:xfrm>
+            <a:off x="4895750" y="6095791"/>
+            <a:ext cx="2554058" cy="338554"/>
+          </a:xfrm>
+          <a:prstGeom prst="rect">
+            <a:avLst/>
+          </a:prstGeom>
+          <a:noFill/>
+        </p:spPr>
+        <p:txBody>
+          <a:bodyPr wrap="square" rtlCol="0">
+            <a:spAutoFit/>
+          </a:bodyPr>
+          <a:lstStyle/>
+          <a:p>
+            <a:r>
+              <a:rPr lang="en-US" altLang="ja-JP" sz="1600" dirty="0">
+                <a:latin typeface="Arial" panose="020B0604020202020204" pitchFamily="34" charset="0"/>
+                <a:cs typeface="Arial" panose="020B0604020202020204" pitchFamily="34" charset="0"/>
+              </a:rPr>
+              <a:t>LRO NAC Orthoimage</a:t>
+            </a:r>
+            <a:endParaRPr kumimoji="1" lang="ja-JP" altLang="en-US" sz="1600">
+              <a:latin typeface="Arial" panose="020B0604020202020204" pitchFamily="34" charset="0"/>
+              <a:cs typeface="Arial" panose="020B0604020202020204" pitchFamily="34" charset="0"/>
+            </a:endParaRPr>
+          </a:p>
+        </p:txBody>
+      </p:sp>
+      <p:sp>
+        <p:nvSpPr>
+          <p:cNvPr id="110" name="フレーム 109">
+            <a:extLst>
+              <a:ext uri="{FF2B5EF4-FFF2-40B4-BE49-F238E27FC236}">
+                <a16:creationId xmlns:a16="http://schemas.microsoft.com/office/drawing/2014/main" id="{DA59B4B5-761F-2257-D344-954EF4BF7CA4}"/>
+              </a:ext>
+            </a:extLst>
+          </p:cNvPr>
+          <p:cNvSpPr/>
+          <p:nvPr/>
+        </p:nvSpPr>
+        <p:spPr>
+          <a:xfrm>
+            <a:off x="5480779" y="4216415"/>
+            <a:ext cx="558012" cy="555981"/>
+          </a:xfrm>
+          <a:prstGeom prst="frame">
+            <a:avLst>
+              <a:gd name="adj1" fmla="val 3722"/>
+            </a:avLst>
+          </a:prstGeom>
+          <a:solidFill>
+            <a:srgbClr val="00B0F0"/>
+          </a:solidFill>
+          <a:ln>
+            <a:noFill/>
+          </a:ln>
+        </p:spPr>
+        <p:style>
+          <a:lnRef idx="2">
+            <a:schemeClr val="accent1">
+              <a:shade val="50000"/>
+            </a:schemeClr>
+          </a:lnRef>
+          <a:fillRef idx="1">
+            <a:schemeClr val="accent1"/>
+          </a:fillRef>
+          <a:effectRef idx="0">
+            <a:schemeClr val="accent1"/>
+          </a:effectRef>
+          <a:fontRef idx="minor">
+            <a:schemeClr val="lt1"/>
+          </a:fontRef>
+        </p:style>
+        <p:txBody>
+          <a:bodyPr rtlCol="0" anchor="ctr"/>
+          <a:lstStyle/>
+          <a:p>
+            <a:pPr algn="ctr"/>
+            <a:endParaRPr kumimoji="1" lang="ja-JP" altLang="en-US">
+              <a:solidFill>
+                <a:schemeClr val="tx1"/>
+              </a:solidFill>
+            </a:endParaRPr>
+          </a:p>
+        </p:txBody>
+      </p:sp>
+      <p:sp>
+        <p:nvSpPr>
+          <p:cNvPr id="111" name="フレーム 110">
+            <a:extLst>
+              <a:ext uri="{FF2B5EF4-FFF2-40B4-BE49-F238E27FC236}">
+                <a16:creationId xmlns:a16="http://schemas.microsoft.com/office/drawing/2014/main" id="{D822A745-89E2-30BD-29E5-3FE01DD58AA7}"/>
+              </a:ext>
+            </a:extLst>
+          </p:cNvPr>
+          <p:cNvSpPr/>
+          <p:nvPr/>
+        </p:nvSpPr>
+        <p:spPr>
+          <a:xfrm>
+            <a:off x="5480779" y="5400617"/>
+            <a:ext cx="584080" cy="523332"/>
+          </a:xfrm>
+          <a:prstGeom prst="frame">
+            <a:avLst>
+              <a:gd name="adj1" fmla="val 3722"/>
+            </a:avLst>
+          </a:prstGeom>
+          <a:solidFill>
+            <a:srgbClr val="FF456C"/>
+          </a:solidFill>
+          <a:ln>
+            <a:noFill/>
+          </a:ln>
+        </p:spPr>
+        <p:style>
+          <a:lnRef idx="2">
+            <a:schemeClr val="accent1">
+              <a:shade val="50000"/>
+            </a:schemeClr>
+          </a:lnRef>
+          <a:fillRef idx="1">
+            <a:schemeClr val="accent1"/>
+          </a:fillRef>
+          <a:effectRef idx="0">
+            <a:schemeClr val="accent1"/>
+          </a:effectRef>
+          <a:fontRef idx="minor">
+            <a:schemeClr val="lt1"/>
+          </a:fontRef>
+        </p:style>
+        <p:txBody>
+          <a:bodyPr rtlCol="0" anchor="ctr"/>
+          <a:lstStyle/>
+          <a:p>
+            <a:pPr algn="ctr"/>
+            <a:endParaRPr kumimoji="1" lang="ja-JP" altLang="en-US">
+              <a:solidFill>
+                <a:schemeClr val="tx1"/>
+              </a:solidFill>
+            </a:endParaRPr>
+          </a:p>
+        </p:txBody>
+      </p:sp>
+      <p:sp>
+        <p:nvSpPr>
+          <p:cNvPr id="112" name="フレーム 111">
+            <a:extLst>
+              <a:ext uri="{FF2B5EF4-FFF2-40B4-BE49-F238E27FC236}">
+                <a16:creationId xmlns:a16="http://schemas.microsoft.com/office/drawing/2014/main" id="{937B0CB4-E0FE-27CD-F346-96FDE8223325}"/>
+              </a:ext>
+            </a:extLst>
+          </p:cNvPr>
+          <p:cNvSpPr/>
+          <p:nvPr/>
+        </p:nvSpPr>
+        <p:spPr>
+          <a:xfrm>
+            <a:off x="8723922" y="4597446"/>
+            <a:ext cx="788507" cy="804219"/>
+          </a:xfrm>
+          <a:prstGeom prst="frame">
+            <a:avLst>
+              <a:gd name="adj1" fmla="val 3722"/>
+            </a:avLst>
+          </a:prstGeom>
+          <a:solidFill>
+            <a:srgbClr val="FF456C"/>
+          </a:solidFill>
+          <a:ln>
+            <a:noFill/>
+          </a:ln>
+        </p:spPr>
+        <p:style>
+          <a:lnRef idx="2">
+            <a:schemeClr val="accent1">
+              <a:shade val="50000"/>
+            </a:schemeClr>
+          </a:lnRef>
+          <a:fillRef idx="1">
+            <a:schemeClr val="accent1"/>
+          </a:fillRef>
+          <a:effectRef idx="0">
+            <a:schemeClr val="accent1"/>
+          </a:effectRef>
+          <a:fontRef idx="minor">
+            <a:schemeClr val="lt1"/>
+          </a:fontRef>
+        </p:style>
+        <p:txBody>
+          <a:bodyPr rtlCol="0" anchor="ctr"/>
+          <a:lstStyle/>
+          <a:p>
+            <a:pPr algn="ctr"/>
+            <a:endParaRPr kumimoji="1" lang="ja-JP" altLang="en-US">
+              <a:solidFill>
+                <a:schemeClr val="tx1"/>
+              </a:solidFill>
+            </a:endParaRPr>
+          </a:p>
+        </p:txBody>
+      </p:sp>
+      <p:sp>
+        <p:nvSpPr>
+          <p:cNvPr id="113" name="フレーム 112">
+            <a:extLst>
+              <a:ext uri="{FF2B5EF4-FFF2-40B4-BE49-F238E27FC236}">
+                <a16:creationId xmlns:a16="http://schemas.microsoft.com/office/drawing/2014/main" id="{0BB53B9F-A490-01AB-933E-2B1DFD2BA72E}"/>
+              </a:ext>
+            </a:extLst>
+          </p:cNvPr>
+          <p:cNvSpPr/>
+          <p:nvPr/>
+        </p:nvSpPr>
+        <p:spPr>
+          <a:xfrm>
+            <a:off x="7950727" y="4597446"/>
+            <a:ext cx="773195" cy="787801"/>
+          </a:xfrm>
+          <a:prstGeom prst="frame">
+            <a:avLst>
+              <a:gd name="adj1" fmla="val 3722"/>
+            </a:avLst>
+          </a:prstGeom>
+          <a:solidFill>
+            <a:srgbClr val="00B0F0"/>
+          </a:solidFill>
+          <a:ln>
+            <a:noFill/>
+          </a:ln>
+        </p:spPr>
+        <p:style>
+          <a:lnRef idx="2">
+            <a:schemeClr val="accent1">
+              <a:shade val="50000"/>
+            </a:schemeClr>
+          </a:lnRef>
+          <a:fillRef idx="1">
+            <a:schemeClr val="accent1"/>
+          </a:fillRef>
+          <a:effectRef idx="0">
+            <a:schemeClr val="accent1"/>
+          </a:effectRef>
+          <a:fontRef idx="minor">
+            <a:schemeClr val="lt1"/>
+          </a:fontRef>
+        </p:style>
+        <p:txBody>
+          <a:bodyPr rtlCol="0" anchor="ctr"/>
+          <a:lstStyle/>
+          <a:p>
+            <a:pPr algn="ctr"/>
+            <a:endParaRPr kumimoji="1" lang="ja-JP" altLang="en-US">
+              <a:solidFill>
+                <a:schemeClr val="tx1"/>
+              </a:solidFill>
+            </a:endParaRPr>
+          </a:p>
+        </p:txBody>
+      </p:sp>
+      <p:sp>
+        <p:nvSpPr>
+          <p:cNvPr id="114" name="下矢印 113">
+            <a:extLst>
+              <a:ext uri="{FF2B5EF4-FFF2-40B4-BE49-F238E27FC236}">
+                <a16:creationId xmlns:a16="http://schemas.microsoft.com/office/drawing/2014/main" id="{2849A1CC-E456-AC08-605F-D0815E8B14E7}"/>
+              </a:ext>
+            </a:extLst>
+          </p:cNvPr>
+          <p:cNvSpPr/>
+          <p:nvPr/>
+        </p:nvSpPr>
+        <p:spPr>
+          <a:xfrm rot="16200000">
+            <a:off x="7192455" y="4611661"/>
+            <a:ext cx="398443" cy="792000"/>
+          </a:xfrm>
+          <a:prstGeom prst="downArrow">
+            <a:avLst/>
+          </a:prstGeom>
+          <a:solidFill>
+            <a:schemeClr val="tx1"/>
+          </a:solidFill>
+          <a:ln>
+            <a:noFill/>
+          </a:ln>
+        </p:spPr>
+        <p:style>
+          <a:lnRef idx="2">
+            <a:schemeClr val="accent1">
+              <a:shade val="50000"/>
+            </a:schemeClr>
+          </a:lnRef>
+          <a:fillRef idx="1">
+            <a:schemeClr val="accent1"/>
+          </a:fillRef>
+          <a:effectRef idx="0">
+            <a:schemeClr val="accent1"/>
+          </a:effectRef>
+          <a:fontRef idx="minor">
+            <a:schemeClr val="lt1"/>
+          </a:fontRef>
+        </p:style>
+        <p:txBody>
+          <a:bodyPr rtlCol="0" anchor="ctr"/>
+          <a:lstStyle/>
+          <a:p>
+            <a:pPr algn="ctr"/>
+            <a:endParaRPr kumimoji="1" lang="ja-JP" altLang="en-US"/>
+          </a:p>
+        </p:txBody>
+      </p:sp>
+      <p:sp>
+        <p:nvSpPr>
+          <p:cNvPr id="115" name="テキスト ボックス 114">
+            <a:extLst>
+              <a:ext uri="{FF2B5EF4-FFF2-40B4-BE49-F238E27FC236}">
+                <a16:creationId xmlns:a16="http://schemas.microsoft.com/office/drawing/2014/main" id="{D6DAC723-9AFF-FD8C-8EAB-0D8F61C25FEC}"/>
+              </a:ext>
+            </a:extLst>
+          </p:cNvPr>
+          <p:cNvSpPr txBox="1"/>
+          <p:nvPr/>
+        </p:nvSpPr>
+        <p:spPr>
+          <a:xfrm>
+            <a:off x="6893221" y="5282548"/>
+            <a:ext cx="2419453" cy="584775"/>
+          </a:xfrm>
+          <a:prstGeom prst="rect">
+            <a:avLst/>
+          </a:prstGeom>
+          <a:noFill/>
+        </p:spPr>
+        <p:txBody>
+          <a:bodyPr wrap="square" rtlCol="0">
+            <a:spAutoFit/>
+          </a:bodyPr>
+          <a:lstStyle/>
+          <a:p>
+            <a:r>
+              <a:rPr kumimoji="1" lang="en-US" altLang="ja-JP" sz="1600" dirty="0">
+                <a:latin typeface="Arial" panose="020B0604020202020204" pitchFamily="34" charset="0"/>
+                <a:cs typeface="Arial" panose="020B0604020202020204" pitchFamily="34" charset="0"/>
+              </a:rPr>
+              <a:t>Cut &amp;</a:t>
+            </a:r>
+            <a:br>
+              <a:rPr kumimoji="1" lang="en-US" altLang="ja-JP" sz="1600" dirty="0">
+                <a:latin typeface="Arial" panose="020B0604020202020204" pitchFamily="34" charset="0"/>
+                <a:cs typeface="Arial" panose="020B0604020202020204" pitchFamily="34" charset="0"/>
+              </a:rPr>
+            </a:br>
+            <a:r>
+              <a:rPr kumimoji="1" lang="en-US" altLang="ja-JP" sz="1600" dirty="0">
+                <a:latin typeface="Arial" panose="020B0604020202020204" pitchFamily="34" charset="0"/>
+                <a:cs typeface="Arial" panose="020B0604020202020204" pitchFamily="34" charset="0"/>
+              </a:rPr>
+              <a:t>histogram smoothing</a:t>
+            </a:r>
+            <a:endParaRPr kumimoji="1" lang="ja-JP" altLang="en-US" sz="1600">
+              <a:latin typeface="Arial" panose="020B0604020202020204" pitchFamily="34" charset="0"/>
+              <a:cs typeface="Arial" panose="020B0604020202020204" pitchFamily="34" charset="0"/>
+            </a:endParaRPr>
+          </a:p>
+        </p:txBody>
+      </p:sp>
+      <p:sp>
+        <p:nvSpPr>
+          <p:cNvPr id="117" name="テキスト ボックス 116">
+            <a:extLst>
+              <a:ext uri="{FF2B5EF4-FFF2-40B4-BE49-F238E27FC236}">
+                <a16:creationId xmlns:a16="http://schemas.microsoft.com/office/drawing/2014/main" id="{F7585E3A-6074-DEFA-909F-7E3D6F0B5E2E}"/>
+              </a:ext>
+            </a:extLst>
+          </p:cNvPr>
+          <p:cNvSpPr txBox="1"/>
+          <p:nvPr/>
+        </p:nvSpPr>
+        <p:spPr>
+          <a:xfrm>
+            <a:off x="5704544" y="6340780"/>
+            <a:ext cx="3433546" cy="338554"/>
+          </a:xfrm>
+          <a:prstGeom prst="rect">
+            <a:avLst/>
+          </a:prstGeom>
+          <a:noFill/>
+        </p:spPr>
+        <p:txBody>
+          <a:bodyPr wrap="square">
+            <a:spAutoFit/>
+          </a:bodyPr>
+          <a:lstStyle/>
+          <a:p>
+            <a:r>
+              <a:rPr kumimoji="1" lang="en-US" altLang="ja-JP" sz="1600" b="1" dirty="0">
+                <a:latin typeface="Arial" panose="020B0604020202020204" pitchFamily="34" charset="0"/>
+                <a:cs typeface="Arial" panose="020B0604020202020204" pitchFamily="34" charset="0"/>
+              </a:rPr>
+              <a:t>Figure 2. Preprocessing dataset</a:t>
+            </a:r>
+            <a:endParaRPr kumimoji="1" lang="ja-JP" altLang="en-US" sz="1600" b="1">
+              <a:latin typeface="Arial" panose="020B0604020202020204" pitchFamily="34" charset="0"/>
+              <a:cs typeface="Arial" panose="020B0604020202020204" pitchFamily="34" charset="0"/>
+            </a:endParaRPr>
+          </a:p>
+        </p:txBody>
+      </p:sp>
     </p:spTree>
     <p:extLst>
       <p:ext uri="{BB962C8B-B14F-4D97-AF65-F5344CB8AC3E}">

--- a/mid_poster/mid_poster_en.pptx
+++ b/mid_poster/mid_poster_en.pptx
@@ -552,21 +552,53 @@
           <a:lstStyle/>
           <a:p>
             <a:r>
-              <a:rPr kumimoji="1" lang="ja-JP" altLang="en-US"/>
-              <a:t>左の</a:t>
-            </a:r>
-            <a:r>
               <a:rPr kumimoji="1" lang="en-US" altLang="ja-JP" dirty="0"/>
-              <a:t>1/3</a:t>
-            </a:r>
-            <a:r>
-              <a:rPr kumimoji="1" lang="ja-JP" altLang="en-US"/>
-              <a:t>くらいにテキスト縮めといね</a:t>
-            </a:r>
-            <a:br>
+              <a:t>reference </a:t>
+            </a:r>
+            <a:r>
+              <a:rPr kumimoji="1" lang="ja-JP" altLang="en-US"/>
+              <a:t>行間狭める</a:t>
+            </a:r>
+            <a:endParaRPr kumimoji="1" lang="en-US" altLang="ja-JP" dirty="0"/>
+          </a:p>
+          <a:p>
+            <a:r>
+              <a:rPr kumimoji="1" lang="ja-JP" altLang="en-US"/>
+              <a:t>図版はは本文で言及する</a:t>
+            </a:r>
+            <a:endParaRPr kumimoji="1" lang="en-US" altLang="ja-JP" dirty="0"/>
+          </a:p>
+          <a:p>
+            <a:r>
+              <a:rPr kumimoji="1" lang="ja-JP" altLang="en-US"/>
+              <a:t>行間揃える</a:t>
+            </a:r>
+            <a:endParaRPr kumimoji="1" lang="en-US" altLang="ja-JP" dirty="0"/>
+          </a:p>
+          <a:p>
+            <a:r>
+              <a:rPr kumimoji="1" lang="ja-JP" altLang="en-US"/>
+              <a:t>数値地形空間か画像空間に</a:t>
+            </a:r>
+            <a:r>
               <a:rPr kumimoji="1" lang="en-US" altLang="ja-JP" dirty="0"/>
-            </a:br>
-            <a:endParaRPr kumimoji="1" lang="ja-JP" altLang="en-US"/>
+              <a:t>SFS</a:t>
+            </a:r>
+            <a:r>
+              <a:rPr kumimoji="1" lang="ja-JP" altLang="en-US"/>
+              <a:t>をやるのかがわからない</a:t>
+            </a:r>
+            <a:endParaRPr kumimoji="1" lang="en-US" altLang="ja-JP" dirty="0"/>
+          </a:p>
+          <a:p>
+            <a:r>
+              <a:rPr kumimoji="1" lang="en-US" altLang="ja-JP" dirty="0"/>
+              <a:t>Fig1</a:t>
+            </a:r>
+            <a:r>
+              <a:rPr kumimoji="1" lang="ja-JP" altLang="en-US"/>
+              <a:t>が分かりづらい</a:t>
+            </a:r>
           </a:p>
         </p:txBody>
       </p:sp>
@@ -3888,7 +3920,7 @@
         </p:blipFill>
         <p:spPr>
           <a:xfrm>
-            <a:off x="5022950" y="7074190"/>
+            <a:off x="4865528" y="7045868"/>
             <a:ext cx="4330848" cy="1860166"/>
           </a:xfrm>
           <a:prstGeom prst="rect">
@@ -4302,8 +4334,8 @@
         </p:nvSpPr>
         <p:spPr>
           <a:xfrm>
-            <a:off x="4980843" y="9069678"/>
-            <a:ext cx="4415061" cy="512992"/>
+            <a:off x="4831304" y="9341564"/>
+            <a:ext cx="1649966" cy="512992"/>
           </a:xfrm>
           <a:prstGeom prst="rect">
             <a:avLst/>
@@ -4406,8 +4438,8 @@
         </p:nvSpPr>
         <p:spPr>
           <a:xfrm>
-            <a:off x="5029171" y="9493248"/>
-            <a:ext cx="4440560" cy="1569660"/>
+            <a:off x="4958036" y="9866359"/>
+            <a:ext cx="4440560" cy="735009"/>
           </a:xfrm>
           <a:prstGeom prst="rect">
             <a:avLst/>
@@ -4419,43 +4451,68 @@
           </a:bodyPr>
           <a:lstStyle/>
           <a:p>
-            <a:r>
-              <a:rPr lang="en-US" altLang="ja-JP" sz="800" dirty="0">
+            <a:pPr>
+              <a:lnSpc>
+                <a:spcPts val="500"/>
+              </a:lnSpc>
+            </a:pPr>
+            <a:r>
+              <a:rPr lang="en-US" altLang="ja-JP" sz="600" dirty="0">
                 <a:latin typeface="Arial" panose="020B0604020202020204" pitchFamily="34" charset="0"/>
                 <a:cs typeface="Arial" panose="020B0604020202020204" pitchFamily="34" charset="0"/>
               </a:rPr>
-              <a:t>[1] Barker, M. K., et al., A new lunar digital elevation model from the Lunar Orbiter Laser Altimeter and SELENE Terrain Camera, 2016. doi:</a:t>
-            </a:r>
-            <a:r>
-              <a:rPr lang="en-US" altLang="ja-JP" sz="800" dirty="0">
+              <a:t>[1] Barker, M. K., et al., A new lunar digital elevation model from the Lunar Orbiter Laser</a:t>
+            </a:r>
+            <a:r>
+              <a:rPr lang="en-US" altLang="ja-JP" sz="600" dirty="0">
                 <a:latin typeface="Arial" panose="020B0604020202020204" pitchFamily="34" charset="0"/>
                 <a:cs typeface="Arial" panose="020B0604020202020204" pitchFamily="34" charset="0"/>
                 <a:hlinkClick r:id="rId4"/>
               </a:rPr>
+              <a:t>.2017.632</a:t>
+            </a:r>
+            <a:r>
+              <a:rPr lang="en-US" altLang="ja-JP" sz="600" dirty="0">
+                <a:latin typeface="Arial" panose="020B0604020202020204" pitchFamily="34" charset="0"/>
+                <a:cs typeface="Arial" panose="020B0604020202020204" pitchFamily="34" charset="0"/>
+              </a:rPr>
+              <a:t> Altimeter and SELENE Terrain Camera, 2016. doi:</a:t>
+            </a:r>
+            <a:r>
+              <a:rPr lang="en-US" altLang="ja-JP" sz="600" dirty="0">
+                <a:latin typeface="Arial" panose="020B0604020202020204" pitchFamily="34" charset="0"/>
+                <a:cs typeface="Arial" panose="020B0604020202020204" pitchFamily="34" charset="0"/>
+                <a:hlinkClick r:id="rId5"/>
+              </a:rPr>
               <a:t>10.1016/j.icarus.2015.07.039</a:t>
             </a:r>
-            <a:endParaRPr lang="en-US" altLang="ja-JP" sz="800" dirty="0">
+            <a:endParaRPr lang="en-US" altLang="ja-JP" sz="600" dirty="0">
               <a:latin typeface="Arial" panose="020B0604020202020204" pitchFamily="34" charset="0"/>
               <a:cs typeface="Arial" panose="020B0604020202020204" pitchFamily="34" charset="0"/>
             </a:endParaRPr>
           </a:p>
           <a:p>
-            <a:r>
-              <a:rPr lang="en-US" altLang="ja-JP" sz="800" dirty="0">
+            <a:pPr>
+              <a:lnSpc>
+                <a:spcPts val="500"/>
+              </a:lnSpc>
+            </a:pPr>
+            <a:r>
+              <a:rPr lang="en-US" altLang="ja-JP" sz="600" dirty="0">
                 <a:latin typeface="Arial" panose="020B0604020202020204" pitchFamily="34" charset="0"/>
                 <a:cs typeface="Arial" panose="020B0604020202020204" pitchFamily="34" charset="0"/>
               </a:rPr>
               <a:t>[2] Henriksen, M., et al., LROC NAC Digital Terrain Models: Production and Availability, 2020. In Proceedings of the Lunar </a:t>
             </a:r>
             <a:r>
-              <a:rPr lang="en-US" altLang="ja-JP" sz="800" dirty="0" err="1">
+              <a:rPr lang="en-US" altLang="ja-JP" sz="600" dirty="0" err="1">
                 <a:latin typeface="Arial" panose="020B0604020202020204" pitchFamily="34" charset="0"/>
                 <a:cs typeface="Arial" panose="020B0604020202020204" pitchFamily="34" charset="0"/>
               </a:rPr>
               <a:t>Surace</a:t>
             </a:r>
             <a:r>
-              <a:rPr lang="en-US" altLang="ja-JP" sz="800" dirty="0">
+              <a:rPr lang="en-US" altLang="ja-JP" sz="600" dirty="0">
                 <a:latin typeface="Arial" panose="020B0604020202020204" pitchFamily="34" charset="0"/>
                 <a:cs typeface="Arial" panose="020B0604020202020204" pitchFamily="34" charset="0"/>
               </a:rPr>
@@ -4463,69 +4520,86 @@
             </a:r>
           </a:p>
           <a:p>
-            <a:r>
-              <a:rPr lang="en-US" altLang="ja-JP" sz="800" dirty="0">
+            <a:pPr>
+              <a:lnSpc>
+                <a:spcPts val="500"/>
+              </a:lnSpc>
+            </a:pPr>
+            <a:r>
+              <a:rPr lang="en-US" altLang="ja-JP" sz="600" dirty="0">
                 <a:latin typeface="Arial" panose="020B0604020202020204" pitchFamily="34" charset="0"/>
                 <a:cs typeface="Arial" panose="020B0604020202020204" pitchFamily="34" charset="0"/>
               </a:rPr>
               <a:t>[3]Onodera, K., et al., Resolution enhancement of DEM of the lunar surface using machine learning, 2020. doi:</a:t>
             </a:r>
             <a:r>
-              <a:rPr lang="en-US" altLang="ja-JP" sz="800" dirty="0">
+              <a:rPr lang="en-US" altLang="ja-JP" sz="600" dirty="0">
                 <a:latin typeface="Arial" panose="020B0604020202020204" pitchFamily="34" charset="0"/>
                 <a:cs typeface="Arial" panose="020B0604020202020204" pitchFamily="34" charset="0"/>
-                <a:hlinkClick r:id="rId5"/>
+                <a:hlinkClick r:id="rId6"/>
               </a:rPr>
               <a:t>10.20637/JAXA-RR-19-006/0003</a:t>
             </a:r>
-            <a:endParaRPr lang="en-US" altLang="ja-JP" sz="800" dirty="0">
+            <a:endParaRPr lang="en-US" altLang="ja-JP" sz="600" dirty="0">
               <a:latin typeface="Arial" panose="020B0604020202020204" pitchFamily="34" charset="0"/>
               <a:cs typeface="Arial" panose="020B0604020202020204" pitchFamily="34" charset="0"/>
             </a:endParaRPr>
           </a:p>
           <a:p>
-            <a:r>
-              <a:rPr lang="en-US" altLang="ja-JP" sz="800" dirty="0">
+            <a:pPr>
+              <a:lnSpc>
+                <a:spcPts val="500"/>
+              </a:lnSpc>
+            </a:pPr>
+            <a:r>
+              <a:rPr lang="en-US" altLang="ja-JP" sz="600" dirty="0">
                 <a:latin typeface="Arial" panose="020B0604020202020204" pitchFamily="34" charset="0"/>
                 <a:cs typeface="Arial" panose="020B0604020202020204" pitchFamily="34" charset="0"/>
               </a:rPr>
-              <a:t>[4] </a:t>
-            </a:r>
-          </a:p>
-          <a:p>
-            <a:r>
-              <a:rPr lang="en-US" altLang="ja-JP" sz="800" dirty="0">
+              <a:t>[4] Horn V. K. P. &amp; Brooks M. J., SHAPE from SHADING, (London, MIT Press,1989).</a:t>
+            </a:r>
+          </a:p>
+          <a:p>
+            <a:pPr>
+              <a:lnSpc>
+                <a:spcPts val="500"/>
+              </a:lnSpc>
+            </a:pPr>
+            <a:r>
+              <a:rPr lang="en-US" altLang="ja-JP" sz="600" dirty="0">
                 <a:latin typeface="Arial" panose="020B0604020202020204" pitchFamily="34" charset="0"/>
                 <a:cs typeface="Arial" panose="020B0604020202020204" pitchFamily="34" charset="0"/>
               </a:rPr>
               <a:t>[5] Isola, P., et al., Image-to-Image Translation with Conditional Adversarial Networks, 2016. doi:</a:t>
             </a:r>
             <a:r>
-              <a:rPr lang="en-US" altLang="ja-JP" sz="800" dirty="0">
+              <a:rPr lang="en-US" altLang="ja-JP" sz="600" dirty="0">
                 <a:latin typeface="Arial" panose="020B0604020202020204" pitchFamily="34" charset="0"/>
                 <a:cs typeface="Arial" panose="020B0604020202020204" pitchFamily="34" charset="0"/>
-                <a:hlinkClick r:id="rId6"/>
+                <a:hlinkClick r:id="rId4"/>
               </a:rPr>
-              <a:t>10.1109/CVPR.2017.632</a:t>
-            </a:r>
-            <a:r>
-              <a:rPr lang="en-US" altLang="ja-JP" sz="800" dirty="0">
-                <a:latin typeface="Arial" panose="020B0604020202020204" pitchFamily="34" charset="0"/>
-                <a:cs typeface="Arial" panose="020B0604020202020204" pitchFamily="34" charset="0"/>
-              </a:rPr>
-              <a:t> </a:t>
-            </a:r>
-          </a:p>
-          <a:p>
-            <a:r>
-              <a:rPr lang="en-US" altLang="ja-JP" sz="800" dirty="0">
+              <a:t>10.1109/CVPR</a:t>
+            </a:r>
+            <a:endParaRPr lang="en-US" altLang="ja-JP" sz="600" dirty="0">
+              <a:latin typeface="Arial" panose="020B0604020202020204" pitchFamily="34" charset="0"/>
+              <a:cs typeface="Arial" panose="020B0604020202020204" pitchFamily="34" charset="0"/>
+            </a:endParaRPr>
+          </a:p>
+          <a:p>
+            <a:pPr>
+              <a:lnSpc>
+                <a:spcPts val="500"/>
+              </a:lnSpc>
+            </a:pPr>
+            <a:r>
+              <a:rPr lang="en-US" altLang="ja-JP" sz="600" dirty="0">
                 <a:latin typeface="Arial" panose="020B0604020202020204" pitchFamily="34" charset="0"/>
                 <a:cs typeface="Arial" panose="020B0604020202020204" pitchFamily="34" charset="0"/>
               </a:rPr>
               <a:t>[6] </a:t>
             </a:r>
             <a:r>
-              <a:rPr lang="en" altLang="ja-JP" sz="800" b="0" i="0" dirty="0">
+              <a:rPr lang="en" altLang="ja-JP" sz="600" b="0" i="0" dirty="0">
                 <a:effectLst/>
                 <a:latin typeface="Arial" panose="020B0604020202020204" pitchFamily="34" charset="0"/>
                 <a:cs typeface="Arial" panose="020B0604020202020204" pitchFamily="34" charset="0"/>
@@ -4533,22 +4607,27 @@
               </a:rPr>
               <a:t>http://imbrium.mit.edu/EXTRAS/SLDEM2015/</a:t>
             </a:r>
-            <a:endParaRPr lang="en" altLang="ja-JP" sz="800" b="0" i="0" dirty="0">
+            <a:endParaRPr lang="en" altLang="ja-JP" sz="600" b="0" i="0" dirty="0">
               <a:effectLst/>
               <a:latin typeface="Arial" panose="020B0604020202020204" pitchFamily="34" charset="0"/>
               <a:cs typeface="Arial" panose="020B0604020202020204" pitchFamily="34" charset="0"/>
             </a:endParaRPr>
           </a:p>
           <a:p>
-            <a:r>
-              <a:rPr lang="en" altLang="ja-JP" sz="800" dirty="0">
+            <a:pPr>
+              <a:lnSpc>
+                <a:spcPts val="500"/>
+              </a:lnSpc>
+            </a:pPr>
+            <a:r>
+              <a:rPr lang="en" altLang="ja-JP" sz="600" dirty="0">
                 <a:latin typeface="Arial" panose="020B0604020202020204" pitchFamily="34" charset="0"/>
                 <a:cs typeface="Arial" panose="020B0604020202020204" pitchFamily="34" charset="0"/>
               </a:rPr>
               <a:t>[7] </a:t>
             </a:r>
             <a:r>
-              <a:rPr lang="en" altLang="ja-JP" sz="800" b="0" i="0" dirty="0">
+              <a:rPr lang="en" altLang="ja-JP" sz="600" b="0" i="0" dirty="0">
                 <a:effectLst/>
                 <a:latin typeface="Arial" panose="020B0604020202020204" pitchFamily="34" charset="0"/>
                 <a:cs typeface="Arial" panose="020B0604020202020204" pitchFamily="34" charset="0"/>
@@ -4556,7 +4635,7 @@
               </a:rPr>
               <a:t>https://wms.lroc.asu.edu/lroc/rdr_product_select</a:t>
             </a:r>
-            <a:endParaRPr lang="en" altLang="ja-JP" sz="800" b="0" i="0" dirty="0">
+            <a:endParaRPr lang="en" altLang="ja-JP" sz="600" b="0" i="0" dirty="0">
               <a:effectLst/>
               <a:latin typeface="Arial" panose="020B0604020202020204" pitchFamily="34" charset="0"/>
               <a:cs typeface="Arial" panose="020B0604020202020204" pitchFamily="34" charset="0"/>
@@ -4665,7 +4744,7 @@
         </p:nvSpPr>
         <p:spPr>
           <a:xfrm>
-            <a:off x="7056198" y="7474919"/>
+            <a:off x="6873968" y="7445960"/>
             <a:ext cx="193319" cy="150936"/>
           </a:xfrm>
           <a:prstGeom prst="rect">
@@ -4717,7 +4796,7 @@
         </p:nvSpPr>
         <p:spPr>
           <a:xfrm>
-            <a:off x="7536904" y="8004273"/>
+            <a:off x="7379482" y="7975951"/>
             <a:ext cx="288032" cy="127041"/>
           </a:xfrm>
           <a:prstGeom prst="rect">
@@ -4769,7 +4848,7 @@
         </p:nvSpPr>
         <p:spPr>
           <a:xfrm>
-            <a:off x="7901247" y="8186972"/>
+            <a:off x="7743221" y="8170533"/>
             <a:ext cx="393249" cy="127656"/>
           </a:xfrm>
           <a:prstGeom prst="rect">
@@ -4821,7 +4900,7 @@
         </p:nvSpPr>
         <p:spPr>
           <a:xfrm>
-            <a:off x="7968952" y="8383201"/>
+            <a:off x="7811530" y="8354879"/>
             <a:ext cx="512369" cy="113272"/>
           </a:xfrm>
           <a:prstGeom prst="rect">
@@ -4873,7 +4952,7 @@
         </p:nvSpPr>
         <p:spPr>
           <a:xfrm>
-            <a:off x="7243646" y="7733256"/>
+            <a:off x="7104155" y="7704934"/>
             <a:ext cx="301551" cy="150936"/>
           </a:xfrm>
           <a:prstGeom prst="rect">
@@ -4927,7 +5006,7 @@
         </p:nvCxnSpPr>
         <p:spPr>
           <a:xfrm>
-            <a:off x="8291083" y="7461065"/>
+            <a:off x="8133661" y="7432743"/>
             <a:ext cx="0" cy="1486950"/>
           </a:xfrm>
           <a:prstGeom prst="line">
@@ -4970,7 +5049,7 @@
         </p:nvCxnSpPr>
         <p:spPr>
           <a:xfrm>
-            <a:off x="8481321" y="7470673"/>
+            <a:off x="8323899" y="7442351"/>
             <a:ext cx="0" cy="1477342"/>
           </a:xfrm>
           <a:prstGeom prst="line">
@@ -5011,7 +5090,7 @@
         </p:nvSpPr>
         <p:spPr>
           <a:xfrm>
-            <a:off x="8495607" y="8587090"/>
+            <a:off x="8338185" y="8558768"/>
             <a:ext cx="337439" cy="119462"/>
           </a:xfrm>
           <a:prstGeom prst="rect">
@@ -5065,7 +5144,7 @@
         </p:nvCxnSpPr>
         <p:spPr>
           <a:xfrm>
-            <a:off x="8833046" y="7452550"/>
+            <a:off x="8675624" y="7424228"/>
             <a:ext cx="0" cy="1477342"/>
           </a:xfrm>
           <a:prstGeom prst="line">
@@ -5106,7 +5185,7 @@
         </p:nvSpPr>
         <p:spPr>
           <a:xfrm>
-            <a:off x="8846912" y="8762043"/>
+            <a:off x="8689490" y="8733721"/>
             <a:ext cx="328540" cy="126364"/>
           </a:xfrm>
           <a:prstGeom prst="rect">
@@ -5160,7 +5239,7 @@
         </p:nvCxnSpPr>
         <p:spPr>
           <a:xfrm>
-            <a:off x="9175452" y="7461065"/>
+            <a:off x="9018030" y="7432743"/>
             <a:ext cx="0" cy="1477342"/>
           </a:xfrm>
           <a:prstGeom prst="line">
@@ -5271,7 +5350,7 @@
         </p:nvSpPr>
         <p:spPr>
           <a:xfrm>
-            <a:off x="250669" y="12269192"/>
+            <a:off x="266496" y="12346765"/>
             <a:ext cx="2554058" cy="338554"/>
           </a:xfrm>
           <a:prstGeom prst="rect">
@@ -5321,7 +5400,7 @@
         </p:blipFill>
         <p:spPr>
           <a:xfrm>
-            <a:off x="376327" y="10885606"/>
+            <a:off x="376326" y="10971115"/>
             <a:ext cx="8848545" cy="1431265"/>
           </a:xfrm>
           <a:prstGeom prst="rect">
@@ -5343,7 +5422,7 @@
         </p:nvSpPr>
         <p:spPr>
           <a:xfrm>
-            <a:off x="487663" y="11448642"/>
+            <a:off x="471357" y="11504162"/>
             <a:ext cx="1570538" cy="338554"/>
           </a:xfrm>
           <a:prstGeom prst="rect">
@@ -5904,6 +5983,431 @@
               <a:latin typeface="Arial" panose="020B0604020202020204" pitchFamily="34" charset="0"/>
               <a:cs typeface="Arial" panose="020B0604020202020204" pitchFamily="34" charset="0"/>
             </a:endParaRPr>
+          </a:p>
+        </p:txBody>
+      </p:sp>
+      <p:sp>
+        <p:nvSpPr>
+          <p:cNvPr id="118" name="角丸四角形吹き出し 117">
+            <a:extLst>
+              <a:ext uri="{FF2B5EF4-FFF2-40B4-BE49-F238E27FC236}">
+                <a16:creationId xmlns:a16="http://schemas.microsoft.com/office/drawing/2014/main" id="{A6A10932-D87A-75EE-4997-B9E51574F460}"/>
+              </a:ext>
+            </a:extLst>
+          </p:cNvPr>
+          <p:cNvSpPr/>
+          <p:nvPr/>
+        </p:nvSpPr>
+        <p:spPr>
+          <a:xfrm rot="10800000">
+            <a:off x="5183062" y="8967180"/>
+            <a:ext cx="1260303" cy="270848"/>
+          </a:xfrm>
+          <a:prstGeom prst="wedgeRoundRectCallout">
+            <a:avLst>
+              <a:gd name="adj1" fmla="val -181873"/>
+              <a:gd name="adj2" fmla="val 72195"/>
+              <a:gd name="adj3" fmla="val 16667"/>
+            </a:avLst>
+          </a:prstGeom>
+          <a:noFill/>
+          <a:ln>
+            <a:solidFill>
+              <a:srgbClr val="FF0000"/>
+            </a:solidFill>
+          </a:ln>
+        </p:spPr>
+        <p:style>
+          <a:lnRef idx="2">
+            <a:schemeClr val="accent1">
+              <a:shade val="50000"/>
+            </a:schemeClr>
+          </a:lnRef>
+          <a:fillRef idx="1">
+            <a:schemeClr val="accent1"/>
+          </a:fillRef>
+          <a:effectRef idx="0">
+            <a:schemeClr val="accent1"/>
+          </a:effectRef>
+          <a:fontRef idx="minor">
+            <a:schemeClr val="lt1"/>
+          </a:fontRef>
+        </p:style>
+        <p:txBody>
+          <a:bodyPr rtlCol="0" anchor="ctr"/>
+          <a:lstStyle/>
+          <a:p>
+            <a:pPr algn="ctr"/>
+            <a:endParaRPr kumimoji="1" lang="ja-JP" altLang="en-US"/>
+          </a:p>
+        </p:txBody>
+      </p:sp>
+      <p:sp>
+        <p:nvSpPr>
+          <p:cNvPr id="120" name="テキスト ボックス 119">
+            <a:extLst>
+              <a:ext uri="{FF2B5EF4-FFF2-40B4-BE49-F238E27FC236}">
+                <a16:creationId xmlns:a16="http://schemas.microsoft.com/office/drawing/2014/main" id="{5AE1D1EE-8C11-E3D7-FA67-EA3E2359FD97}"/>
+              </a:ext>
+            </a:extLst>
+          </p:cNvPr>
+          <p:cNvSpPr txBox="1"/>
+          <p:nvPr/>
+        </p:nvSpPr>
+        <p:spPr>
+          <a:xfrm>
+            <a:off x="5183063" y="8957139"/>
+            <a:ext cx="1344412" cy="338554"/>
+          </a:xfrm>
+          <a:prstGeom prst="rect">
+            <a:avLst/>
+          </a:prstGeom>
+          <a:noFill/>
+        </p:spPr>
+        <p:txBody>
+          <a:bodyPr wrap="square" rtlCol="0">
+            <a:spAutoFit/>
+          </a:bodyPr>
+          <a:lstStyle/>
+          <a:p>
+            <a:r>
+              <a:rPr kumimoji="1" lang="en-US" altLang="ja-JP" sz="800" dirty="0">
+                <a:latin typeface="Arial" panose="020B0604020202020204" pitchFamily="34" charset="0"/>
+                <a:cs typeface="Arial" panose="020B0604020202020204" pitchFamily="34" charset="0"/>
+              </a:rPr>
+              <a:t>1/10</a:t>
+            </a:r>
+          </a:p>
+          <a:p>
+            <a:r>
+              <a:rPr lang="en-US" altLang="ja-JP" sz="800" dirty="0">
+                <a:latin typeface="Arial" panose="020B0604020202020204" pitchFamily="34" charset="0"/>
+                <a:cs typeface="Arial" panose="020B0604020202020204" pitchFamily="34" charset="0"/>
+              </a:rPr>
+              <a:t>LPSC abstract deadline</a:t>
+            </a:r>
+            <a:endParaRPr kumimoji="1" lang="ja-JP" altLang="en-US" sz="800">
+              <a:latin typeface="Arial" panose="020B0604020202020204" pitchFamily="34" charset="0"/>
+              <a:cs typeface="Arial" panose="020B0604020202020204" pitchFamily="34" charset="0"/>
+            </a:endParaRPr>
+          </a:p>
+        </p:txBody>
+      </p:sp>
+      <p:sp>
+        <p:nvSpPr>
+          <p:cNvPr id="121" name="角丸四角形吹き出し 120">
+            <a:extLst>
+              <a:ext uri="{FF2B5EF4-FFF2-40B4-BE49-F238E27FC236}">
+                <a16:creationId xmlns:a16="http://schemas.microsoft.com/office/drawing/2014/main" id="{D046F48E-E44C-E81C-0F8C-1DCA1A334855}"/>
+              </a:ext>
+            </a:extLst>
+          </p:cNvPr>
+          <p:cNvSpPr/>
+          <p:nvPr/>
+        </p:nvSpPr>
+        <p:spPr>
+          <a:xfrm rot="10800000">
+            <a:off x="6533001" y="9090380"/>
+            <a:ext cx="1097253" cy="270848"/>
+          </a:xfrm>
+          <a:prstGeom prst="wedgeRoundRectCallout">
+            <a:avLst>
+              <a:gd name="adj1" fmla="val -113372"/>
+              <a:gd name="adj2" fmla="val 110481"/>
+              <a:gd name="adj3" fmla="val 16667"/>
+            </a:avLst>
+          </a:prstGeom>
+          <a:noFill/>
+          <a:ln>
+            <a:solidFill>
+              <a:srgbClr val="FF0000"/>
+            </a:solidFill>
+          </a:ln>
+        </p:spPr>
+        <p:style>
+          <a:lnRef idx="2">
+            <a:schemeClr val="accent1">
+              <a:shade val="50000"/>
+            </a:schemeClr>
+          </a:lnRef>
+          <a:fillRef idx="1">
+            <a:schemeClr val="accent1"/>
+          </a:fillRef>
+          <a:effectRef idx="0">
+            <a:schemeClr val="accent1"/>
+          </a:effectRef>
+          <a:fontRef idx="minor">
+            <a:schemeClr val="lt1"/>
+          </a:fontRef>
+        </p:style>
+        <p:txBody>
+          <a:bodyPr rtlCol="0" anchor="ctr"/>
+          <a:lstStyle/>
+          <a:p>
+            <a:pPr algn="ctr"/>
+            <a:endParaRPr kumimoji="1" lang="ja-JP" altLang="en-US"/>
+          </a:p>
+        </p:txBody>
+      </p:sp>
+      <p:sp>
+        <p:nvSpPr>
+          <p:cNvPr id="124" name="テキスト ボックス 123">
+            <a:extLst>
+              <a:ext uri="{FF2B5EF4-FFF2-40B4-BE49-F238E27FC236}">
+                <a16:creationId xmlns:a16="http://schemas.microsoft.com/office/drawing/2014/main" id="{094947AF-F6F9-F153-D6FD-3878C7E3E3F3}"/>
+              </a:ext>
+            </a:extLst>
+          </p:cNvPr>
+          <p:cNvSpPr txBox="1"/>
+          <p:nvPr/>
+        </p:nvSpPr>
+        <p:spPr>
+          <a:xfrm>
+            <a:off x="6619285" y="9061225"/>
+            <a:ext cx="1010969" cy="338554"/>
+          </a:xfrm>
+          <a:prstGeom prst="rect">
+            <a:avLst/>
+          </a:prstGeom>
+          <a:noFill/>
+        </p:spPr>
+        <p:txBody>
+          <a:bodyPr wrap="square">
+            <a:spAutoFit/>
+          </a:bodyPr>
+          <a:lstStyle/>
+          <a:p>
+            <a:r>
+              <a:rPr kumimoji="1" lang="en-US" altLang="ja-JP" sz="800" dirty="0">
+                <a:latin typeface="Arial" panose="020B0604020202020204" pitchFamily="34" charset="0"/>
+                <a:cs typeface="Arial" panose="020B0604020202020204" pitchFamily="34" charset="0"/>
+              </a:rPr>
+              <a:t>1/20</a:t>
+            </a:r>
+          </a:p>
+          <a:p>
+            <a:r>
+              <a:rPr lang="en-US" altLang="ja-JP" sz="800" dirty="0">
+                <a:latin typeface="Arial" panose="020B0604020202020204" pitchFamily="34" charset="0"/>
+                <a:cs typeface="Arial" panose="020B0604020202020204" pitchFamily="34" charset="0"/>
+              </a:rPr>
+              <a:t>GT draft deadline</a:t>
+            </a:r>
+            <a:endParaRPr kumimoji="1" lang="ja-JP" altLang="en-US" sz="800">
+              <a:latin typeface="Arial" panose="020B0604020202020204" pitchFamily="34" charset="0"/>
+              <a:cs typeface="Arial" panose="020B0604020202020204" pitchFamily="34" charset="0"/>
+            </a:endParaRPr>
+          </a:p>
+        </p:txBody>
+      </p:sp>
+      <p:sp>
+        <p:nvSpPr>
+          <p:cNvPr id="127" name="角丸四角形吹き出し 126">
+            <a:extLst>
+              <a:ext uri="{FF2B5EF4-FFF2-40B4-BE49-F238E27FC236}">
+                <a16:creationId xmlns:a16="http://schemas.microsoft.com/office/drawing/2014/main" id="{0472C2A9-5AE9-E7BE-50B3-F3FA78D37CE8}"/>
+              </a:ext>
+            </a:extLst>
+          </p:cNvPr>
+          <p:cNvSpPr/>
+          <p:nvPr/>
+        </p:nvSpPr>
+        <p:spPr>
+          <a:xfrm rot="10800000">
+            <a:off x="7410162" y="9390287"/>
+            <a:ext cx="928023" cy="290068"/>
+          </a:xfrm>
+          <a:prstGeom prst="wedgeRoundRectCallout">
+            <a:avLst>
+              <a:gd name="adj1" fmla="val -83265"/>
+              <a:gd name="adj2" fmla="val 220487"/>
+              <a:gd name="adj3" fmla="val 16667"/>
+            </a:avLst>
+          </a:prstGeom>
+          <a:noFill/>
+          <a:ln>
+            <a:solidFill>
+              <a:srgbClr val="FF0000"/>
+            </a:solidFill>
+          </a:ln>
+        </p:spPr>
+        <p:style>
+          <a:lnRef idx="2">
+            <a:schemeClr val="accent1">
+              <a:shade val="50000"/>
+            </a:schemeClr>
+          </a:lnRef>
+          <a:fillRef idx="1">
+            <a:schemeClr val="accent1"/>
+          </a:fillRef>
+          <a:effectRef idx="0">
+            <a:schemeClr val="accent1"/>
+          </a:effectRef>
+          <a:fontRef idx="minor">
+            <a:schemeClr val="lt1"/>
+          </a:fontRef>
+        </p:style>
+        <p:txBody>
+          <a:bodyPr rtlCol="0" anchor="ctr"/>
+          <a:lstStyle/>
+          <a:p>
+            <a:pPr algn="ctr"/>
+            <a:endParaRPr kumimoji="1" lang="ja-JP" altLang="en-US"/>
+          </a:p>
+        </p:txBody>
+      </p:sp>
+      <p:sp>
+        <p:nvSpPr>
+          <p:cNvPr id="128" name="テキスト ボックス 127">
+            <a:extLst>
+              <a:ext uri="{FF2B5EF4-FFF2-40B4-BE49-F238E27FC236}">
+                <a16:creationId xmlns:a16="http://schemas.microsoft.com/office/drawing/2014/main" id="{FA947274-4021-9014-6735-50C810FA5EF3}"/>
+              </a:ext>
+            </a:extLst>
+          </p:cNvPr>
+          <p:cNvSpPr txBox="1"/>
+          <p:nvPr/>
+        </p:nvSpPr>
+        <p:spPr>
+          <a:xfrm>
+            <a:off x="7439346" y="9373266"/>
+            <a:ext cx="946512" cy="338554"/>
+          </a:xfrm>
+          <a:prstGeom prst="rect">
+            <a:avLst/>
+          </a:prstGeom>
+          <a:noFill/>
+        </p:spPr>
+        <p:txBody>
+          <a:bodyPr wrap="square">
+            <a:spAutoFit/>
+          </a:bodyPr>
+          <a:lstStyle/>
+          <a:p>
+            <a:r>
+              <a:rPr kumimoji="1" lang="en-US" altLang="ja-JP" sz="800" dirty="0">
+                <a:latin typeface="Arial" panose="020B0604020202020204" pitchFamily="34" charset="0"/>
+                <a:cs typeface="Arial" panose="020B0604020202020204" pitchFamily="34" charset="0"/>
+              </a:rPr>
+              <a:t>2/15,16</a:t>
+            </a:r>
+          </a:p>
+          <a:p>
+            <a:r>
+              <a:rPr lang="en-US" altLang="ja-JP" sz="800" dirty="0">
+                <a:latin typeface="Arial" panose="020B0604020202020204" pitchFamily="34" charset="0"/>
+                <a:cs typeface="Arial" panose="020B0604020202020204" pitchFamily="34" charset="0"/>
+              </a:rPr>
+              <a:t>GT Presentation</a:t>
+            </a:r>
+            <a:endParaRPr kumimoji="1" lang="ja-JP" altLang="en-US" sz="800">
+              <a:latin typeface="Arial" panose="020B0604020202020204" pitchFamily="34" charset="0"/>
+              <a:cs typeface="Arial" panose="020B0604020202020204" pitchFamily="34" charset="0"/>
+            </a:endParaRPr>
+          </a:p>
+        </p:txBody>
+      </p:sp>
+      <p:sp>
+        <p:nvSpPr>
+          <p:cNvPr id="129" name="角丸四角形吹き出し 128">
+            <a:extLst>
+              <a:ext uri="{FF2B5EF4-FFF2-40B4-BE49-F238E27FC236}">
+                <a16:creationId xmlns:a16="http://schemas.microsoft.com/office/drawing/2014/main" id="{0FA6A682-D2CC-0FAC-A2A3-35F532841A5B}"/>
+              </a:ext>
+            </a:extLst>
+          </p:cNvPr>
+          <p:cNvSpPr/>
+          <p:nvPr/>
+        </p:nvSpPr>
+        <p:spPr>
+          <a:xfrm rot="10800000">
+            <a:off x="8430692" y="9212996"/>
+            <a:ext cx="946511" cy="257136"/>
+          </a:xfrm>
+          <a:prstGeom prst="wedgeRoundRectCallout">
+            <a:avLst>
+              <a:gd name="adj1" fmla="val -12247"/>
+              <a:gd name="adj2" fmla="val 159945"/>
+              <a:gd name="adj3" fmla="val 16667"/>
+            </a:avLst>
+          </a:prstGeom>
+          <a:noFill/>
+          <a:ln>
+            <a:solidFill>
+              <a:srgbClr val="FF0000"/>
+            </a:solidFill>
+          </a:ln>
+        </p:spPr>
+        <p:style>
+          <a:lnRef idx="2">
+            <a:schemeClr val="accent1">
+              <a:shade val="50000"/>
+            </a:schemeClr>
+          </a:lnRef>
+          <a:fillRef idx="1">
+            <a:schemeClr val="accent1"/>
+          </a:fillRef>
+          <a:effectRef idx="0">
+            <a:schemeClr val="accent1"/>
+          </a:effectRef>
+          <a:fontRef idx="minor">
+            <a:schemeClr val="lt1"/>
+          </a:fontRef>
+        </p:style>
+        <p:txBody>
+          <a:bodyPr rtlCol="0" anchor="ctr"/>
+          <a:lstStyle/>
+          <a:p>
+            <a:pPr algn="ctr"/>
+            <a:endParaRPr kumimoji="1" lang="ja-JP" altLang="en-US"/>
+          </a:p>
+        </p:txBody>
+      </p:sp>
+      <p:sp>
+        <p:nvSpPr>
+          <p:cNvPr id="131" name="テキスト ボックス 130">
+            <a:extLst>
+              <a:ext uri="{FF2B5EF4-FFF2-40B4-BE49-F238E27FC236}">
+                <a16:creationId xmlns:a16="http://schemas.microsoft.com/office/drawing/2014/main" id="{02FAD01A-B938-6E23-2712-6C9E67F3A407}"/>
+              </a:ext>
+            </a:extLst>
+          </p:cNvPr>
+          <p:cNvSpPr txBox="1"/>
+          <p:nvPr/>
+        </p:nvSpPr>
+        <p:spPr>
+          <a:xfrm>
+            <a:off x="8385858" y="9180389"/>
+            <a:ext cx="1207508" cy="338554"/>
+          </a:xfrm>
+          <a:prstGeom prst="rect">
+            <a:avLst/>
+          </a:prstGeom>
+          <a:noFill/>
+        </p:spPr>
+        <p:txBody>
+          <a:bodyPr wrap="square">
+            <a:spAutoFit/>
+          </a:bodyPr>
+          <a:lstStyle/>
+          <a:p>
+            <a:r>
+              <a:rPr lang="en-US" altLang="ja-JP" sz="800" dirty="0">
+                <a:latin typeface="Arial" panose="020B0604020202020204" pitchFamily="34" charset="0"/>
+                <a:cs typeface="Arial" panose="020B0604020202020204" pitchFamily="34" charset="0"/>
+              </a:rPr>
+              <a:t>3/13 ~ 17</a:t>
+            </a:r>
+          </a:p>
+          <a:p>
+            <a:r>
+              <a:rPr lang="en-US" altLang="ja-JP" sz="800" dirty="0">
+                <a:latin typeface="Arial" panose="020B0604020202020204" pitchFamily="34" charset="0"/>
+                <a:cs typeface="Arial" panose="020B0604020202020204" pitchFamily="34" charset="0"/>
+              </a:rPr>
+              <a:t>LPSC Presentation</a:t>
+            </a:r>
+            <a:endParaRPr lang="ja-JP" altLang="en-US" sz="800"/>
           </a:p>
         </p:txBody>
       </p:sp>

--- a/mid_poster/mid_poster_en.pptx
+++ b/mid_poster/mid_poster_en.pptx
@@ -599,6 +599,21 @@
               <a:rPr kumimoji="1" lang="ja-JP" altLang="en-US"/>
               <a:t>が分かりづらい</a:t>
             </a:r>
+            <a:endParaRPr kumimoji="1" lang="en-US" altLang="ja-JP" dirty="0"/>
+          </a:p>
+          <a:p>
+            <a:r>
+              <a:rPr kumimoji="1" lang="en-US" altLang="ja-JP" dirty="0"/>
+              <a:t>SFS</a:t>
+            </a:r>
+            <a:r>
+              <a:rPr kumimoji="1" lang="ja-JP" altLang="en-US"/>
+              <a:t>をどう使うかに書く</a:t>
+            </a:r>
+            <a:endParaRPr kumimoji="1" lang="en-US" altLang="ja-JP" dirty="0"/>
+          </a:p>
+          <a:p>
+            <a:endParaRPr kumimoji="1" lang="en-US" altLang="ja-JP" dirty="0"/>
           </a:p>
         </p:txBody>
       </p:sp>
@@ -4119,8 +4134,8 @@
         </p:nvSpPr>
         <p:spPr>
           <a:xfrm>
-            <a:off x="4872617" y="1260382"/>
-            <a:ext cx="4523287" cy="716272"/>
+            <a:off x="4824670" y="1307502"/>
+            <a:ext cx="2598591" cy="716272"/>
           </a:xfrm>
           <a:prstGeom prst="rect">
             <a:avLst/>
@@ -4171,7 +4186,7 @@
         <p:spPr>
           <a:xfrm>
             <a:off x="427004" y="1899887"/>
-            <a:ext cx="3950925" cy="5339923"/>
+            <a:ext cx="4041249" cy="5093702"/>
           </a:xfrm>
           <a:prstGeom prst="rect">
             <a:avLst/>
@@ -4194,7 +4209,7 @@
                 <a:latin typeface="Arial" panose="020B0604020202020204" pitchFamily="34" charset="0"/>
                 <a:cs typeface="Arial" panose="020B0604020202020204" pitchFamily="34" charset="0"/>
               </a:rPr>
-              <a:t>    Digital Terrain Models (DTMs) of the lunar surface are widely used for lunar exploration planning and studies of topography and geology [1]. LRO NAC DTMs with the highest resolution (~2 m/pix) cover small percentage with 470 pieces [2] . This is due to the time required to create DTMs by manual and the few data available to create them [3].          </a:t>
+              <a:t>    Digital Terrain Models (DTMs) of the lunar surface are widely used for lunar exploration planning and studies of topography and geology [1]. LRO NAC DTMs with the highest resolution (~2 m/pix) cover small percentage with 470 pieces [2] . This is due to the time required to create DTMs by manual and the few data available to create them [3].               </a:t>
             </a:r>
           </a:p>
           <a:p>
@@ -4229,7 +4244,7 @@
         <p:spPr>
           <a:xfrm>
             <a:off x="471357" y="7808724"/>
-            <a:ext cx="3918315" cy="2708434"/>
+            <a:ext cx="3918315" cy="2877711"/>
           </a:xfrm>
           <a:prstGeom prst="rect">
             <a:avLst/>
@@ -4243,9 +4258,6 @@
           <a:lstStyle/>
           <a:p>
             <a:pPr algn="just">
-              <a:lnSpc>
-                <a:spcPts val="1800"/>
-              </a:lnSpc>
               <a:spcAft>
                 <a:spcPts val="600"/>
               </a:spcAft>
@@ -4255,14 +4267,11 @@
                 <a:latin typeface="Arial" panose="020B0604020202020204" pitchFamily="34" charset="0"/>
                 <a:cs typeface="Arial" panose="020B0604020202020204" pitchFamily="34" charset="0"/>
               </a:rPr>
-              <a:t>    This study uses a Pix2Pix [5] as machine learning model. This model can transform the type of image by learning the relationship between two sets of images. DTMs can be created from abundant visible images by training Pix2Pix on both DTMs and visible images.</a:t>
+              <a:t>    This study uses a Pix2Pix [5] as machine learning model. This model can transform the type of image by learning the relationship between two sets of images. DTMs can be generated from abundant visible images by training Pix2Pix on both DTMs and visible images.</a:t>
             </a:r>
           </a:p>
           <a:p>
             <a:pPr algn="just">
-              <a:lnSpc>
-                <a:spcPts val="1800"/>
-              </a:lnSpc>
               <a:spcAft>
                 <a:spcPts val="600"/>
               </a:spcAft>
@@ -4299,7 +4308,11 @@
           </a:bodyPr>
           <a:lstStyle/>
           <a:p>
-            <a:pPr algn="just"/>
+            <a:pPr algn="just">
+              <a:spcAft>
+                <a:spcPts val="600"/>
+              </a:spcAft>
+            </a:pPr>
             <a:r>
               <a:rPr kumimoji="1" lang="en-US" altLang="ja-JP" sz="1600" dirty="0">
                 <a:latin typeface="Arial" panose="020B0604020202020204" pitchFamily="34" charset="0"/>
@@ -4334,7 +4347,7 @@
         </p:nvSpPr>
         <p:spPr>
           <a:xfrm>
-            <a:off x="4831304" y="9341564"/>
+            <a:off x="4902074" y="9476700"/>
             <a:ext cx="1649966" cy="512992"/>
           </a:xfrm>
           <a:prstGeom prst="rect">
@@ -4438,8 +4451,8 @@
         </p:nvSpPr>
         <p:spPr>
           <a:xfrm>
-            <a:off x="4958036" y="9866359"/>
-            <a:ext cx="4440560" cy="735009"/>
+            <a:off x="4916247" y="9891508"/>
+            <a:ext cx="4440560" cy="1015663"/>
           </a:xfrm>
           <a:prstGeom prst="rect">
             <a:avLst/>
@@ -4451,11 +4464,6 @@
           </a:bodyPr>
           <a:lstStyle/>
           <a:p>
-            <a:pPr>
-              <a:lnSpc>
-                <a:spcPts val="500"/>
-              </a:lnSpc>
-            </a:pPr>
             <a:r>
               <a:rPr lang="en-US" altLang="ja-JP" sz="600" dirty="0">
                 <a:latin typeface="Arial" panose="020B0604020202020204" pitchFamily="34" charset="0"/>
@@ -4492,11 +4500,6 @@
             </a:endParaRPr>
           </a:p>
           <a:p>
-            <a:pPr>
-              <a:lnSpc>
-                <a:spcPts val="500"/>
-              </a:lnSpc>
-            </a:pPr>
             <a:r>
               <a:rPr lang="en-US" altLang="ja-JP" sz="600" dirty="0">
                 <a:latin typeface="Arial" panose="020B0604020202020204" pitchFamily="34" charset="0"/>
@@ -4520,11 +4523,6 @@
             </a:r>
           </a:p>
           <a:p>
-            <a:pPr>
-              <a:lnSpc>
-                <a:spcPts val="500"/>
-              </a:lnSpc>
-            </a:pPr>
             <a:r>
               <a:rPr lang="en-US" altLang="ja-JP" sz="600" dirty="0">
                 <a:latin typeface="Arial" panose="020B0604020202020204" pitchFamily="34" charset="0"/>
@@ -4546,11 +4544,6 @@
             </a:endParaRPr>
           </a:p>
           <a:p>
-            <a:pPr>
-              <a:lnSpc>
-                <a:spcPts val="500"/>
-              </a:lnSpc>
-            </a:pPr>
             <a:r>
               <a:rPr lang="en-US" altLang="ja-JP" sz="600" dirty="0">
                 <a:latin typeface="Arial" panose="020B0604020202020204" pitchFamily="34" charset="0"/>
@@ -4560,11 +4553,6 @@
             </a:r>
           </a:p>
           <a:p>
-            <a:pPr>
-              <a:lnSpc>
-                <a:spcPts val="500"/>
-              </a:lnSpc>
-            </a:pPr>
             <a:r>
               <a:rPr lang="en-US" altLang="ja-JP" sz="600" dirty="0">
                 <a:latin typeface="Arial" panose="020B0604020202020204" pitchFamily="34" charset="0"/>
@@ -4586,11 +4574,6 @@
             </a:endParaRPr>
           </a:p>
           <a:p>
-            <a:pPr>
-              <a:lnSpc>
-                <a:spcPts val="500"/>
-              </a:lnSpc>
-            </a:pPr>
             <a:r>
               <a:rPr lang="en-US" altLang="ja-JP" sz="600" dirty="0">
                 <a:latin typeface="Arial" panose="020B0604020202020204" pitchFamily="34" charset="0"/>
@@ -4614,11 +4597,6 @@
             </a:endParaRPr>
           </a:p>
           <a:p>
-            <a:pPr>
-              <a:lnSpc>
-                <a:spcPts val="500"/>
-              </a:lnSpc>
-            </a:pPr>
             <a:r>
               <a:rPr lang="en" altLang="ja-JP" sz="600" dirty="0">
                 <a:latin typeface="Arial" panose="020B0604020202020204" pitchFamily="34" charset="0"/>

--- a/mid_poster/mid_poster_en.pptx
+++ b/mid_poster/mid_poster_en.pptx
@@ -565,13 +565,6 @@
             <a:r>
               <a:rPr kumimoji="1" lang="ja-JP" altLang="en-US"/>
               <a:t>図版はは本文で言及する</a:t>
-            </a:r>
-            <a:endParaRPr kumimoji="1" lang="en-US" altLang="ja-JP" dirty="0"/>
-          </a:p>
-          <a:p>
-            <a:r>
-              <a:rPr kumimoji="1" lang="ja-JP" altLang="en-US"/>
-              <a:t>行間揃える</a:t>
             </a:r>
             <a:endParaRPr kumimoji="1" lang="en-US" altLang="ja-JP" dirty="0"/>
           </a:p>
@@ -4244,7 +4237,7 @@
         <p:spPr>
           <a:xfrm>
             <a:off x="471357" y="7808724"/>
-            <a:ext cx="3918315" cy="2877711"/>
+            <a:ext cx="3918315" cy="3123932"/>
           </a:xfrm>
           <a:prstGeom prst="rect">
             <a:avLst/>
@@ -4267,7 +4260,7 @@
                 <a:latin typeface="Arial" panose="020B0604020202020204" pitchFamily="34" charset="0"/>
                 <a:cs typeface="Arial" panose="020B0604020202020204" pitchFamily="34" charset="0"/>
               </a:rPr>
-              <a:t>    This study uses a Pix2Pix [5] as machine learning model. This model can transform the type of image by learning the relationship between two sets of images. DTMs can be generated from abundant visible images by training Pix2Pix on both DTMs and visible images.</a:t>
+              <a:t>    Figure 1 shows structure of pipeline in this research. We use a Pix2Pix [5] as machine learning model. This model can transform the type of image by learning the relationship between two sets of images. DTMs can be generated from abundant visible images by training Pix2Pix on both DTMs and visible images.</a:t>
             </a:r>
           </a:p>
           <a:p>
@@ -4469,7 +4462,7 @@
                 <a:latin typeface="Arial" panose="020B0604020202020204" pitchFamily="34" charset="0"/>
                 <a:cs typeface="Arial" panose="020B0604020202020204" pitchFamily="34" charset="0"/>
               </a:rPr>
-              <a:t>[1] Barker, M. K., et al., A new lunar digital elevation model from the Lunar Orbiter Laser</a:t>
+              <a:t>[1] Barker, M. K., et al., A new lunar digital elevation model from the Lunar Orbiter Laser Altimeter and SELENE Terrain Camera, 2016. doi:</a:t>
             </a:r>
             <a:r>
               <a:rPr lang="en-US" altLang="ja-JP" sz="600" dirty="0">
@@ -4477,14 +4470,43 @@
                 <a:cs typeface="Arial" panose="020B0604020202020204" pitchFamily="34" charset="0"/>
                 <a:hlinkClick r:id="rId4"/>
               </a:rPr>
-              <a:t>.2017.632</a:t>
-            </a:r>
+              <a:t>10.1016/j.icarus.2015.07.039</a:t>
+            </a:r>
+            <a:endParaRPr lang="en-US" altLang="ja-JP" sz="600" dirty="0">
+              <a:latin typeface="Arial" panose="020B0604020202020204" pitchFamily="34" charset="0"/>
+              <a:cs typeface="Arial" panose="020B0604020202020204" pitchFamily="34" charset="0"/>
+            </a:endParaRPr>
+          </a:p>
+          <a:p>
             <a:r>
               <a:rPr lang="en-US" altLang="ja-JP" sz="600" dirty="0">
                 <a:latin typeface="Arial" panose="020B0604020202020204" pitchFamily="34" charset="0"/>
                 <a:cs typeface="Arial" panose="020B0604020202020204" pitchFamily="34" charset="0"/>
               </a:rPr>
-              <a:t> Altimeter and SELENE Terrain Camera, 2016. doi:</a:t>
+              <a:t>[2] Henriksen, M., et al., LROC NAC Digital Terrain Models: Production and Availability, 2020. In Proceedings of the Lunar </a:t>
+            </a:r>
+            <a:r>
+              <a:rPr lang="en-US" altLang="ja-JP" sz="600" dirty="0" err="1">
+                <a:latin typeface="Arial" panose="020B0604020202020204" pitchFamily="34" charset="0"/>
+                <a:cs typeface="Arial" panose="020B0604020202020204" pitchFamily="34" charset="0"/>
+              </a:rPr>
+              <a:t>Surace</a:t>
+            </a:r>
+            <a:r>
+              <a:rPr lang="en-US" altLang="ja-JP" sz="600" dirty="0">
+                <a:latin typeface="Arial" panose="020B0604020202020204" pitchFamily="34" charset="0"/>
+                <a:cs typeface="Arial" panose="020B0604020202020204" pitchFamily="34" charset="0"/>
+              </a:rPr>
+              <a:t> Science Workshop, virtual meeting, 28–29 May 2020; LPI Contribution 2241. p. 5084.</a:t>
+            </a:r>
+          </a:p>
+          <a:p>
+            <a:r>
+              <a:rPr lang="en-US" altLang="ja-JP" sz="600" dirty="0">
+                <a:latin typeface="Arial" panose="020B0604020202020204" pitchFamily="34" charset="0"/>
+                <a:cs typeface="Arial" panose="020B0604020202020204" pitchFamily="34" charset="0"/>
+              </a:rPr>
+              <a:t>[3]Onodera, K., et al., Resolution enhancement of DEM of the lunar surface using machine learning, 2020. doi:</a:t>
             </a:r>
             <a:r>
               <a:rPr lang="en-US" altLang="ja-JP" sz="600" dirty="0">
@@ -4492,50 +4514,6 @@
                 <a:cs typeface="Arial" panose="020B0604020202020204" pitchFamily="34" charset="0"/>
                 <a:hlinkClick r:id="rId5"/>
               </a:rPr>
-              <a:t>10.1016/j.icarus.2015.07.039</a:t>
-            </a:r>
-            <a:endParaRPr lang="en-US" altLang="ja-JP" sz="600" dirty="0">
-              <a:latin typeface="Arial" panose="020B0604020202020204" pitchFamily="34" charset="0"/>
-              <a:cs typeface="Arial" panose="020B0604020202020204" pitchFamily="34" charset="0"/>
-            </a:endParaRPr>
-          </a:p>
-          <a:p>
-            <a:r>
-              <a:rPr lang="en-US" altLang="ja-JP" sz="600" dirty="0">
-                <a:latin typeface="Arial" panose="020B0604020202020204" pitchFamily="34" charset="0"/>
-                <a:cs typeface="Arial" panose="020B0604020202020204" pitchFamily="34" charset="0"/>
-              </a:rPr>
-              <a:t>[2] Henriksen, M., et al., LROC NAC Digital Terrain Models: Production and Availability, 2020. In Proceedings of the Lunar </a:t>
-            </a:r>
-            <a:r>
-              <a:rPr lang="en-US" altLang="ja-JP" sz="600" dirty="0" err="1">
-                <a:latin typeface="Arial" panose="020B0604020202020204" pitchFamily="34" charset="0"/>
-                <a:cs typeface="Arial" panose="020B0604020202020204" pitchFamily="34" charset="0"/>
-              </a:rPr>
-              <a:t>Surace</a:t>
-            </a:r>
-            <a:r>
-              <a:rPr lang="en-US" altLang="ja-JP" sz="600" dirty="0">
-                <a:latin typeface="Arial" panose="020B0604020202020204" pitchFamily="34" charset="0"/>
-                <a:cs typeface="Arial" panose="020B0604020202020204" pitchFamily="34" charset="0"/>
-              </a:rPr>
-              <a:t> Science Workshop, virtual meeting, 28–29 May 2020; LPI Contribution 2241. p. 5084.</a:t>
-            </a:r>
-          </a:p>
-          <a:p>
-            <a:r>
-              <a:rPr lang="en-US" altLang="ja-JP" sz="600" dirty="0">
-                <a:latin typeface="Arial" panose="020B0604020202020204" pitchFamily="34" charset="0"/>
-                <a:cs typeface="Arial" panose="020B0604020202020204" pitchFamily="34" charset="0"/>
-              </a:rPr>
-              <a:t>[3]Onodera, K., et al., Resolution enhancement of DEM of the lunar surface using machine learning, 2020. doi:</a:t>
-            </a:r>
-            <a:r>
-              <a:rPr lang="en-US" altLang="ja-JP" sz="600" dirty="0">
-                <a:latin typeface="Arial" panose="020B0604020202020204" pitchFamily="34" charset="0"/>
-                <a:cs typeface="Arial" panose="020B0604020202020204" pitchFamily="34" charset="0"/>
-                <a:hlinkClick r:id="rId6"/>
-              </a:rPr>
               <a:t>10.20637/JAXA-RR-19-006/0003</a:t>
             </a:r>
             <a:endParaRPr lang="en-US" altLang="ja-JP" sz="600" dirty="0">
@@ -4564,7 +4542,7 @@
               <a:rPr lang="en-US" altLang="ja-JP" sz="600" dirty="0">
                 <a:latin typeface="Arial" panose="020B0604020202020204" pitchFamily="34" charset="0"/>
                 <a:cs typeface="Arial" panose="020B0604020202020204" pitchFamily="34" charset="0"/>
-                <a:hlinkClick r:id="rId4"/>
+                <a:hlinkClick r:id="rId6"/>
               </a:rPr>
               <a:t>10.1109/CVPR</a:t>
             </a:r>
@@ -4826,8 +4804,8 @@
         </p:nvSpPr>
         <p:spPr>
           <a:xfrm>
-            <a:off x="7743221" y="8170533"/>
-            <a:ext cx="393249" cy="127656"/>
+            <a:off x="7667514" y="8170533"/>
+            <a:ext cx="451862" cy="108560"/>
           </a:xfrm>
           <a:prstGeom prst="rect">
             <a:avLst/>
@@ -6034,7 +6012,7 @@
         </p:nvSpPr>
         <p:spPr>
           <a:xfrm>
-            <a:off x="5183063" y="8957139"/>
+            <a:off x="5195596" y="8934765"/>
             <a:ext cx="1344412" cy="338554"/>
           </a:xfrm>
           <a:prstGeom prst="rect">
@@ -6141,7 +6119,7 @@
         </p:nvSpPr>
         <p:spPr>
           <a:xfrm>
-            <a:off x="6619285" y="9061225"/>
+            <a:off x="6541634" y="9061649"/>
             <a:ext cx="1010969" cy="338554"/>
           </a:xfrm>
           <a:prstGeom prst="rect">

--- a/mid_poster/mid_poster_en.pptx
+++ b/mid_poster/mid_poster_en.pptx
@@ -4074,7 +4074,7 @@
         </p:nvSpPr>
         <p:spPr>
           <a:xfrm>
-            <a:off x="273105" y="7181318"/>
+            <a:off x="331896" y="6839273"/>
             <a:ext cx="3519830" cy="670455"/>
           </a:xfrm>
           <a:prstGeom prst="rect">
@@ -4178,7 +4178,7 @@
         </p:nvSpPr>
         <p:spPr>
           <a:xfrm>
-            <a:off x="427004" y="1899887"/>
+            <a:off x="439625" y="1837893"/>
             <a:ext cx="4041249" cy="5093702"/>
           </a:xfrm>
           <a:prstGeom prst="rect">
@@ -4236,8 +4236,8 @@
         </p:nvSpPr>
         <p:spPr>
           <a:xfrm>
-            <a:off x="471357" y="7808724"/>
-            <a:ext cx="3918315" cy="3123932"/>
+            <a:off x="481673" y="7326865"/>
+            <a:ext cx="3918315" cy="3370153"/>
           </a:xfrm>
           <a:prstGeom prst="rect">
             <a:avLst/>
@@ -4260,7 +4260,7 @@
                 <a:latin typeface="Arial" panose="020B0604020202020204" pitchFamily="34" charset="0"/>
                 <a:cs typeface="Arial" panose="020B0604020202020204" pitchFamily="34" charset="0"/>
               </a:rPr>
-              <a:t>    Figure 1 shows structure of pipeline in this research. We use a Pix2Pix [5] as machine learning model. This model can transform the type of image by learning the relationship between two sets of images. DTMs can be generated from abundant visible images by training Pix2Pix on both DTMs and visible images.</a:t>
+              <a:t>    Figure 1 shows flowchart of Methodology in this research. We use a Pix2Pix [5] as machine learning model. This model can transform the type of image by learning the relationship between two sets of images. DTMs can be generated from abundant visible images by training Pix2Pix on both DTMs and visible images.</a:t>
             </a:r>
           </a:p>
           <a:p>
@@ -4287,7 +4287,7 @@
         </p:nvSpPr>
         <p:spPr>
           <a:xfrm>
-            <a:off x="5060820" y="1876790"/>
+            <a:off x="5046038" y="1809956"/>
             <a:ext cx="4440560" cy="2308324"/>
           </a:xfrm>
           <a:prstGeom prst="rect">
@@ -4340,7 +4340,7 @@
         </p:nvSpPr>
         <p:spPr>
           <a:xfrm>
-            <a:off x="4902074" y="9476700"/>
+            <a:off x="4903269" y="9328490"/>
             <a:ext cx="1649966" cy="512992"/>
           </a:xfrm>
           <a:prstGeom prst="rect">
@@ -4444,7 +4444,7 @@
         </p:nvSpPr>
         <p:spPr>
           <a:xfrm>
-            <a:off x="4916247" y="9891508"/>
+            <a:off x="4903269" y="9783685"/>
             <a:ext cx="4440560" cy="1015663"/>
           </a:xfrm>
           <a:prstGeom prst="rect">
@@ -4650,8 +4650,8 @@
         </p:nvSpPr>
         <p:spPr>
           <a:xfrm>
-            <a:off x="3762887" y="12478166"/>
-            <a:ext cx="3525874" cy="338554"/>
+            <a:off x="3272023" y="12452494"/>
+            <a:ext cx="4584893" cy="338554"/>
           </a:xfrm>
           <a:prstGeom prst="rect">
             <a:avLst/>
@@ -4670,7 +4670,7 @@
                 <a:latin typeface="Arial" panose="020B0604020202020204" pitchFamily="34" charset="0"/>
                 <a:cs typeface="Arial" panose="020B0604020202020204" pitchFamily="34" charset="0"/>
               </a:rPr>
-              <a:t>Figure 1. Pipeline of  </a:t>
+              <a:t>Figure 1. Flowchart of  </a:t>
             </a:r>
             <a:r>
               <a:rPr lang="en-US" altLang="ja-JP" sz="1600" b="1" dirty="0">
@@ -5141,8 +5141,8 @@
         </p:nvSpPr>
         <p:spPr>
           <a:xfrm>
-            <a:off x="8689490" y="8733721"/>
-            <a:ext cx="328540" cy="126364"/>
+            <a:off x="8689489" y="8733721"/>
+            <a:ext cx="359579" cy="126364"/>
           </a:xfrm>
           <a:prstGeom prst="rect">
             <a:avLst/>
@@ -5195,7 +5195,7 @@
         </p:nvCxnSpPr>
         <p:spPr>
           <a:xfrm>
-            <a:off x="9018030" y="7432743"/>
+            <a:off x="9049072" y="7432743"/>
             <a:ext cx="0" cy="1477342"/>
           </a:xfrm>
           <a:prstGeom prst="line">
@@ -5292,120 +5292,6 @@
           </a:prstGeom>
         </p:spPr>
       </p:pic>
-      <p:sp>
-        <p:nvSpPr>
-          <p:cNvPr id="88" name="テキスト ボックス 87">
-            <a:extLst>
-              <a:ext uri="{FF2B5EF4-FFF2-40B4-BE49-F238E27FC236}">
-                <a16:creationId xmlns:a16="http://schemas.microsoft.com/office/drawing/2014/main" id="{68B2D2B2-7ACC-74E6-6BFE-D2FCCB3974E9}"/>
-              </a:ext>
-            </a:extLst>
-          </p:cNvPr>
-          <p:cNvSpPr txBox="1"/>
-          <p:nvPr/>
-        </p:nvSpPr>
-        <p:spPr>
-          <a:xfrm>
-            <a:off x="266496" y="12346765"/>
-            <a:ext cx="2554058" cy="338554"/>
-          </a:xfrm>
-          <a:prstGeom prst="rect">
-            <a:avLst/>
-          </a:prstGeom>
-          <a:noFill/>
-        </p:spPr>
-        <p:txBody>
-          <a:bodyPr wrap="square" rtlCol="0">
-            <a:spAutoFit/>
-          </a:bodyPr>
-          <a:lstStyle/>
-          <a:p>
-            <a:r>
-              <a:rPr lang="en-US" altLang="ja-JP" sz="1600" b="1" dirty="0">
-                <a:latin typeface="Arial" panose="020B0604020202020204" pitchFamily="34" charset="0"/>
-                <a:cs typeface="Arial" panose="020B0604020202020204" pitchFamily="34" charset="0"/>
-              </a:rPr>
-              <a:t>LRO NAC Orthoimage</a:t>
-            </a:r>
-            <a:endParaRPr kumimoji="1" lang="ja-JP" altLang="en-US" sz="1600" b="1">
-              <a:latin typeface="Arial" panose="020B0604020202020204" pitchFamily="34" charset="0"/>
-              <a:cs typeface="Arial" panose="020B0604020202020204" pitchFamily="34" charset="0"/>
-            </a:endParaRPr>
-          </a:p>
-        </p:txBody>
-      </p:sp>
-      <p:pic>
-        <p:nvPicPr>
-          <p:cNvPr id="91" name="図 90">
-            <a:extLst>
-              <a:ext uri="{FF2B5EF4-FFF2-40B4-BE49-F238E27FC236}">
-                <a16:creationId xmlns:a16="http://schemas.microsoft.com/office/drawing/2014/main" id="{63238ED6-9FA1-FDAF-411A-70A0775EC00B}"/>
-              </a:ext>
-            </a:extLst>
-          </p:cNvPr>
-          <p:cNvPicPr>
-            <a:picLocks noChangeAspect="1"/>
-          </p:cNvPicPr>
-          <p:nvPr/>
-        </p:nvPicPr>
-        <p:blipFill>
-          <a:blip r:embed="rId11"/>
-          <a:stretch>
-            <a:fillRect/>
-          </a:stretch>
-        </p:blipFill>
-        <p:spPr>
-          <a:xfrm>
-            <a:off x="376326" y="10971115"/>
-            <a:ext cx="8848545" cy="1431265"/>
-          </a:xfrm>
-          <a:prstGeom prst="rect">
-            <a:avLst/>
-          </a:prstGeom>
-        </p:spPr>
-      </p:pic>
-      <p:sp>
-        <p:nvSpPr>
-          <p:cNvPr id="89" name="テキスト ボックス 88">
-            <a:extLst>
-              <a:ext uri="{FF2B5EF4-FFF2-40B4-BE49-F238E27FC236}">
-                <a16:creationId xmlns:a16="http://schemas.microsoft.com/office/drawing/2014/main" id="{606EF1A6-6193-423E-BFF2-1D739EA35CFD}"/>
-              </a:ext>
-            </a:extLst>
-          </p:cNvPr>
-          <p:cNvSpPr txBox="1"/>
-          <p:nvPr/>
-        </p:nvSpPr>
-        <p:spPr>
-          <a:xfrm>
-            <a:off x="471357" y="11504162"/>
-            <a:ext cx="1570538" cy="338554"/>
-          </a:xfrm>
-          <a:prstGeom prst="rect">
-            <a:avLst/>
-          </a:prstGeom>
-          <a:noFill/>
-        </p:spPr>
-        <p:txBody>
-          <a:bodyPr wrap="square" rtlCol="0">
-            <a:spAutoFit/>
-          </a:bodyPr>
-          <a:lstStyle/>
-          <a:p>
-            <a:r>
-              <a:rPr kumimoji="1" lang="en-US" altLang="ja-JP" sz="1600" b="1" dirty="0">
-                <a:latin typeface="Arial" panose="020B0604020202020204" pitchFamily="34" charset="0"/>
-                <a:cs typeface="Arial" panose="020B0604020202020204" pitchFamily="34" charset="0"/>
-              </a:rPr>
-              <a:t>SLDEM 2015</a:t>
-            </a:r>
-            <a:endParaRPr kumimoji="1" lang="ja-JP" altLang="en-US" sz="1600" b="1">
-              <a:latin typeface="Arial" panose="020B0604020202020204" pitchFamily="34" charset="0"/>
-              <a:cs typeface="Arial" panose="020B0604020202020204" pitchFamily="34" charset="0"/>
-            </a:endParaRPr>
-          </a:p>
-        </p:txBody>
-      </p:sp>
       <p:pic>
         <p:nvPicPr>
           <p:cNvPr id="105" name="図 104" descr="黒い背景とぼやけた写真&#10;&#10;中程度の精度で自動的に生成された説明">
@@ -5421,7 +5307,7 @@
           <p:nvPr/>
         </p:nvPicPr>
         <p:blipFill>
-          <a:blip r:embed="rId12">
+          <a:blip r:embed="rId11">
             <a:extLst>
               <a:ext uri="{28A0092B-C50C-407E-A947-70E740481C1C}">
                 <a14:useLocalDpi xmlns:a14="http://schemas.microsoft.com/office/drawing/2010/main" val="0"/>
@@ -5457,7 +5343,7 @@
           <p:nvPr/>
         </p:nvPicPr>
         <p:blipFill rotWithShape="1">
-          <a:blip r:embed="rId13">
+          <a:blip r:embed="rId12">
             <a:extLst>
               <a:ext uri="{28A0092B-C50C-407E-A947-70E740481C1C}">
                 <a14:useLocalDpi xmlns:a14="http://schemas.microsoft.com/office/drawing/2010/main" val="0"/>
@@ -6226,7 +6112,7 @@
         </p:nvSpPr>
         <p:spPr>
           <a:xfrm>
-            <a:off x="7439346" y="9373266"/>
+            <a:off x="7383660" y="9371003"/>
             <a:ext cx="946512" cy="338554"/>
           </a:xfrm>
           <a:prstGeom prst="rect">
@@ -6282,8 +6168,8 @@
           </a:xfrm>
           <a:prstGeom prst="wedgeRoundRectCallout">
             <a:avLst>
-              <a:gd name="adj1" fmla="val -12247"/>
-              <a:gd name="adj2" fmla="val 159945"/>
+              <a:gd name="adj1" fmla="val -15266"/>
+              <a:gd name="adj2" fmla="val 164884"/>
               <a:gd name="adj3" fmla="val 16667"/>
             </a:avLst>
           </a:prstGeom>
@@ -6367,6 +6253,36 @@
           </a:p>
         </p:txBody>
       </p:sp>
+      <p:pic>
+        <p:nvPicPr>
+          <p:cNvPr id="133" name="図 132">
+            <a:extLst>
+              <a:ext uri="{FF2B5EF4-FFF2-40B4-BE49-F238E27FC236}">
+                <a16:creationId xmlns:a16="http://schemas.microsoft.com/office/drawing/2014/main" id="{C5690029-4D6F-5F39-DB0C-413D698A4B83}"/>
+              </a:ext>
+            </a:extLst>
+          </p:cNvPr>
+          <p:cNvPicPr>
+            <a:picLocks noChangeAspect="1"/>
+          </p:cNvPicPr>
+          <p:nvPr/>
+        </p:nvPicPr>
+        <p:blipFill>
+          <a:blip r:embed="rId13"/>
+          <a:stretch>
+            <a:fillRect/>
+          </a:stretch>
+        </p:blipFill>
+        <p:spPr>
+          <a:xfrm>
+            <a:off x="1009550" y="10696407"/>
+            <a:ext cx="7772400" cy="1840619"/>
+          </a:xfrm>
+          <a:prstGeom prst="rect">
+            <a:avLst/>
+          </a:prstGeom>
+        </p:spPr>
+      </p:pic>
     </p:spTree>
     <p:extLst>
       <p:ext uri="{BB962C8B-B14F-4D97-AF65-F5344CB8AC3E}">

--- a/mid_poster/mid_poster_en.pptx
+++ b/mid_poster/mid_poster_en.pptx
@@ -208,7 +208,7 @@
           <a:p>
             <a:fld id="{00A2018F-E2A8-ED4D-A348-3E0EECE98219}" type="datetimeFigureOut">
               <a:rPr kumimoji="1" lang="ja-JP" altLang="en-US" smtClean="0"/>
-              <a:t>2022/10/15</a:t>
+              <a:t>2022/10/19</a:t>
             </a:fld>
             <a:endParaRPr kumimoji="1" lang="ja-JP" altLang="en-US"/>
           </a:p>
@@ -552,24 +552,6 @@
           <a:lstStyle/>
           <a:p>
             <a:r>
-              <a:rPr kumimoji="1" lang="en-US" altLang="ja-JP" dirty="0"/>
-              <a:t>reference </a:t>
-            </a:r>
-            <a:r>
-              <a:rPr kumimoji="1" lang="ja-JP" altLang="en-US"/>
-              <a:t>行間狭める</a:t>
-            </a:r>
-            <a:endParaRPr kumimoji="1" lang="en-US" altLang="ja-JP" dirty="0"/>
-          </a:p>
-          <a:p>
-            <a:r>
-              <a:rPr kumimoji="1" lang="ja-JP" altLang="en-US"/>
-              <a:t>図版はは本文で言及する</a:t>
-            </a:r>
-            <a:endParaRPr kumimoji="1" lang="en-US" altLang="ja-JP" dirty="0"/>
-          </a:p>
-          <a:p>
-            <a:r>
               <a:rPr kumimoji="1" lang="ja-JP" altLang="en-US"/>
               <a:t>数値地形空間か画像空間に</a:t>
             </a:r>
@@ -825,7 +807,7 @@
           <a:p>
             <a:fld id="{41C63ABA-7AD4-414B-BAC9-9FD2A004AC76}" type="datetimeFigureOut">
               <a:rPr kumimoji="1" lang="ja-JP" altLang="en-US" smtClean="0"/>
-              <a:t>2022/10/15</a:t>
+              <a:t>2022/10/19</a:t>
             </a:fld>
             <a:endParaRPr kumimoji="1" lang="ja-JP" altLang="en-US" dirty="0"/>
           </a:p>
@@ -1025,7 +1007,7 @@
           <a:p>
             <a:fld id="{41C63ABA-7AD4-414B-BAC9-9FD2A004AC76}" type="datetimeFigureOut">
               <a:rPr kumimoji="1" lang="ja-JP" altLang="en-US" smtClean="0"/>
-              <a:t>2022/10/15</a:t>
+              <a:t>2022/10/19</a:t>
             </a:fld>
             <a:endParaRPr kumimoji="1" lang="ja-JP" altLang="en-US" dirty="0"/>
           </a:p>
@@ -1235,7 +1217,7 @@
           <a:p>
             <a:fld id="{41C63ABA-7AD4-414B-BAC9-9FD2A004AC76}" type="datetimeFigureOut">
               <a:rPr kumimoji="1" lang="ja-JP" altLang="en-US" smtClean="0"/>
-              <a:t>2022/10/15</a:t>
+              <a:t>2022/10/19</a:t>
             </a:fld>
             <a:endParaRPr kumimoji="1" lang="ja-JP" altLang="en-US" dirty="0"/>
           </a:p>
@@ -1435,7 +1417,7 @@
           <a:p>
             <a:fld id="{41C63ABA-7AD4-414B-BAC9-9FD2A004AC76}" type="datetimeFigureOut">
               <a:rPr kumimoji="1" lang="ja-JP" altLang="en-US" smtClean="0"/>
-              <a:t>2022/10/15</a:t>
+              <a:t>2022/10/19</a:t>
             </a:fld>
             <a:endParaRPr kumimoji="1" lang="ja-JP" altLang="en-US" dirty="0"/>
           </a:p>
@@ -1680,7 +1662,7 @@
           <a:p>
             <a:fld id="{41C63ABA-7AD4-414B-BAC9-9FD2A004AC76}" type="datetimeFigureOut">
               <a:rPr kumimoji="1" lang="ja-JP" altLang="en-US" smtClean="0"/>
-              <a:t>2022/10/15</a:t>
+              <a:t>2022/10/19</a:t>
             </a:fld>
             <a:endParaRPr kumimoji="1" lang="ja-JP" altLang="en-US" dirty="0"/>
           </a:p>
@@ -2029,7 +2011,7 @@
           <a:p>
             <a:fld id="{41C63ABA-7AD4-414B-BAC9-9FD2A004AC76}" type="datetimeFigureOut">
               <a:rPr kumimoji="1" lang="ja-JP" altLang="en-US" smtClean="0"/>
-              <a:t>2022/10/15</a:t>
+              <a:t>2022/10/19</a:t>
             </a:fld>
             <a:endParaRPr kumimoji="1" lang="ja-JP" altLang="en-US" dirty="0"/>
           </a:p>
@@ -2517,7 +2499,7 @@
           <a:p>
             <a:fld id="{41C63ABA-7AD4-414B-BAC9-9FD2A004AC76}" type="datetimeFigureOut">
               <a:rPr kumimoji="1" lang="ja-JP" altLang="en-US" smtClean="0"/>
-              <a:t>2022/10/15</a:t>
+              <a:t>2022/10/19</a:t>
             </a:fld>
             <a:endParaRPr kumimoji="1" lang="ja-JP" altLang="en-US" dirty="0"/>
           </a:p>
@@ -2634,7 +2616,7 @@
           <a:p>
             <a:fld id="{41C63ABA-7AD4-414B-BAC9-9FD2A004AC76}" type="datetimeFigureOut">
               <a:rPr kumimoji="1" lang="ja-JP" altLang="en-US" smtClean="0"/>
-              <a:t>2022/10/15</a:t>
+              <a:t>2022/10/19</a:t>
             </a:fld>
             <a:endParaRPr kumimoji="1" lang="ja-JP" altLang="en-US" dirty="0"/>
           </a:p>
@@ -2729,7 +2711,7 @@
           <a:p>
             <a:fld id="{41C63ABA-7AD4-414B-BAC9-9FD2A004AC76}" type="datetimeFigureOut">
               <a:rPr kumimoji="1" lang="ja-JP" altLang="en-US" smtClean="0"/>
-              <a:t>2022/10/15</a:t>
+              <a:t>2022/10/19</a:t>
             </a:fld>
             <a:endParaRPr kumimoji="1" lang="ja-JP" altLang="en-US" dirty="0"/>
           </a:p>
@@ -3036,7 +3018,7 @@
           <a:p>
             <a:fld id="{41C63ABA-7AD4-414B-BAC9-9FD2A004AC76}" type="datetimeFigureOut">
               <a:rPr kumimoji="1" lang="ja-JP" altLang="en-US" smtClean="0"/>
-              <a:t>2022/10/15</a:t>
+              <a:t>2022/10/19</a:t>
             </a:fld>
             <a:endParaRPr kumimoji="1" lang="ja-JP" altLang="en-US" dirty="0"/>
           </a:p>
@@ -3288,7 +3270,7 @@
           <a:p>
             <a:fld id="{41C63ABA-7AD4-414B-BAC9-9FD2A004AC76}" type="datetimeFigureOut">
               <a:rPr kumimoji="1" lang="ja-JP" altLang="en-US" smtClean="0"/>
-              <a:t>2022/10/15</a:t>
+              <a:t>2022/10/19</a:t>
             </a:fld>
             <a:endParaRPr kumimoji="1" lang="ja-JP" altLang="en-US" dirty="0"/>
           </a:p>
@@ -3531,7 +3513,7 @@
           <a:p>
             <a:fld id="{41C63ABA-7AD4-414B-BAC9-9FD2A004AC76}" type="datetimeFigureOut">
               <a:rPr kumimoji="1" lang="ja-JP" altLang="en-US" smtClean="0"/>
-              <a:t>2022/10/15</a:t>
+              <a:t>2022/10/19</a:t>
             </a:fld>
             <a:endParaRPr kumimoji="1" lang="ja-JP" altLang="en-US" dirty="0"/>
           </a:p>
@@ -4074,8 +4056,8 @@
         </p:nvSpPr>
         <p:spPr>
           <a:xfrm>
-            <a:off x="331896" y="6839273"/>
-            <a:ext cx="3519830" cy="670455"/>
+            <a:off x="211890" y="6785735"/>
+            <a:ext cx="1721992" cy="670455"/>
           </a:xfrm>
           <a:prstGeom prst="rect">
             <a:avLst/>
@@ -4108,7 +4090,7 @@
                 <a:latin typeface="Arial" panose="020B0604020202020204" pitchFamily="34" charset="0"/>
                 <a:cs typeface="Arial" panose="020B0604020202020204" pitchFamily="34" charset="0"/>
               </a:rPr>
-              <a:t>2. Methodology</a:t>
+              <a:t>2. Method</a:t>
             </a:r>
             <a:endParaRPr lang="ja-JP" altLang="en-US" sz="2400" dirty="0">
               <a:latin typeface="Arial" panose="020B0604020202020204" pitchFamily="34" charset="0"/>
@@ -4178,7 +4160,7 @@
         </p:nvSpPr>
         <p:spPr>
           <a:xfrm>
-            <a:off x="439625" y="1837893"/>
+            <a:off x="447417" y="1856206"/>
             <a:ext cx="4041249" cy="5093702"/>
           </a:xfrm>
           <a:prstGeom prst="rect">
@@ -4202,7 +4184,49 @@
                 <a:latin typeface="Arial" panose="020B0604020202020204" pitchFamily="34" charset="0"/>
                 <a:cs typeface="Arial" panose="020B0604020202020204" pitchFamily="34" charset="0"/>
               </a:rPr>
-              <a:t>    Digital Terrain Models (DTMs) of the lunar surface are widely used for lunar exploration planning and studies of topography and geology [1]. LRO NAC DTMs with the highest resolution (~2 m/pix) cover small percentage with 470 pieces [2] . This is due to the time required to create DTMs by manual and the few data available to create them [3].               </a:t>
+              <a:t>    Digital Terrain Models (DTMs) of the lunar surface are widely used for lunar exploration planning and studies </a:t>
+            </a:r>
+            <a:r>
+              <a:rPr lang="en-US" altLang="ja-JP" sz="1600" dirty="0">
+                <a:latin typeface="Arial" panose="020B0604020202020204" pitchFamily="34" charset="0"/>
+                <a:cs typeface="Arial" panose="020B0604020202020204" pitchFamily="34" charset="0"/>
+              </a:rPr>
+              <a:t>based on</a:t>
+            </a:r>
+            <a:r>
+              <a:rPr kumimoji="1" lang="en-US" altLang="ja-JP" sz="1600" dirty="0">
+                <a:latin typeface="Arial" panose="020B0604020202020204" pitchFamily="34" charset="0"/>
+                <a:cs typeface="Arial" panose="020B0604020202020204" pitchFamily="34" charset="0"/>
+              </a:rPr>
+              <a:t> topography and geology [1]. LRO NAC DTMs with the highest resolution (~2 m/pix) show little coverage with only 470 pieces [2], because suitable geometry for stereo-</a:t>
+            </a:r>
+            <a:r>
+              <a:rPr kumimoji="1" lang="en-US" altLang="ja-JP" sz="1600" dirty="0" err="1">
+                <a:latin typeface="Arial" panose="020B0604020202020204" pitchFamily="34" charset="0"/>
+                <a:cs typeface="Arial" panose="020B0604020202020204" pitchFamily="34" charset="0"/>
+              </a:rPr>
+              <a:t>grammetry</a:t>
+            </a:r>
+            <a:r>
+              <a:rPr kumimoji="1" lang="en-US" altLang="ja-JP" sz="1600" dirty="0">
+                <a:latin typeface="Arial" panose="020B0604020202020204" pitchFamily="34" charset="0"/>
+                <a:cs typeface="Arial" panose="020B0604020202020204" pitchFamily="34" charset="0"/>
+              </a:rPr>
+              <a:t> is rare. </a:t>
+            </a:r>
+            <a:r>
+              <a:rPr lang="en-US" altLang="ja-JP" sz="1600" dirty="0">
+                <a:latin typeface="Arial" panose="020B0604020202020204" pitchFamily="34" charset="0"/>
+                <a:cs typeface="Arial" panose="020B0604020202020204" pitchFamily="34" charset="0"/>
+              </a:rPr>
+              <a:t>Time consuming process for making DTMs manually also prevents from generating larger coverage of DTMs</a:t>
+            </a:r>
+            <a:r>
+              <a:rPr kumimoji="1" lang="en-US" altLang="ja-JP" sz="1600" dirty="0">
+                <a:latin typeface="Arial" panose="020B0604020202020204" pitchFamily="34" charset="0"/>
+                <a:cs typeface="Arial" panose="020B0604020202020204" pitchFamily="34" charset="0"/>
+              </a:rPr>
+              <a:t> [3].               </a:t>
             </a:r>
           </a:p>
           <a:p>
@@ -4216,14 +4240,28 @@
                 <a:latin typeface="Arial" panose="020B0604020202020204" pitchFamily="34" charset="0"/>
                 <a:cs typeface="Arial" panose="020B0604020202020204" pitchFamily="34" charset="0"/>
               </a:rPr>
-              <a:t>    The purpose of this study is to generate high-resolution DTMs automatically with limited data</a:t>
+              <a:t>    The purpose of this study is to generate high-resolution DTMs automatically with the restrictions</a:t>
             </a:r>
             <a:r>
               <a:rPr kumimoji="1" lang="en-US" altLang="ja-JP" sz="1600" dirty="0">
                 <a:latin typeface="Arial" panose="020B0604020202020204" pitchFamily="34" charset="0"/>
                 <a:cs typeface="Arial" panose="020B0604020202020204" pitchFamily="34" charset="0"/>
               </a:rPr>
-              <a:t>. This research proposes a method to complement LRO NAC DTMs by generating the almost the same resolution using Machine Learning &amp; Shape-From-Shading (SFS) [4]. The goal of this study is to implement a pipeline generate DTMs that combines machine learning with SFS and evaluate the generated DTM.</a:t>
+              <a:t>. This research proposes a method to complement LRO NAC DTMs by generating image patches with almost the same resolution using Machine Learning &amp; Shape-From-Shading (SFS) [4]. The goal of this study is to implement and to evaluate a pipeline for generating DTMs</a:t>
+            </a:r>
+            <a:r>
+              <a:rPr lang="en-US" altLang="ja-JP" sz="1600" dirty="0">
+                <a:latin typeface="Arial" panose="020B0604020202020204" pitchFamily="34" charset="0"/>
+                <a:cs typeface="Arial" panose="020B0604020202020204" pitchFamily="34" charset="0"/>
+              </a:rPr>
+              <a:t>.</a:t>
+            </a:r>
+            <a:r>
+              <a:rPr kumimoji="1" lang="en-US" altLang="ja-JP" sz="1600" dirty="0">
+                <a:latin typeface="Arial" panose="020B0604020202020204" pitchFamily="34" charset="0"/>
+                <a:cs typeface="Arial" panose="020B0604020202020204" pitchFamily="34" charset="0"/>
+              </a:rPr>
+              <a:t> </a:t>
             </a:r>
           </a:p>
         </p:txBody>
@@ -4236,8 +4274,8 @@
         </p:nvSpPr>
         <p:spPr>
           <a:xfrm>
-            <a:off x="481673" y="7326865"/>
-            <a:ext cx="3918315" cy="3370153"/>
+            <a:off x="499314" y="7281444"/>
+            <a:ext cx="3918315" cy="3616375"/>
           </a:xfrm>
           <a:prstGeom prst="rect">
             <a:avLst/>
@@ -4260,7 +4298,21 @@
                 <a:latin typeface="Arial" panose="020B0604020202020204" pitchFamily="34" charset="0"/>
                 <a:cs typeface="Arial" panose="020B0604020202020204" pitchFamily="34" charset="0"/>
               </a:rPr>
-              <a:t>    Figure 1 shows flowchart of Methodology in this research. We use a Pix2Pix [5] as machine learning model. This model can transform the type of image by learning the relationship between two sets of images. DTMs can be generated from abundant visible images by training Pix2Pix on both DTMs and visible images.</a:t>
+              <a:t>    </a:t>
+            </a:r>
+            <a:r>
+              <a:rPr kumimoji="1" lang="en-US" altLang="ja-JP" sz="1600" dirty="0">
+                <a:latin typeface="Arial" panose="020B0604020202020204" pitchFamily="34" charset="0"/>
+                <a:cs typeface="Arial" panose="020B0604020202020204" pitchFamily="34" charset="0"/>
+              </a:rPr>
+              <a:t>This proposed system is integrated with machine learning and SFS in </a:t>
+            </a:r>
+            <a:r>
+              <a:rPr lang="en-US" altLang="ja-JP" sz="1600" dirty="0">
+                <a:latin typeface="Arial" panose="020B0604020202020204" pitchFamily="34" charset="0"/>
+                <a:cs typeface="Arial" panose="020B0604020202020204" pitchFamily="34" charset="0"/>
+              </a:rPr>
+              <a:t>Figure 1. We use a Pix2Pix [5] as this machine learning model. This model can transform the type of image by learning the relationship between two sets of images. DTMs are generated from massive datasets by training Pix2Pix on both DTMs and visible images.</a:t>
             </a:r>
           </a:p>
           <a:p>
@@ -4274,7 +4326,7 @@
                 <a:latin typeface="Arial" panose="020B0604020202020204" pitchFamily="34" charset="0"/>
                 <a:cs typeface="Arial" panose="020B0604020202020204" pitchFamily="34" charset="0"/>
               </a:rPr>
-              <a:t>   SFS is a technique for estimating the shape of an object from a single shaded image. We improve DTMs generated from Pix2Pix adapting SFS.</a:t>
+              <a:t>   SFS is a technique for estimating the shape of an object from a single shaded image. We improve DTMs generated from Pix2Pix adapting SFS likely to previous studies [5].</a:t>
             </a:r>
           </a:p>
         </p:txBody>
@@ -4288,7 +4340,7 @@
         <p:spPr>
           <a:xfrm>
             <a:off x="5046038" y="1809956"/>
-            <a:ext cx="4440560" cy="2308324"/>
+            <a:ext cx="4440560" cy="2554545"/>
           </a:xfrm>
           <a:prstGeom prst="rect">
             <a:avLst/>
@@ -4311,7 +4363,7 @@
                 <a:latin typeface="Arial" panose="020B0604020202020204" pitchFamily="34" charset="0"/>
                 <a:cs typeface="Arial" panose="020B0604020202020204" pitchFamily="34" charset="0"/>
               </a:rPr>
-              <a:t>    Figure 2 shows the process of creating Pix2Pix training data. This research select SLDEM 2015 [6] &amp; LRO NAC Orthoimage [7] as dataset. First, LRO NAC Orthoimages are </a:t>
+              <a:t>    This study has established procedures for preprocessing dataset. Figure 2 shows the processing Pix2Pix training data. This research selects SLDEM 2015 [6] &amp; LRO NAC Orthoimage [7] as dataset. First, LRO NAC Orthoimages are </a:t>
             </a:r>
             <a:r>
               <a:rPr kumimoji="1" lang="en-US" altLang="ja-JP" sz="1600" dirty="0" err="1">
@@ -4444,8 +4496,8 @@
         </p:nvSpPr>
         <p:spPr>
           <a:xfrm>
-            <a:off x="4903269" y="9783685"/>
-            <a:ext cx="4440560" cy="1015663"/>
+            <a:off x="4950821" y="9728841"/>
+            <a:ext cx="4393008" cy="1015663"/>
           </a:xfrm>
           <a:prstGeom prst="rect">
             <a:avLst/>
@@ -4483,21 +4535,7 @@
                 <a:latin typeface="Arial" panose="020B0604020202020204" pitchFamily="34" charset="0"/>
                 <a:cs typeface="Arial" panose="020B0604020202020204" pitchFamily="34" charset="0"/>
               </a:rPr>
-              <a:t>[2] Henriksen, M., et al., LROC NAC Digital Terrain Models: Production and Availability, 2020. In Proceedings of the Lunar </a:t>
-            </a:r>
-            <a:r>
-              <a:rPr lang="en-US" altLang="ja-JP" sz="600" dirty="0" err="1">
-                <a:latin typeface="Arial" panose="020B0604020202020204" pitchFamily="34" charset="0"/>
-                <a:cs typeface="Arial" panose="020B0604020202020204" pitchFamily="34" charset="0"/>
-              </a:rPr>
-              <a:t>Surace</a:t>
-            </a:r>
-            <a:r>
-              <a:rPr lang="en-US" altLang="ja-JP" sz="600" dirty="0">
-                <a:latin typeface="Arial" panose="020B0604020202020204" pitchFamily="34" charset="0"/>
-                <a:cs typeface="Arial" panose="020B0604020202020204" pitchFamily="34" charset="0"/>
-              </a:rPr>
-              <a:t> Science Workshop, virtual meeting, 28–29 May 2020; LPI Contribution 2241. p. 5084.</a:t>
+              <a:t>[2] Henriksen, M., et al., LROC NAC Digital Terrain Models: Production and Availability, 2020. In Proceedings of the Lunar Surface Science Workshop, virtual meeting, 28–29 May 2020; LPI Contribution 2241. p. 5084.</a:t>
             </a:r>
           </a:p>
           <a:p>
@@ -4670,19 +4708,8 @@
                 <a:latin typeface="Arial" panose="020B0604020202020204" pitchFamily="34" charset="0"/>
                 <a:cs typeface="Arial" panose="020B0604020202020204" pitchFamily="34" charset="0"/>
               </a:rPr>
-              <a:t>Figure 1. Flowchart of  </a:t>
-            </a:r>
-            <a:r>
-              <a:rPr lang="en-US" altLang="ja-JP" sz="1600" b="1" dirty="0">
-                <a:latin typeface="Arial" panose="020B0604020202020204" pitchFamily="34" charset="0"/>
-                <a:cs typeface="Arial" panose="020B0604020202020204" pitchFamily="34" charset="0"/>
-              </a:rPr>
-              <a:t>Methodology</a:t>
-            </a:r>
-            <a:endParaRPr kumimoji="1" lang="en-US" altLang="ja-JP" sz="1600" b="1" dirty="0">
-              <a:latin typeface="Arial" panose="020B0604020202020204" pitchFamily="34" charset="0"/>
-              <a:cs typeface="Arial" panose="020B0604020202020204" pitchFamily="34" charset="0"/>
-            </a:endParaRPr>
+              <a:t>Figure 1. DTM processing flow</a:t>
+            </a:r>
           </a:p>
         </p:txBody>
       </p:sp>
@@ -4700,8 +4727,8 @@
         </p:nvSpPr>
         <p:spPr>
           <a:xfrm>
-            <a:off x="6873968" y="7445960"/>
-            <a:ext cx="193319" cy="150936"/>
+            <a:off x="6853799" y="7452566"/>
+            <a:ext cx="227827" cy="150936"/>
           </a:xfrm>
           <a:prstGeom prst="rect">
             <a:avLst/>
@@ -4752,8 +4779,8 @@
         </p:nvSpPr>
         <p:spPr>
           <a:xfrm>
-            <a:off x="7379482" y="7975951"/>
-            <a:ext cx="288032" cy="127041"/>
+            <a:off x="7405706" y="7982753"/>
+            <a:ext cx="261803" cy="120239"/>
           </a:xfrm>
           <a:prstGeom prst="rect">
             <a:avLst/>
@@ -5249,7 +5276,7 @@
         </p:blipFill>
         <p:spPr>
           <a:xfrm rot="5400000">
-            <a:off x="7933105" y="4597965"/>
+            <a:off x="7921639" y="4769614"/>
             <a:ext cx="792000" cy="792000"/>
           </a:xfrm>
           <a:prstGeom prst="rect">
@@ -5284,7 +5311,7 @@
         </p:blipFill>
         <p:spPr>
           <a:xfrm rot="5400000">
-            <a:off x="8726372" y="4593334"/>
+            <a:off x="8714906" y="4764983"/>
             <a:ext cx="790647" cy="793181"/>
           </a:xfrm>
           <a:prstGeom prst="rect">
@@ -5320,7 +5347,7 @@
         </p:blipFill>
         <p:spPr>
           <a:xfrm rot="5400000">
-            <a:off x="5623346" y="3653267"/>
+            <a:off x="5611880" y="3824916"/>
             <a:ext cx="630440" cy="1678151"/>
           </a:xfrm>
           <a:prstGeom prst="rect">
@@ -5355,7 +5382,7 @@
         </p:blipFill>
         <p:spPr>
           <a:xfrm rot="5400000">
-            <a:off x="5644293" y="4794544"/>
+            <a:off x="5632827" y="4966193"/>
             <a:ext cx="630441" cy="1720047"/>
           </a:xfrm>
           <a:prstGeom prst="rect">
@@ -5377,7 +5404,7 @@
         </p:nvSpPr>
         <p:spPr>
           <a:xfrm>
-            <a:off x="5207104" y="4842728"/>
+            <a:off x="5195638" y="5014377"/>
             <a:ext cx="1570538" cy="338554"/>
           </a:xfrm>
           <a:prstGeom prst="rect">
@@ -5461,7 +5488,7 @@
         </p:nvSpPr>
         <p:spPr>
           <a:xfrm>
-            <a:off x="5480779" y="4216415"/>
+            <a:off x="5469313" y="4388064"/>
             <a:ext cx="558012" cy="555981"/>
           </a:xfrm>
           <a:prstGeom prst="frame">
@@ -5519,7 +5546,7 @@
         </p:nvSpPr>
         <p:spPr>
           <a:xfrm>
-            <a:off x="5480779" y="5400617"/>
+            <a:off x="5469313" y="5572266"/>
             <a:ext cx="584080" cy="523332"/>
           </a:xfrm>
           <a:prstGeom prst="frame">
@@ -5577,7 +5604,7 @@
         </p:nvSpPr>
         <p:spPr>
           <a:xfrm>
-            <a:off x="8723922" y="4597446"/>
+            <a:off x="8712456" y="4769095"/>
             <a:ext cx="788507" cy="804219"/>
           </a:xfrm>
           <a:prstGeom prst="frame">
@@ -5635,7 +5662,7 @@
         </p:nvSpPr>
         <p:spPr>
           <a:xfrm>
-            <a:off x="7950727" y="4597446"/>
+            <a:off x="7939261" y="4769095"/>
             <a:ext cx="773195" cy="787801"/>
           </a:xfrm>
           <a:prstGeom prst="frame">
@@ -5693,7 +5720,7 @@
         </p:nvSpPr>
         <p:spPr>
           <a:xfrm rot="16200000">
-            <a:off x="7192455" y="4611661"/>
+            <a:off x="7180989" y="4783310"/>
             <a:ext cx="398443" cy="792000"/>
           </a:xfrm>
           <a:prstGeom prst="downArrow">
@@ -5745,7 +5772,7 @@
         </p:nvSpPr>
         <p:spPr>
           <a:xfrm>
-            <a:off x="6893221" y="5282548"/>
+            <a:off x="6881755" y="5454197"/>
             <a:ext cx="2419453" cy="584775"/>
           </a:xfrm>
           <a:prstGeom prst="rect">
@@ -6275,8 +6302,8 @@
         </p:blipFill>
         <p:spPr>
           <a:xfrm>
-            <a:off x="1009550" y="10696407"/>
-            <a:ext cx="7772400" cy="1840619"/>
+            <a:off x="1238575" y="10882814"/>
+            <a:ext cx="7075668" cy="1675623"/>
           </a:xfrm>
           <a:prstGeom prst="rect">
             <a:avLst/>

--- a/mid_poster/mid_poster_en.pptx
+++ b/mid_poster/mid_poster_en.pptx
@@ -4198,14 +4198,14 @@
                 <a:latin typeface="Arial" panose="020B0604020202020204" pitchFamily="34" charset="0"/>
                 <a:cs typeface="Arial" panose="020B0604020202020204" pitchFamily="34" charset="0"/>
               </a:rPr>
-              <a:t> topography and geology [1]. LRO NAC DTMs with the highest resolution (~2 m/pix) show little coverage with only 470 pieces [2], because suitable geometry for stereo-</a:t>
+              <a:t> topography and geology [1]. LRO NAC DTMs with the highest resolution (~2 m/pix) show little coverage with only 470 pieces [2], because suitable geometry for </a:t>
             </a:r>
             <a:r>
               <a:rPr kumimoji="1" lang="en-US" altLang="ja-JP" sz="1600" dirty="0" err="1">
                 <a:latin typeface="Arial" panose="020B0604020202020204" pitchFamily="34" charset="0"/>
                 <a:cs typeface="Arial" panose="020B0604020202020204" pitchFamily="34" charset="0"/>
               </a:rPr>
-              <a:t>grammetry</a:t>
+              <a:t>stereogrammetry</a:t>
             </a:r>
             <a:r>
               <a:rPr kumimoji="1" lang="en-US" altLang="ja-JP" sz="1600" dirty="0">
@@ -4326,7 +4326,7 @@
                 <a:latin typeface="Arial" panose="020B0604020202020204" pitchFamily="34" charset="0"/>
                 <a:cs typeface="Arial" panose="020B0604020202020204" pitchFamily="34" charset="0"/>
               </a:rPr>
-              <a:t>   SFS is a technique for estimating the shape of an object from a single shaded image. We improve DTMs generated from Pix2Pix adapting SFS likely to previous studies [5].</a:t>
+              <a:t>   SFS is a technique for estimating the shape of an object from a single shaded image. We improve DTMs generated from Pix2Pix adapting SFS likely to previous studies [6].</a:t>
             </a:r>
           </a:p>
         </p:txBody>
@@ -4363,7 +4363,7 @@
                 <a:latin typeface="Arial" panose="020B0604020202020204" pitchFamily="34" charset="0"/>
                 <a:cs typeface="Arial" panose="020B0604020202020204" pitchFamily="34" charset="0"/>
               </a:rPr>
-              <a:t>    This study has established procedures for preprocessing dataset. Figure 2 shows the processing Pix2Pix training data. This research selects SLDEM 2015 [6] &amp; LRO NAC Orthoimage [7] as dataset. First, LRO NAC Orthoimages are </a:t>
+              <a:t>    This study has established procedures for preprocessing dataset. Figure 2 shows the processing Pix2Pix training data. This research selects SLDEM 2015 [7] &amp; LRO NAC Orthoimage [8] as dataset. First, LRO NAC Orthoimages are </a:t>
             </a:r>
             <a:r>
               <a:rPr kumimoji="1" lang="en-US" altLang="ja-JP" sz="1600" dirty="0" err="1">
@@ -4497,7 +4497,7 @@
         <p:spPr>
           <a:xfrm>
             <a:off x="4950821" y="9728841"/>
-            <a:ext cx="4393008" cy="1015663"/>
+            <a:ext cx="4393008" cy="1384995"/>
           </a:xfrm>
           <a:prstGeom prst="rect">
             <a:avLst/>
@@ -4514,7 +4514,7 @@
                 <a:latin typeface="Arial" panose="020B0604020202020204" pitchFamily="34" charset="0"/>
                 <a:cs typeface="Arial" panose="020B0604020202020204" pitchFamily="34" charset="0"/>
               </a:rPr>
-              <a:t>[1] Barker, M. K., et al., A new lunar digital elevation model from the Lunar Orbiter Laser Altimeter and SELENE Terrain Camera, 2016. doi:</a:t>
+              <a:t>[1] Barker, M. K., et al., 2016. “A new lunar digital elevation model from the Lunar Orbiter Laser Altimeter and SELENE Terrain Camera”. 2016. Icarus, vol. 273, pp. 346–355. doi:</a:t>
             </a:r>
             <a:r>
               <a:rPr lang="en-US" altLang="ja-JP" sz="600" dirty="0">
@@ -4535,7 +4535,7 @@
                 <a:latin typeface="Arial" panose="020B0604020202020204" pitchFamily="34" charset="0"/>
                 <a:cs typeface="Arial" panose="020B0604020202020204" pitchFamily="34" charset="0"/>
               </a:rPr>
-              <a:t>[2] Henriksen, M., et al., LROC NAC Digital Terrain Models: Production and Availability, 2020. In Proceedings of the Lunar Surface Science Workshop, virtual meeting, 28–29 May 2020; LPI Contribution 2241. p. 5084.</a:t>
+              <a:t>[2] Henriksen, M., et al., 2020. “LROC NAC Digital Terrain Models: Production and Availability”. Proceedings of the Lunar Surface Science Workshop, virtual meeting, May 28–29; LPI Contribution 2241, p. 5084.</a:t>
             </a:r>
           </a:p>
           <a:p>
@@ -4544,7 +4544,16 @@
                 <a:latin typeface="Arial" panose="020B0604020202020204" pitchFamily="34" charset="0"/>
                 <a:cs typeface="Arial" panose="020B0604020202020204" pitchFamily="34" charset="0"/>
               </a:rPr>
-              <a:t>[3]Onodera, K., et al., Resolution enhancement of DEM of the lunar surface using machine learning, 2020. doi:</a:t>
+              <a:t>[3]Onodera, K., et al., 2020. “Resolution enhancement of DEM of the lunar surface using machine learning”. JAXA Research and Development Report: Journal of Space Science Informatics Japan, vol. 9, pp. 21–32.  </a:t>
+            </a:r>
+          </a:p>
+          <a:p>
+            <a:r>
+              <a:rPr lang="en-US" altLang="ja-JP" sz="600" dirty="0">
+                <a:latin typeface="Arial" panose="020B0604020202020204" pitchFamily="34" charset="0"/>
+                <a:cs typeface="Arial" panose="020B0604020202020204" pitchFamily="34" charset="0"/>
+              </a:rPr>
+              <a:t>doi:</a:t>
             </a:r>
             <a:r>
               <a:rPr lang="en-US" altLang="ja-JP" sz="600" dirty="0">
@@ -4565,7 +4574,7 @@
                 <a:latin typeface="Arial" panose="020B0604020202020204" pitchFamily="34" charset="0"/>
                 <a:cs typeface="Arial" panose="020B0604020202020204" pitchFamily="34" charset="0"/>
               </a:rPr>
-              <a:t>[4] Horn V. K. P. &amp; Brooks M. J., SHAPE from SHADING, (London, MIT Press,1989).</a:t>
+              <a:t>[4] Horn V. K. P. &amp; Brooks M. J., 1989. “SHAPE from SHADING”. London, MIT Press.</a:t>
             </a:r>
           </a:p>
           <a:p>
@@ -4574,7 +4583,7 @@
                 <a:latin typeface="Arial" panose="020B0604020202020204" pitchFamily="34" charset="0"/>
                 <a:cs typeface="Arial" panose="020B0604020202020204" pitchFamily="34" charset="0"/>
               </a:rPr>
-              <a:t>[5] Isola, P., et al., Image-to-Image Translation with Conditional Adversarial Networks, 2016. doi:</a:t>
+              <a:t>[5] Isola, P., et al., 2017. “Image-to-Image Translation with Conditional Adversarial Networks”. IEEE Conference on Computer Vision and Pattern Recognition, pp. 1125–1134. doi:</a:t>
             </a:r>
             <a:r>
               <a:rPr lang="en-US" altLang="ja-JP" sz="600" dirty="0">
@@ -4595,14 +4604,63 @@
                 <a:latin typeface="Arial" panose="020B0604020202020204" pitchFamily="34" charset="0"/>
                 <a:cs typeface="Arial" panose="020B0604020202020204" pitchFamily="34" charset="0"/>
               </a:rPr>
-              <a:t>[6] </a:t>
+              <a:t>[6] Cho M. &amp; </a:t>
+            </a:r>
+            <a:r>
+              <a:rPr lang="en-US" altLang="ja-JP" sz="600" dirty="0" err="1">
+                <a:latin typeface="Arial" panose="020B0604020202020204" pitchFamily="34" charset="0"/>
+                <a:cs typeface="Arial" panose="020B0604020202020204" pitchFamily="34" charset="0"/>
+              </a:rPr>
+              <a:t>Tahk</a:t>
+            </a:r>
+            <a:r>
+              <a:rPr lang="en-US" altLang="ja-JP" sz="600" dirty="0">
+                <a:latin typeface="Arial" panose="020B0604020202020204" pitchFamily="34" charset="0"/>
+                <a:cs typeface="Arial" panose="020B0604020202020204" pitchFamily="34" charset="0"/>
+              </a:rPr>
+              <a:t> M., 2018. “Reconstruction of High-Frequency Lunar Digital Elevation Model using Shape from Shading”. INCAS Bulletin, vol. 10, issue 1.  </a:t>
+            </a:r>
+            <a:r>
+              <a:rPr lang="en-US" altLang="ja-JP" sz="600" dirty="0" err="1">
+                <a:latin typeface="Arial" panose="020B0604020202020204" pitchFamily="34" charset="0"/>
+                <a:cs typeface="Arial" panose="020B0604020202020204" pitchFamily="34" charset="0"/>
+              </a:rPr>
+              <a:t>doi</a:t>
+            </a:r>
+            <a:r>
+              <a:rPr lang="en-US" altLang="ja-JP" sz="600" dirty="0">
+                <a:latin typeface="Arial" panose="020B0604020202020204" pitchFamily="34" charset="0"/>
+                <a:cs typeface="Arial" panose="020B0604020202020204" pitchFamily="34" charset="0"/>
+              </a:rPr>
+              <a:t>: </a:t>
+            </a:r>
+            <a:r>
+              <a:rPr lang="en-US" altLang="ja-JP" sz="600" dirty="0">
+                <a:latin typeface="Arial" panose="020B0604020202020204" pitchFamily="34" charset="0"/>
+                <a:cs typeface="Arial" panose="020B0604020202020204" pitchFamily="34" charset="0"/>
+                <a:hlinkClick r:id="rId7"/>
+              </a:rPr>
+              <a:t>10.13111/2066-8201.2018.10.1.2</a:t>
+            </a:r>
+            <a:endParaRPr lang="en-US" altLang="ja-JP" sz="600" dirty="0">
+              <a:latin typeface="Arial" panose="020B0604020202020204" pitchFamily="34" charset="0"/>
+              <a:cs typeface="Arial" panose="020B0604020202020204" pitchFamily="34" charset="0"/>
+            </a:endParaRPr>
+          </a:p>
+          <a:p>
+            <a:r>
+              <a:rPr lang="en-US" altLang="ja-JP" sz="600" dirty="0">
+                <a:latin typeface="Arial" panose="020B0604020202020204" pitchFamily="34" charset="0"/>
+                <a:cs typeface="Arial" panose="020B0604020202020204" pitchFamily="34" charset="0"/>
+              </a:rPr>
+              <a:t>[7] </a:t>
             </a:r>
             <a:r>
               <a:rPr lang="en" altLang="ja-JP" sz="600" b="0" i="0" dirty="0">
                 <a:effectLst/>
                 <a:latin typeface="Arial" panose="020B0604020202020204" pitchFamily="34" charset="0"/>
                 <a:cs typeface="Arial" panose="020B0604020202020204" pitchFamily="34" charset="0"/>
-                <a:hlinkClick r:id="rId7"/>
+                <a:hlinkClick r:id="rId8"/>
               </a:rPr>
               <a:t>http://imbrium.mit.edu/EXTRAS/SLDEM2015/</a:t>
             </a:r>
@@ -4618,14 +4676,14 @@
                 <a:latin typeface="Arial" panose="020B0604020202020204" pitchFamily="34" charset="0"/>
                 <a:cs typeface="Arial" panose="020B0604020202020204" pitchFamily="34" charset="0"/>
               </a:rPr>
-              <a:t>[7] </a:t>
+              <a:t>[8] </a:t>
             </a:r>
             <a:r>
               <a:rPr lang="en" altLang="ja-JP" sz="600" b="0" i="0" dirty="0">
                 <a:effectLst/>
                 <a:latin typeface="Arial" panose="020B0604020202020204" pitchFamily="34" charset="0"/>
                 <a:cs typeface="Arial" panose="020B0604020202020204" pitchFamily="34" charset="0"/>
-                <a:hlinkClick r:id="rId8"/>
+                <a:hlinkClick r:id="rId9"/>
               </a:rPr>
               <a:t>https://wms.lroc.asu.edu/lroc/rdr_product_select</a:t>
             </a:r>
@@ -4688,8 +4746,8 @@
         </p:nvSpPr>
         <p:spPr>
           <a:xfrm>
-            <a:off x="3272023" y="12452494"/>
-            <a:ext cx="4584893" cy="338554"/>
+            <a:off x="3592822" y="12477177"/>
+            <a:ext cx="3260977" cy="338554"/>
           </a:xfrm>
           <a:prstGeom prst="rect">
             <a:avLst/>
@@ -4779,8 +4837,8 @@
         </p:nvSpPr>
         <p:spPr>
           <a:xfrm>
-            <a:off x="7405706" y="7982753"/>
-            <a:ext cx="261803" cy="120239"/>
+            <a:off x="7405706" y="7977928"/>
+            <a:ext cx="261611" cy="142923"/>
           </a:xfrm>
           <a:prstGeom prst="rect">
             <a:avLst/>
@@ -4831,8 +4889,8 @@
         </p:nvSpPr>
         <p:spPr>
           <a:xfrm>
-            <a:off x="7667514" y="8170533"/>
-            <a:ext cx="451862" cy="108560"/>
+            <a:off x="7667513" y="8157657"/>
+            <a:ext cx="451861" cy="142923"/>
           </a:xfrm>
           <a:prstGeom prst="rect">
             <a:avLst/>
@@ -4883,8 +4941,8 @@
         </p:nvSpPr>
         <p:spPr>
           <a:xfrm>
-            <a:off x="7811530" y="8354879"/>
-            <a:ext cx="512369" cy="113272"/>
+            <a:off x="7667317" y="8363119"/>
+            <a:ext cx="650323" cy="122339"/>
           </a:xfrm>
           <a:prstGeom prst="rect">
             <a:avLst/>
@@ -5073,8 +5131,8 @@
         </p:nvSpPr>
         <p:spPr>
           <a:xfrm>
-            <a:off x="8338185" y="8558768"/>
-            <a:ext cx="337439" cy="119462"/>
+            <a:off x="8317641" y="8547465"/>
+            <a:ext cx="357984" cy="130765"/>
           </a:xfrm>
           <a:prstGeom prst="rect">
             <a:avLst/>
@@ -5168,8 +5226,8 @@
         </p:nvSpPr>
         <p:spPr>
           <a:xfrm>
-            <a:off x="8689489" y="8733721"/>
-            <a:ext cx="359579" cy="126364"/>
+            <a:off x="8697347" y="8726916"/>
+            <a:ext cx="348208" cy="143593"/>
           </a:xfrm>
           <a:prstGeom prst="rect">
             <a:avLst/>
@@ -5264,7 +5322,7 @@
           <p:nvPr/>
         </p:nvPicPr>
         <p:blipFill rotWithShape="1">
-          <a:blip r:embed="rId9">
+          <a:blip r:embed="rId10">
             <a:extLst>
               <a:ext uri="{28A0092B-C50C-407E-A947-70E740481C1C}">
                 <a14:useLocalDpi xmlns:a14="http://schemas.microsoft.com/office/drawing/2010/main" val="0"/>
@@ -5299,7 +5357,7 @@
           <p:nvPr/>
         </p:nvPicPr>
         <p:blipFill rotWithShape="1">
-          <a:blip r:embed="rId10">
+          <a:blip r:embed="rId11">
             <a:extLst>
               <a:ext uri="{28A0092B-C50C-407E-A947-70E740481C1C}">
                 <a14:useLocalDpi xmlns:a14="http://schemas.microsoft.com/office/drawing/2010/main" val="0"/>
@@ -5334,7 +5392,7 @@
           <p:nvPr/>
         </p:nvPicPr>
         <p:blipFill>
-          <a:blip r:embed="rId11">
+          <a:blip r:embed="rId12">
             <a:extLst>
               <a:ext uri="{28A0092B-C50C-407E-A947-70E740481C1C}">
                 <a14:useLocalDpi xmlns:a14="http://schemas.microsoft.com/office/drawing/2010/main" val="0"/>
@@ -5370,7 +5428,7 @@
           <p:nvPr/>
         </p:nvPicPr>
         <p:blipFill rotWithShape="1">
-          <a:blip r:embed="rId12">
+          <a:blip r:embed="rId13">
             <a:extLst>
               <a:ext uri="{28A0092B-C50C-407E-A947-70E740481C1C}">
                 <a14:useLocalDpi xmlns:a14="http://schemas.microsoft.com/office/drawing/2010/main" val="0"/>
@@ -6282,10 +6340,10 @@
       </p:sp>
       <p:pic>
         <p:nvPicPr>
-          <p:cNvPr id="133" name="図 132">
+          <p:cNvPr id="62" name="図 61">
             <a:extLst>
               <a:ext uri="{FF2B5EF4-FFF2-40B4-BE49-F238E27FC236}">
-                <a16:creationId xmlns:a16="http://schemas.microsoft.com/office/drawing/2014/main" id="{C5690029-4D6F-5F39-DB0C-413D698A4B83}"/>
+                <a16:creationId xmlns:a16="http://schemas.microsoft.com/office/drawing/2014/main" id="{A0630BBB-83F3-A5FF-4F45-4AED59E092D3}"/>
               </a:ext>
             </a:extLst>
           </p:cNvPr>
@@ -6295,15 +6353,15 @@
           <p:nvPr/>
         </p:nvPicPr>
         <p:blipFill>
-          <a:blip r:embed="rId13"/>
+          <a:blip r:embed="rId14"/>
           <a:stretch>
             <a:fillRect/>
           </a:stretch>
         </p:blipFill>
         <p:spPr>
           <a:xfrm>
-            <a:off x="1238575" y="10882814"/>
-            <a:ext cx="7075668" cy="1675623"/>
+            <a:off x="635772" y="11029243"/>
+            <a:ext cx="8835581" cy="1689155"/>
           </a:xfrm>
           <a:prstGeom prst="rect">
             <a:avLst/>
